--- a/Broker Setup and port forwarding/Wi-fi Modem Config & Port forwarding.pptx
+++ b/Broker Setup and port forwarding/Wi-fi Modem Config & Port forwarding.pptx
@@ -5,19 +5,21 @@
     <p:sldMasterId id="2147483648" r:id="rId1"/>
   </p:sldMasterIdLst>
   <p:notesMasterIdLst>
-    <p:notesMasterId r:id="rId12"/>
+    <p:notesMasterId r:id="rId14"/>
   </p:notesMasterIdLst>
   <p:sldIdLst>
     <p:sldId id="256" r:id="rId2"/>
     <p:sldId id="258" r:id="rId3"/>
     <p:sldId id="260" r:id="rId4"/>
-    <p:sldId id="259" r:id="rId5"/>
-    <p:sldId id="261" r:id="rId6"/>
-    <p:sldId id="268" r:id="rId7"/>
-    <p:sldId id="269" r:id="rId8"/>
-    <p:sldId id="270" r:id="rId9"/>
-    <p:sldId id="271" r:id="rId10"/>
-    <p:sldId id="272" r:id="rId11"/>
+    <p:sldId id="273" r:id="rId5"/>
+    <p:sldId id="274" r:id="rId6"/>
+    <p:sldId id="259" r:id="rId7"/>
+    <p:sldId id="261" r:id="rId8"/>
+    <p:sldId id="268" r:id="rId9"/>
+    <p:sldId id="269" r:id="rId10"/>
+    <p:sldId id="270" r:id="rId11"/>
+    <p:sldId id="271" r:id="rId12"/>
+    <p:sldId id="272" r:id="rId13"/>
   </p:sldIdLst>
   <p:sldSz cx="12192000" cy="6858000"/>
   <p:notesSz cx="6858000" cy="9144000"/>
@@ -206,7 +208,7 @@
           <a:p>
             <a:fld id="{BC1239E6-3E8C-4982-91D1-9C4E8B4D2C7F}" type="datetimeFigureOut">
               <a:rPr lang="en-US" smtClean="0"/>
-              <a:t>7/7/2025</a:t>
+              <a:t>8/24/2025</a:t>
             </a:fld>
             <a:endParaRPr lang="en-US"/>
           </a:p>
@@ -270,38 +272,37 @@
           <a:p>
             <a:pPr lvl="0"/>
             <a:r>
-              <a:rPr lang="en-US" smtClean="0"/>
+              <a:rPr lang="en-US"/>
               <a:t>Click to edit Master text styles</a:t>
             </a:r>
           </a:p>
           <a:p>
             <a:pPr lvl="1"/>
             <a:r>
-              <a:rPr lang="en-US" smtClean="0"/>
+              <a:rPr lang="en-US"/>
               <a:t>Second level</a:t>
             </a:r>
           </a:p>
           <a:p>
             <a:pPr lvl="2"/>
             <a:r>
-              <a:rPr lang="en-US" smtClean="0"/>
+              <a:rPr lang="en-US"/>
               <a:t>Third level</a:t>
             </a:r>
           </a:p>
           <a:p>
             <a:pPr lvl="3"/>
             <a:r>
-              <a:rPr lang="en-US" smtClean="0"/>
+              <a:rPr lang="en-US"/>
               <a:t>Fourth level</a:t>
             </a:r>
           </a:p>
           <a:p>
             <a:pPr lvl="4"/>
             <a:r>
-              <a:rPr lang="en-US" smtClean="0"/>
+              <a:rPr lang="en-US"/>
               <a:t>Fifth level</a:t>
             </a:r>
-            <a:endParaRPr lang="en-US"/>
           </a:p>
         </p:txBody>
       </p:sp>
@@ -516,10 +517,9 @@
           </a:lstStyle>
           <a:p>
             <a:r>
-              <a:rPr lang="en-US" smtClean="0"/>
+              <a:rPr lang="en-US"/>
               <a:t>Click to edit Master title style</a:t>
             </a:r>
-            <a:endParaRPr lang="en-US"/>
           </a:p>
         </p:txBody>
       </p:sp>
@@ -581,10 +581,9 @@
           </a:lstStyle>
           <a:p>
             <a:r>
-              <a:rPr lang="en-US" smtClean="0"/>
+              <a:rPr lang="en-US"/>
               <a:t>Click to edit Master subtitle style</a:t>
             </a:r>
-            <a:endParaRPr lang="en-US"/>
           </a:p>
         </p:txBody>
       </p:sp>
@@ -605,7 +604,7 @@
           <a:p>
             <a:fld id="{74853686-EE06-4D51-8351-1F591EA80609}" type="datetimeFigureOut">
               <a:rPr lang="en-US" smtClean="0"/>
-              <a:t>7/7/2025</a:t>
+              <a:t>8/24/2025</a:t>
             </a:fld>
             <a:endParaRPr lang="en-US"/>
           </a:p>
@@ -699,10 +698,9 @@
           <a:lstStyle/>
           <a:p>
             <a:r>
-              <a:rPr lang="en-US" smtClean="0"/>
+              <a:rPr lang="en-US"/>
               <a:t>Click to edit Master title style</a:t>
             </a:r>
-            <a:endParaRPr lang="en-US"/>
           </a:p>
         </p:txBody>
       </p:sp>
@@ -723,38 +721,37 @@
           <a:p>
             <a:pPr lvl="0"/>
             <a:r>
-              <a:rPr lang="en-US" smtClean="0"/>
+              <a:rPr lang="en-US"/>
               <a:t>Click to edit Master text styles</a:t>
             </a:r>
           </a:p>
           <a:p>
             <a:pPr lvl="1"/>
             <a:r>
-              <a:rPr lang="en-US" smtClean="0"/>
+              <a:rPr lang="en-US"/>
               <a:t>Second level</a:t>
             </a:r>
           </a:p>
           <a:p>
             <a:pPr lvl="2"/>
             <a:r>
-              <a:rPr lang="en-US" smtClean="0"/>
+              <a:rPr lang="en-US"/>
               <a:t>Third level</a:t>
             </a:r>
           </a:p>
           <a:p>
             <a:pPr lvl="3"/>
             <a:r>
-              <a:rPr lang="en-US" smtClean="0"/>
+              <a:rPr lang="en-US"/>
               <a:t>Fourth level</a:t>
             </a:r>
           </a:p>
           <a:p>
             <a:pPr lvl="4"/>
             <a:r>
-              <a:rPr lang="en-US" smtClean="0"/>
+              <a:rPr lang="en-US"/>
               <a:t>Fifth level</a:t>
             </a:r>
-            <a:endParaRPr lang="en-US"/>
           </a:p>
         </p:txBody>
       </p:sp>
@@ -775,7 +772,7 @@
           <a:p>
             <a:fld id="{74853686-EE06-4D51-8351-1F591EA80609}" type="datetimeFigureOut">
               <a:rPr lang="en-US" smtClean="0"/>
-              <a:t>7/7/2025</a:t>
+              <a:t>8/24/2025</a:t>
             </a:fld>
             <a:endParaRPr lang="en-US"/>
           </a:p>
@@ -874,10 +871,9 @@
           <a:lstStyle/>
           <a:p>
             <a:r>
-              <a:rPr lang="en-US" smtClean="0"/>
+              <a:rPr lang="en-US"/>
               <a:t>Click to edit Master title style</a:t>
             </a:r>
-            <a:endParaRPr lang="en-US"/>
           </a:p>
         </p:txBody>
       </p:sp>
@@ -903,38 +899,37 @@
           <a:p>
             <a:pPr lvl="0"/>
             <a:r>
-              <a:rPr lang="en-US" smtClean="0"/>
+              <a:rPr lang="en-US"/>
               <a:t>Click to edit Master text styles</a:t>
             </a:r>
           </a:p>
           <a:p>
             <a:pPr lvl="1"/>
             <a:r>
-              <a:rPr lang="en-US" smtClean="0"/>
+              <a:rPr lang="en-US"/>
               <a:t>Second level</a:t>
             </a:r>
           </a:p>
           <a:p>
             <a:pPr lvl="2"/>
             <a:r>
-              <a:rPr lang="en-US" smtClean="0"/>
+              <a:rPr lang="en-US"/>
               <a:t>Third level</a:t>
             </a:r>
           </a:p>
           <a:p>
             <a:pPr lvl="3"/>
             <a:r>
-              <a:rPr lang="en-US" smtClean="0"/>
+              <a:rPr lang="en-US"/>
               <a:t>Fourth level</a:t>
             </a:r>
           </a:p>
           <a:p>
             <a:pPr lvl="4"/>
             <a:r>
-              <a:rPr lang="en-US" smtClean="0"/>
+              <a:rPr lang="en-US"/>
               <a:t>Fifth level</a:t>
             </a:r>
-            <a:endParaRPr lang="en-US"/>
           </a:p>
         </p:txBody>
       </p:sp>
@@ -955,7 +950,7 @@
           <a:p>
             <a:fld id="{74853686-EE06-4D51-8351-1F591EA80609}" type="datetimeFigureOut">
               <a:rPr lang="en-US" smtClean="0"/>
-              <a:t>7/7/2025</a:t>
+              <a:t>8/24/2025</a:t>
             </a:fld>
             <a:endParaRPr lang="en-US"/>
           </a:p>
@@ -1049,10 +1044,9 @@
           <a:lstStyle/>
           <a:p>
             <a:r>
-              <a:rPr lang="en-US" smtClean="0"/>
+              <a:rPr lang="en-US"/>
               <a:t>Click to edit Master title style</a:t>
             </a:r>
-            <a:endParaRPr lang="en-US"/>
           </a:p>
         </p:txBody>
       </p:sp>
@@ -1073,38 +1067,37 @@
           <a:p>
             <a:pPr lvl="0"/>
             <a:r>
-              <a:rPr lang="en-US" smtClean="0"/>
+              <a:rPr lang="en-US"/>
               <a:t>Click to edit Master text styles</a:t>
             </a:r>
           </a:p>
           <a:p>
             <a:pPr lvl="1"/>
             <a:r>
-              <a:rPr lang="en-US" smtClean="0"/>
+              <a:rPr lang="en-US"/>
               <a:t>Second level</a:t>
             </a:r>
           </a:p>
           <a:p>
             <a:pPr lvl="2"/>
             <a:r>
-              <a:rPr lang="en-US" smtClean="0"/>
+              <a:rPr lang="en-US"/>
               <a:t>Third level</a:t>
             </a:r>
           </a:p>
           <a:p>
             <a:pPr lvl="3"/>
             <a:r>
-              <a:rPr lang="en-US" smtClean="0"/>
+              <a:rPr lang="en-US"/>
               <a:t>Fourth level</a:t>
             </a:r>
           </a:p>
           <a:p>
             <a:pPr lvl="4"/>
             <a:r>
-              <a:rPr lang="en-US" smtClean="0"/>
+              <a:rPr lang="en-US"/>
               <a:t>Fifth level</a:t>
             </a:r>
-            <a:endParaRPr lang="en-US"/>
           </a:p>
         </p:txBody>
       </p:sp>
@@ -1125,7 +1118,7 @@
           <a:p>
             <a:fld id="{74853686-EE06-4D51-8351-1F591EA80609}" type="datetimeFigureOut">
               <a:rPr lang="en-US" smtClean="0"/>
-              <a:t>7/7/2025</a:t>
+              <a:t>8/24/2025</a:t>
             </a:fld>
             <a:endParaRPr lang="en-US"/>
           </a:p>
@@ -1228,10 +1221,9 @@
           </a:lstStyle>
           <a:p>
             <a:r>
-              <a:rPr lang="en-US" smtClean="0"/>
+              <a:rPr lang="en-US"/>
               <a:t>Click to edit Master title style</a:t>
             </a:r>
-            <a:endParaRPr lang="en-US"/>
           </a:p>
         </p:txBody>
       </p:sp>
@@ -1348,7 +1340,7 @@
           <a:p>
             <a:pPr lvl="0"/>
             <a:r>
-              <a:rPr lang="en-US" smtClean="0"/>
+              <a:rPr lang="en-US"/>
               <a:t>Click to edit Master text styles</a:t>
             </a:r>
           </a:p>
@@ -1371,7 +1363,7 @@
           <a:p>
             <a:fld id="{74853686-EE06-4D51-8351-1F591EA80609}" type="datetimeFigureOut">
               <a:rPr lang="en-US" smtClean="0"/>
-              <a:t>7/7/2025</a:t>
+              <a:t>8/24/2025</a:t>
             </a:fld>
             <a:endParaRPr lang="en-US"/>
           </a:p>
@@ -1465,10 +1457,9 @@
           <a:lstStyle/>
           <a:p>
             <a:r>
-              <a:rPr lang="en-US" smtClean="0"/>
+              <a:rPr lang="en-US"/>
               <a:t>Click to edit Master title style</a:t>
             </a:r>
-            <a:endParaRPr lang="en-US"/>
           </a:p>
         </p:txBody>
       </p:sp>
@@ -1494,38 +1485,37 @@
           <a:p>
             <a:pPr lvl="0"/>
             <a:r>
-              <a:rPr lang="en-US" smtClean="0"/>
+              <a:rPr lang="en-US"/>
               <a:t>Click to edit Master text styles</a:t>
             </a:r>
           </a:p>
           <a:p>
             <a:pPr lvl="1"/>
             <a:r>
-              <a:rPr lang="en-US" smtClean="0"/>
+              <a:rPr lang="en-US"/>
               <a:t>Second level</a:t>
             </a:r>
           </a:p>
           <a:p>
             <a:pPr lvl="2"/>
             <a:r>
-              <a:rPr lang="en-US" smtClean="0"/>
+              <a:rPr lang="en-US"/>
               <a:t>Third level</a:t>
             </a:r>
           </a:p>
           <a:p>
             <a:pPr lvl="3"/>
             <a:r>
-              <a:rPr lang="en-US" smtClean="0"/>
+              <a:rPr lang="en-US"/>
               <a:t>Fourth level</a:t>
             </a:r>
           </a:p>
           <a:p>
             <a:pPr lvl="4"/>
             <a:r>
-              <a:rPr lang="en-US" smtClean="0"/>
+              <a:rPr lang="en-US"/>
               <a:t>Fifth level</a:t>
             </a:r>
-            <a:endParaRPr lang="en-US"/>
           </a:p>
         </p:txBody>
       </p:sp>
@@ -1551,38 +1541,37 @@
           <a:p>
             <a:pPr lvl="0"/>
             <a:r>
-              <a:rPr lang="en-US" smtClean="0"/>
+              <a:rPr lang="en-US"/>
               <a:t>Click to edit Master text styles</a:t>
             </a:r>
           </a:p>
           <a:p>
             <a:pPr lvl="1"/>
             <a:r>
-              <a:rPr lang="en-US" smtClean="0"/>
+              <a:rPr lang="en-US"/>
               <a:t>Second level</a:t>
             </a:r>
           </a:p>
           <a:p>
             <a:pPr lvl="2"/>
             <a:r>
-              <a:rPr lang="en-US" smtClean="0"/>
+              <a:rPr lang="en-US"/>
               <a:t>Third level</a:t>
             </a:r>
           </a:p>
           <a:p>
             <a:pPr lvl="3"/>
             <a:r>
-              <a:rPr lang="en-US" smtClean="0"/>
+              <a:rPr lang="en-US"/>
               <a:t>Fourth level</a:t>
             </a:r>
           </a:p>
           <a:p>
             <a:pPr lvl="4"/>
             <a:r>
-              <a:rPr lang="en-US" smtClean="0"/>
+              <a:rPr lang="en-US"/>
               <a:t>Fifth level</a:t>
             </a:r>
-            <a:endParaRPr lang="en-US"/>
           </a:p>
         </p:txBody>
       </p:sp>
@@ -1603,7 +1592,7 @@
           <a:p>
             <a:fld id="{74853686-EE06-4D51-8351-1F591EA80609}" type="datetimeFigureOut">
               <a:rPr lang="en-US" smtClean="0"/>
-              <a:t>7/7/2025</a:t>
+              <a:t>8/24/2025</a:t>
             </a:fld>
             <a:endParaRPr lang="en-US"/>
           </a:p>
@@ -1702,10 +1691,9 @@
           <a:lstStyle/>
           <a:p>
             <a:r>
-              <a:rPr lang="en-US" smtClean="0"/>
+              <a:rPr lang="en-US"/>
               <a:t>Click to edit Master title style</a:t>
             </a:r>
-            <a:endParaRPr lang="en-US"/>
           </a:p>
         </p:txBody>
       </p:sp>
@@ -1768,7 +1756,7 @@
           <a:p>
             <a:pPr lvl="0"/>
             <a:r>
-              <a:rPr lang="en-US" smtClean="0"/>
+              <a:rPr lang="en-US"/>
               <a:t>Click to edit Master text styles</a:t>
             </a:r>
           </a:p>
@@ -1796,38 +1784,37 @@
           <a:p>
             <a:pPr lvl="0"/>
             <a:r>
-              <a:rPr lang="en-US" smtClean="0"/>
+              <a:rPr lang="en-US"/>
               <a:t>Click to edit Master text styles</a:t>
             </a:r>
           </a:p>
           <a:p>
             <a:pPr lvl="1"/>
             <a:r>
-              <a:rPr lang="en-US" smtClean="0"/>
+              <a:rPr lang="en-US"/>
               <a:t>Second level</a:t>
             </a:r>
           </a:p>
           <a:p>
             <a:pPr lvl="2"/>
             <a:r>
-              <a:rPr lang="en-US" smtClean="0"/>
+              <a:rPr lang="en-US"/>
               <a:t>Third level</a:t>
             </a:r>
           </a:p>
           <a:p>
             <a:pPr lvl="3"/>
             <a:r>
-              <a:rPr lang="en-US" smtClean="0"/>
+              <a:rPr lang="en-US"/>
               <a:t>Fourth level</a:t>
             </a:r>
           </a:p>
           <a:p>
             <a:pPr lvl="4"/>
             <a:r>
-              <a:rPr lang="en-US" smtClean="0"/>
+              <a:rPr lang="en-US"/>
               <a:t>Fifth level</a:t>
             </a:r>
-            <a:endParaRPr lang="en-US"/>
           </a:p>
         </p:txBody>
       </p:sp>
@@ -1890,7 +1877,7 @@
           <a:p>
             <a:pPr lvl="0"/>
             <a:r>
-              <a:rPr lang="en-US" smtClean="0"/>
+              <a:rPr lang="en-US"/>
               <a:t>Click to edit Master text styles</a:t>
             </a:r>
           </a:p>
@@ -1918,38 +1905,37 @@
           <a:p>
             <a:pPr lvl="0"/>
             <a:r>
-              <a:rPr lang="en-US" smtClean="0"/>
+              <a:rPr lang="en-US"/>
               <a:t>Click to edit Master text styles</a:t>
             </a:r>
           </a:p>
           <a:p>
             <a:pPr lvl="1"/>
             <a:r>
-              <a:rPr lang="en-US" smtClean="0"/>
+              <a:rPr lang="en-US"/>
               <a:t>Second level</a:t>
             </a:r>
           </a:p>
           <a:p>
             <a:pPr lvl="2"/>
             <a:r>
-              <a:rPr lang="en-US" smtClean="0"/>
+              <a:rPr lang="en-US"/>
               <a:t>Third level</a:t>
             </a:r>
           </a:p>
           <a:p>
             <a:pPr lvl="3"/>
             <a:r>
-              <a:rPr lang="en-US" smtClean="0"/>
+              <a:rPr lang="en-US"/>
               <a:t>Fourth level</a:t>
             </a:r>
           </a:p>
           <a:p>
             <a:pPr lvl="4"/>
             <a:r>
-              <a:rPr lang="en-US" smtClean="0"/>
+              <a:rPr lang="en-US"/>
               <a:t>Fifth level</a:t>
             </a:r>
-            <a:endParaRPr lang="en-US"/>
           </a:p>
         </p:txBody>
       </p:sp>
@@ -1970,7 +1956,7 @@
           <a:p>
             <a:fld id="{74853686-EE06-4D51-8351-1F591EA80609}" type="datetimeFigureOut">
               <a:rPr lang="en-US" smtClean="0"/>
-              <a:t>7/7/2025</a:t>
+              <a:t>8/24/2025</a:t>
             </a:fld>
             <a:endParaRPr lang="en-US"/>
           </a:p>
@@ -2064,10 +2050,9 @@
           <a:lstStyle/>
           <a:p>
             <a:r>
-              <a:rPr lang="en-US" smtClean="0"/>
+              <a:rPr lang="en-US"/>
               <a:t>Click to edit Master title style</a:t>
             </a:r>
-            <a:endParaRPr lang="en-US"/>
           </a:p>
         </p:txBody>
       </p:sp>
@@ -2088,7 +2073,7 @@
           <a:p>
             <a:fld id="{74853686-EE06-4D51-8351-1F591EA80609}" type="datetimeFigureOut">
               <a:rPr lang="en-US" smtClean="0"/>
-              <a:t>7/7/2025</a:t>
+              <a:t>8/24/2025</a:t>
             </a:fld>
             <a:endParaRPr lang="en-US"/>
           </a:p>
@@ -2183,7 +2168,7 @@
           <a:p>
             <a:fld id="{74853686-EE06-4D51-8351-1F591EA80609}" type="datetimeFigureOut">
               <a:rPr lang="en-US" smtClean="0"/>
-              <a:t>7/7/2025</a:t>
+              <a:t>8/24/2025</a:t>
             </a:fld>
             <a:endParaRPr lang="en-US"/>
           </a:p>
@@ -2286,10 +2271,9 @@
           </a:lstStyle>
           <a:p>
             <a:r>
-              <a:rPr lang="en-US" smtClean="0"/>
+              <a:rPr lang="en-US"/>
               <a:t>Click to edit Master title style</a:t>
             </a:r>
-            <a:endParaRPr lang="en-US"/>
           </a:p>
         </p:txBody>
       </p:sp>
@@ -2343,38 +2327,37 @@
           <a:p>
             <a:pPr lvl="0"/>
             <a:r>
-              <a:rPr lang="en-US" smtClean="0"/>
+              <a:rPr lang="en-US"/>
               <a:t>Click to edit Master text styles</a:t>
             </a:r>
           </a:p>
           <a:p>
             <a:pPr lvl="1"/>
             <a:r>
-              <a:rPr lang="en-US" smtClean="0"/>
+              <a:rPr lang="en-US"/>
               <a:t>Second level</a:t>
             </a:r>
           </a:p>
           <a:p>
             <a:pPr lvl="2"/>
             <a:r>
-              <a:rPr lang="en-US" smtClean="0"/>
+              <a:rPr lang="en-US"/>
               <a:t>Third level</a:t>
             </a:r>
           </a:p>
           <a:p>
             <a:pPr lvl="3"/>
             <a:r>
-              <a:rPr lang="en-US" smtClean="0"/>
+              <a:rPr lang="en-US"/>
               <a:t>Fourth level</a:t>
             </a:r>
           </a:p>
           <a:p>
             <a:pPr lvl="4"/>
             <a:r>
-              <a:rPr lang="en-US" smtClean="0"/>
+              <a:rPr lang="en-US"/>
               <a:t>Fifth level</a:t>
             </a:r>
-            <a:endParaRPr lang="en-US"/>
           </a:p>
         </p:txBody>
       </p:sp>
@@ -2437,7 +2420,7 @@
           <a:p>
             <a:pPr lvl="0"/>
             <a:r>
-              <a:rPr lang="en-US" smtClean="0"/>
+              <a:rPr lang="en-US"/>
               <a:t>Click to edit Master text styles</a:t>
             </a:r>
           </a:p>
@@ -2460,7 +2443,7 @@
           <a:p>
             <a:fld id="{74853686-EE06-4D51-8351-1F591EA80609}" type="datetimeFigureOut">
               <a:rPr lang="en-US" smtClean="0"/>
-              <a:t>7/7/2025</a:t>
+              <a:t>8/24/2025</a:t>
             </a:fld>
             <a:endParaRPr lang="en-US"/>
           </a:p>
@@ -2563,10 +2546,9 @@
           </a:lstStyle>
           <a:p>
             <a:r>
-              <a:rPr lang="en-US" smtClean="0"/>
+              <a:rPr lang="en-US"/>
               <a:t>Click to edit Master title style</a:t>
             </a:r>
-            <a:endParaRPr lang="en-US"/>
           </a:p>
         </p:txBody>
       </p:sp>
@@ -2690,7 +2672,7 @@
           <a:p>
             <a:pPr lvl="0"/>
             <a:r>
-              <a:rPr lang="en-US" smtClean="0"/>
+              <a:rPr lang="en-US"/>
               <a:t>Click to edit Master text styles</a:t>
             </a:r>
           </a:p>
@@ -2713,7 +2695,7 @@
           <a:p>
             <a:fld id="{74853686-EE06-4D51-8351-1F591EA80609}" type="datetimeFigureOut">
               <a:rPr lang="en-US" smtClean="0"/>
-              <a:t>7/7/2025</a:t>
+              <a:t>8/24/2025</a:t>
             </a:fld>
             <a:endParaRPr lang="en-US"/>
           </a:p>
@@ -2822,10 +2804,9 @@
           <a:lstStyle/>
           <a:p>
             <a:r>
-              <a:rPr lang="en-US" smtClean="0"/>
+              <a:rPr lang="en-US"/>
               <a:t>Click to edit Master title style</a:t>
             </a:r>
-            <a:endParaRPr lang="en-US"/>
           </a:p>
         </p:txBody>
       </p:sp>
@@ -2856,38 +2837,37 @@
           <a:p>
             <a:pPr lvl="0"/>
             <a:r>
-              <a:rPr lang="en-US" smtClean="0"/>
+              <a:rPr lang="en-US"/>
               <a:t>Click to edit Master text styles</a:t>
             </a:r>
           </a:p>
           <a:p>
             <a:pPr lvl="1"/>
             <a:r>
-              <a:rPr lang="en-US" smtClean="0"/>
+              <a:rPr lang="en-US"/>
               <a:t>Second level</a:t>
             </a:r>
           </a:p>
           <a:p>
             <a:pPr lvl="2"/>
             <a:r>
-              <a:rPr lang="en-US" smtClean="0"/>
+              <a:rPr lang="en-US"/>
               <a:t>Third level</a:t>
             </a:r>
           </a:p>
           <a:p>
             <a:pPr lvl="3"/>
             <a:r>
-              <a:rPr lang="en-US" smtClean="0"/>
+              <a:rPr lang="en-US"/>
               <a:t>Fourth level</a:t>
             </a:r>
           </a:p>
           <a:p>
             <a:pPr lvl="4"/>
             <a:r>
-              <a:rPr lang="en-US" smtClean="0"/>
+              <a:rPr lang="en-US"/>
               <a:t>Fifth level</a:t>
             </a:r>
-            <a:endParaRPr lang="en-US"/>
           </a:p>
         </p:txBody>
       </p:sp>
@@ -2926,7 +2906,7 @@
           <a:p>
             <a:fld id="{74853686-EE06-4D51-8351-1F591EA80609}" type="datetimeFigureOut">
               <a:rPr lang="en-US" smtClean="0"/>
-              <a:t>7/7/2025</a:t>
+              <a:t>8/24/2025</a:t>
             </a:fld>
             <a:endParaRPr lang="en-US"/>
           </a:p>
@@ -3347,10 +3327,9 @@
           <a:lstStyle/>
           <a:p>
             <a:r>
-              <a:rPr lang="en-US" dirty="0" smtClean="0"/>
+              <a:rPr lang="en-US" dirty="0"/>
               <a:t>Wi-Fi Modem Configurations</a:t>
             </a:r>
-            <a:endParaRPr lang="en-US" dirty="0"/>
           </a:p>
         </p:txBody>
       </p:sp>
@@ -3377,7 +3356,7 @@
           <a:lstStyle/>
           <a:p>
             <a:r>
-              <a:rPr lang="en-US" sz="2000" dirty="0" smtClean="0">
+              <a:rPr lang="en-US" sz="2000" dirty="0">
                 <a:solidFill>
                   <a:schemeClr val="tx1">
                     <a:lumMod val="50000"/>
@@ -3389,16 +3368,6 @@
             </a:r>
           </a:p>
           <a:p>
-            <a:endParaRPr lang="en-US" sz="2000" dirty="0" smtClean="0">
-              <a:solidFill>
-                <a:schemeClr val="tx1">
-                  <a:lumMod val="50000"/>
-                  <a:lumOff val="50000"/>
-                </a:schemeClr>
-              </a:solidFill>
-            </a:endParaRPr>
-          </a:p>
-          <a:p>
             <a:endParaRPr lang="en-US" sz="2000" dirty="0">
               <a:solidFill>
                 <a:schemeClr val="tx1">
@@ -3409,8 +3378,18 @@
             </a:endParaRPr>
           </a:p>
           <a:p>
-            <a:r>
-              <a:rPr lang="en-US" sz="2000" dirty="0" smtClean="0">
+            <a:endParaRPr lang="en-US" sz="2000" dirty="0">
+              <a:solidFill>
+                <a:schemeClr val="tx1">
+                  <a:lumMod val="50000"/>
+                  <a:lumOff val="50000"/>
+                </a:schemeClr>
+              </a:solidFill>
+            </a:endParaRPr>
+          </a:p>
+          <a:p>
+            <a:r>
+              <a:rPr lang="en-US" sz="2000" dirty="0">
                 <a:solidFill>
                   <a:schemeClr val="tx1">
                     <a:lumMod val="50000"/>
@@ -3421,7 +3400,7 @@
               <a:t>Use </a:t>
             </a:r>
             <a:r>
-              <a:rPr lang="en-US" sz="2000" b="1" dirty="0" smtClean="0">
+              <a:rPr lang="en-US" sz="2000" b="1" dirty="0">
                 <a:solidFill>
                   <a:schemeClr val="tx1">
                     <a:lumMod val="50000"/>
@@ -3432,7 +3411,7 @@
               <a:t>192.168.1.1</a:t>
             </a:r>
             <a:r>
-              <a:rPr lang="en-US" sz="2000" dirty="0" smtClean="0">
+              <a:rPr lang="en-US" sz="2000" dirty="0">
                 <a:solidFill>
                   <a:schemeClr val="tx1">
                     <a:lumMod val="50000"/>
@@ -3498,10 +3477,9 @@
           <a:lstStyle/>
           <a:p>
             <a:r>
-              <a:rPr lang="en-US" sz="3600" dirty="0" smtClean="0"/>
-              <a:t>Port forwarding</a:t>
-            </a:r>
-            <a:endParaRPr lang="en-US" sz="3600" dirty="0"/>
+              <a:rPr lang="en-US" sz="3600" dirty="0"/>
+              <a:t>Assign static IP address to Raspberry PI</a:t>
+            </a:r>
           </a:p>
         </p:txBody>
       </p:sp>
@@ -3514,7 +3492,7 @@
         <p:spPr>
           <a:xfrm>
             <a:off x="274320" y="1005842"/>
-            <a:ext cx="11503152" cy="1477328"/>
+            <a:ext cx="11503152" cy="1200329"/>
           </a:xfrm>
           <a:prstGeom prst="rect">
             <a:avLst/>
@@ -3525,17 +3503,879 @@
             <a:spAutoFit/>
           </a:bodyPr>
           <a:lstStyle/>
+          <a:p>
+            <a:r>
+              <a:rPr lang="en-US" dirty="0"/>
+              <a:t>3. Apply changes</a:t>
+            </a:r>
+          </a:p>
+          <a:p>
+            <a:endParaRPr lang="en-US" b="1" dirty="0"/>
+          </a:p>
           <a:p>
             <a:pPr marL="285750" indent="-285750">
               <a:buFont typeface="Arial" panose="020B0604020202020204" pitchFamily="34" charset="0"/>
               <a:buChar char="•"/>
             </a:pPr>
             <a:r>
-              <a:rPr lang="en-US" b="1" dirty="0" smtClean="0"/>
+              <a:rPr lang="en-US" b="1" dirty="0"/>
+              <a:t>Reboot </a:t>
+            </a:r>
+            <a:r>
+              <a:rPr lang="en-US" dirty="0"/>
+              <a:t>the Raspberry Pi</a:t>
+            </a:r>
+          </a:p>
+          <a:p>
+            <a:pPr marL="285750" indent="-285750">
+              <a:buFont typeface="Arial" panose="020B0604020202020204" pitchFamily="34" charset="0"/>
+              <a:buChar char="•"/>
+            </a:pPr>
+            <a:r>
+              <a:rPr lang="en-US" dirty="0"/>
+              <a:t>Check the </a:t>
+            </a:r>
+            <a:r>
+              <a:rPr lang="en-US" dirty="0" err="1"/>
+              <a:t>ip</a:t>
+            </a:r>
+            <a:r>
+              <a:rPr lang="en-US" dirty="0"/>
+              <a:t> address</a:t>
+            </a:r>
+          </a:p>
+        </p:txBody>
+      </p:sp>
+      <p:pic>
+        <p:nvPicPr>
+          <p:cNvPr id="9" name="Picture 8"/>
+          <p:cNvPicPr>
+            <a:picLocks noChangeAspect="1"/>
+          </p:cNvPicPr>
+          <p:nvPr/>
+        </p:nvPicPr>
+        <p:blipFill>
+          <a:blip r:embed="rId2"/>
+          <a:stretch>
+            <a:fillRect/>
+          </a:stretch>
+        </p:blipFill>
+        <p:spPr>
+          <a:xfrm>
+            <a:off x="341895" y="2313973"/>
+            <a:ext cx="8935697" cy="3162741"/>
+          </a:xfrm>
+          <a:prstGeom prst="rect">
+            <a:avLst/>
+          </a:prstGeom>
+        </p:spPr>
+      </p:pic>
+      <p:sp>
+        <p:nvSpPr>
+          <p:cNvPr id="10" name="Rectangle 9"/>
+          <p:cNvSpPr/>
+          <p:nvPr/>
+        </p:nvSpPr>
+        <p:spPr>
+          <a:xfrm>
+            <a:off x="1115568" y="4377918"/>
+            <a:ext cx="1124712" cy="230657"/>
+          </a:xfrm>
+          <a:prstGeom prst="rect">
+            <a:avLst/>
+          </a:prstGeom>
+          <a:solidFill>
+            <a:schemeClr val="accent4">
+              <a:alpha val="49000"/>
+            </a:schemeClr>
+          </a:solidFill>
+          <a:ln>
+            <a:noFill/>
+          </a:ln>
+        </p:spPr>
+        <p:style>
+          <a:lnRef idx="2">
+            <a:schemeClr val="accent1">
+              <a:shade val="50000"/>
+            </a:schemeClr>
+          </a:lnRef>
+          <a:fillRef idx="1">
+            <a:schemeClr val="accent1"/>
+          </a:fillRef>
+          <a:effectRef idx="0">
+            <a:schemeClr val="accent1"/>
+          </a:effectRef>
+          <a:fontRef idx="minor">
+            <a:schemeClr val="lt1"/>
+          </a:fontRef>
+        </p:style>
+        <p:txBody>
+          <a:bodyPr rtlCol="0" anchor="ctr"/>
+          <a:lstStyle/>
+          <a:p>
+            <a:pPr algn="ctr"/>
+            <a:endParaRPr lang="en-US"/>
+          </a:p>
+        </p:txBody>
+      </p:sp>
+      <p:cxnSp>
+        <p:nvCxnSpPr>
+          <p:cNvPr id="11" name="Straight Arrow Connector 10"/>
+          <p:cNvCxnSpPr>
+            <a:stCxn id="10" idx="3"/>
+            <a:endCxn id="14" idx="1"/>
+          </p:cNvCxnSpPr>
+          <p:nvPr/>
+        </p:nvCxnSpPr>
+        <p:spPr>
+          <a:xfrm flipV="1">
+            <a:off x="2240280" y="4493246"/>
+            <a:ext cx="7238186" cy="1"/>
+          </a:xfrm>
+          <a:prstGeom prst="straightConnector1">
+            <a:avLst/>
+          </a:prstGeom>
+          <a:ln>
+            <a:tailEnd type="triangle"/>
+          </a:ln>
+        </p:spPr>
+        <p:style>
+          <a:lnRef idx="1">
+            <a:schemeClr val="dk1"/>
+          </a:lnRef>
+          <a:fillRef idx="0">
+            <a:schemeClr val="dk1"/>
+          </a:fillRef>
+          <a:effectRef idx="0">
+            <a:schemeClr val="dk1"/>
+          </a:effectRef>
+          <a:fontRef idx="minor">
+            <a:schemeClr val="tx1"/>
+          </a:fontRef>
+        </p:style>
+      </p:cxnSp>
+      <p:sp>
+        <p:nvSpPr>
+          <p:cNvPr id="14" name="TextBox 13"/>
+          <p:cNvSpPr txBox="1"/>
+          <p:nvPr/>
+        </p:nvSpPr>
+        <p:spPr>
+          <a:xfrm>
+            <a:off x="9478466" y="4170080"/>
+            <a:ext cx="2390446" cy="646331"/>
+          </a:xfrm>
+          <a:prstGeom prst="rect">
+            <a:avLst/>
+          </a:prstGeom>
+          <a:noFill/>
+        </p:spPr>
+        <p:txBody>
+          <a:bodyPr wrap="square" rtlCol="0">
+            <a:spAutoFit/>
+          </a:bodyPr>
+          <a:lstStyle/>
+          <a:p>
+            <a:r>
+              <a:rPr lang="en-US" dirty="0"/>
+              <a:t>New Assigned static IP address</a:t>
+            </a:r>
+          </a:p>
+        </p:txBody>
+      </p:sp>
+    </p:spTree>
+    <p:extLst>
+      <p:ext uri="{BB962C8B-B14F-4D97-AF65-F5344CB8AC3E}">
+        <p14:creationId xmlns:p14="http://schemas.microsoft.com/office/powerpoint/2010/main" val="3010604636"/>
+      </p:ext>
+    </p:extLst>
+  </p:cSld>
+  <p:clrMapOvr>
+    <a:masterClrMapping/>
+  </p:clrMapOvr>
+</p:sld>
+</file>
+
+<file path=ppt/slides/slide11.xml><?xml version="1.0" encoding="utf-8"?>
+<p:sld xmlns:a="http://schemas.openxmlformats.org/drawingml/2006/main" xmlns:r="http://schemas.openxmlformats.org/officeDocument/2006/relationships" xmlns:p="http://schemas.openxmlformats.org/presentationml/2006/main">
+  <p:cSld>
+    <p:spTree>
+      <p:nvGrpSpPr>
+        <p:cNvPr id="1" name=""/>
+        <p:cNvGrpSpPr/>
+        <p:nvPr/>
+      </p:nvGrpSpPr>
+      <p:grpSpPr>
+        <a:xfrm>
+          <a:off x="0" y="0"/>
+          <a:ext cx="0" cy="0"/>
+          <a:chOff x="0" y="0"/>
+          <a:chExt cx="0" cy="0"/>
+        </a:xfrm>
+      </p:grpSpPr>
+      <p:sp>
+        <p:nvSpPr>
+          <p:cNvPr id="2" name="Title 1"/>
+          <p:cNvSpPr>
+            <a:spLocks noGrp="1"/>
+          </p:cNvSpPr>
+          <p:nvPr>
+            <p:ph type="title"/>
+          </p:nvPr>
+        </p:nvSpPr>
+        <p:spPr>
+          <a:xfrm>
+            <a:off x="0" y="1"/>
+            <a:ext cx="10515600" cy="758952"/>
+          </a:xfrm>
+        </p:spPr>
+        <p:txBody>
+          <a:bodyPr>
+            <a:normAutofit/>
+          </a:bodyPr>
+          <a:lstStyle/>
+          <a:p>
+            <a:r>
+              <a:rPr lang="en-US" sz="3600" dirty="0"/>
+              <a:t>Port forwarding</a:t>
+            </a:r>
+          </a:p>
+        </p:txBody>
+      </p:sp>
+      <p:sp>
+        <p:nvSpPr>
+          <p:cNvPr id="3" name="Rectangle 2"/>
+          <p:cNvSpPr/>
+          <p:nvPr/>
+        </p:nvSpPr>
+        <p:spPr>
+          <a:xfrm>
+            <a:off x="274320" y="1005842"/>
+            <a:ext cx="11503152" cy="1200329"/>
+          </a:xfrm>
+          <a:prstGeom prst="rect">
+            <a:avLst/>
+          </a:prstGeom>
+        </p:spPr>
+        <p:txBody>
+          <a:bodyPr wrap="square">
+            <a:spAutoFit/>
+          </a:bodyPr>
+          <a:lstStyle/>
+          <a:p>
+            <a:pPr marL="285750" indent="-285750">
+              <a:buFont typeface="Arial" panose="020B0604020202020204" pitchFamily="34" charset="0"/>
+              <a:buChar char="•"/>
+            </a:pPr>
+            <a:r>
+              <a:rPr lang="en-US" b="1" dirty="0"/>
+              <a:t>Log into your router</a:t>
+            </a:r>
+            <a:r>
+              <a:rPr lang="en-US" dirty="0"/>
+              <a:t> once again.</a:t>
+            </a:r>
+          </a:p>
+          <a:p>
+            <a:pPr marL="285750" indent="-285750">
+              <a:buFont typeface="Arial" panose="020B0604020202020204" pitchFamily="34" charset="0"/>
+              <a:buChar char="•"/>
+            </a:pPr>
+            <a:r>
+              <a:rPr lang="en-US" dirty="0"/>
+              <a:t>Go to the </a:t>
+            </a:r>
+            <a:r>
+              <a:rPr lang="en-US" b="1" dirty="0"/>
+              <a:t>port forwarding, virtual server</a:t>
+            </a:r>
+            <a:r>
+              <a:rPr lang="en-US" dirty="0"/>
+              <a:t>,</a:t>
+            </a:r>
+            <a:r>
+              <a:rPr lang="en-US" b="1" dirty="0"/>
+              <a:t> NAT</a:t>
+            </a:r>
+            <a:r>
+              <a:rPr lang="en-US" dirty="0"/>
+              <a:t> or </a:t>
+            </a:r>
+            <a:r>
+              <a:rPr lang="en-US" b="1" dirty="0"/>
+              <a:t>Applications &amp; Gaming</a:t>
+            </a:r>
+            <a:r>
+              <a:rPr lang="en-US" dirty="0"/>
+              <a:t>. </a:t>
+            </a:r>
+          </a:p>
+          <a:p>
+            <a:r>
+              <a:rPr lang="en-US" dirty="0"/>
+              <a:t>      In this case </a:t>
+            </a:r>
+            <a:r>
+              <a:rPr lang="en-US" b="1" dirty="0"/>
+              <a:t>Advanced</a:t>
+            </a:r>
+            <a:r>
+              <a:rPr lang="en-US" dirty="0"/>
+              <a:t> </a:t>
+            </a:r>
+            <a:r>
+              <a:rPr lang="en-US" dirty="0">
+                <a:sym typeface="Wingdings" panose="05000000000000000000" pitchFamily="2" charset="2"/>
+              </a:rPr>
+              <a:t> </a:t>
+            </a:r>
+            <a:r>
+              <a:rPr lang="en-US" b="1" dirty="0">
+                <a:sym typeface="Wingdings" panose="05000000000000000000" pitchFamily="2" charset="2"/>
+              </a:rPr>
+              <a:t>NAT</a:t>
+            </a:r>
+            <a:r>
+              <a:rPr lang="en-US" dirty="0">
+                <a:sym typeface="Wingdings" panose="05000000000000000000" pitchFamily="2" charset="2"/>
+              </a:rPr>
+              <a:t> </a:t>
+            </a:r>
+            <a:r>
+              <a:rPr lang="en-US" b="1" dirty="0">
+                <a:sym typeface="Wingdings" panose="05000000000000000000" pitchFamily="2" charset="2"/>
+              </a:rPr>
+              <a:t> Virtual Server.</a:t>
+            </a:r>
+            <a:endParaRPr lang="en-US" b="1" dirty="0"/>
+          </a:p>
+          <a:p>
+            <a:pPr marL="285750" indent="-285750">
+              <a:buFont typeface="Arial" panose="020B0604020202020204" pitchFamily="34" charset="0"/>
+              <a:buChar char="•"/>
+            </a:pPr>
+            <a:r>
+              <a:rPr lang="en-US" b="1" dirty="0"/>
+              <a:t>Add a new rule</a:t>
+            </a:r>
+            <a:r>
+              <a:rPr lang="en-US" dirty="0"/>
+              <a:t> using the assigned static IP address and the desired port.</a:t>
+            </a:r>
+          </a:p>
+        </p:txBody>
+      </p:sp>
+      <p:pic>
+        <p:nvPicPr>
+          <p:cNvPr id="8" name="Picture 7"/>
+          <p:cNvPicPr>
+            <a:picLocks noChangeAspect="1"/>
+          </p:cNvPicPr>
+          <p:nvPr/>
+        </p:nvPicPr>
+        <p:blipFill>
+          <a:blip r:embed="rId2"/>
+          <a:stretch>
+            <a:fillRect/>
+          </a:stretch>
+        </p:blipFill>
+        <p:spPr>
+          <a:xfrm>
+            <a:off x="352436" y="2315900"/>
+            <a:ext cx="6763485" cy="3809818"/>
+          </a:xfrm>
+          <a:prstGeom prst="rect">
+            <a:avLst/>
+          </a:prstGeom>
+        </p:spPr>
+      </p:pic>
+      <p:sp>
+        <p:nvSpPr>
+          <p:cNvPr id="12" name="Rectangle 11"/>
+          <p:cNvSpPr/>
+          <p:nvPr/>
+        </p:nvSpPr>
+        <p:spPr>
+          <a:xfrm>
+            <a:off x="1426464" y="5221224"/>
+            <a:ext cx="5577840" cy="758190"/>
+          </a:xfrm>
+          <a:prstGeom prst="rect">
+            <a:avLst/>
+          </a:prstGeom>
+          <a:solidFill>
+            <a:srgbClr val="00B0F0">
+              <a:alpha val="27000"/>
+            </a:srgbClr>
+          </a:solidFill>
+          <a:ln w="28575">
+            <a:solidFill>
+              <a:schemeClr val="accent1">
+                <a:lumMod val="50000"/>
+              </a:schemeClr>
+            </a:solidFill>
+          </a:ln>
+        </p:spPr>
+        <p:style>
+          <a:lnRef idx="2">
+            <a:schemeClr val="accent1">
+              <a:shade val="50000"/>
+            </a:schemeClr>
+          </a:lnRef>
+          <a:fillRef idx="1">
+            <a:schemeClr val="accent1"/>
+          </a:fillRef>
+          <a:effectRef idx="0">
+            <a:schemeClr val="accent1"/>
+          </a:effectRef>
+          <a:fontRef idx="minor">
+            <a:schemeClr val="lt1"/>
+          </a:fontRef>
+        </p:style>
+        <p:txBody>
+          <a:bodyPr rtlCol="0" anchor="ctr"/>
+          <a:lstStyle/>
+          <a:p>
+            <a:pPr algn="ctr"/>
+            <a:endParaRPr lang="en-US"/>
+          </a:p>
+        </p:txBody>
+      </p:sp>
+      <p:graphicFrame>
+        <p:nvGraphicFramePr>
+          <p:cNvPr id="13" name="Table 12"/>
+          <p:cNvGraphicFramePr>
+            <a:graphicFrameLocks noGrp="1"/>
+          </p:cNvGraphicFramePr>
+          <p:nvPr>
+            <p:extLst>
+              <p:ext uri="{D42A27DB-BD31-4B8C-83A1-F6EECF244321}">
+                <p14:modId xmlns:p14="http://schemas.microsoft.com/office/powerpoint/2010/main" val="381439965"/>
+              </p:ext>
+            </p:extLst>
+          </p:nvPr>
+        </p:nvGraphicFramePr>
+        <p:xfrm>
+          <a:off x="7704837" y="2315900"/>
+          <a:ext cx="4072635" cy="2989326"/>
+        </p:xfrm>
+        <a:graphic>
+          <a:graphicData uri="http://schemas.openxmlformats.org/drawingml/2006/table">
+            <a:tbl>
+              <a:tblPr firstRow="1" bandRow="1">
+                <a:tableStyleId>{5C22544A-7EE6-4342-B048-85BDC9FD1C3A}</a:tableStyleId>
+              </a:tblPr>
+              <a:tblGrid>
+                <a:gridCol w="1357545">
+                  <a:extLst>
+                    <a:ext uri="{9D8B030D-6E8A-4147-A177-3AD203B41FA5}">
+                      <a16:colId xmlns:a16="http://schemas.microsoft.com/office/drawing/2014/main" val="20000"/>
+                    </a:ext>
+                  </a:extLst>
+                </a:gridCol>
+                <a:gridCol w="1357545">
+                  <a:extLst>
+                    <a:ext uri="{9D8B030D-6E8A-4147-A177-3AD203B41FA5}">
+                      <a16:colId xmlns:a16="http://schemas.microsoft.com/office/drawing/2014/main" val="20001"/>
+                    </a:ext>
+                  </a:extLst>
+                </a:gridCol>
+                <a:gridCol w="1357545">
+                  <a:extLst>
+                    <a:ext uri="{9D8B030D-6E8A-4147-A177-3AD203B41FA5}">
+                      <a16:colId xmlns:a16="http://schemas.microsoft.com/office/drawing/2014/main" val="20002"/>
+                    </a:ext>
+                  </a:extLst>
+                </a:gridCol>
+              </a:tblGrid>
+              <a:tr h="448399">
+                <a:tc>
+                  <a:txBody>
+                    <a:bodyPr/>
+                    <a:lstStyle/>
+                    <a:p>
+                      <a:pPr algn="ctr"/>
+                      <a:r>
+                        <a:rPr lang="en-US" sz="1200" dirty="0"/>
+                        <a:t>Attribute</a:t>
+                      </a:r>
+                    </a:p>
+                  </a:txBody>
+                  <a:tcPr/>
+                </a:tc>
+                <a:tc>
+                  <a:txBody>
+                    <a:bodyPr/>
+                    <a:lstStyle/>
+                    <a:p>
+                      <a:pPr algn="ctr"/>
+                      <a:r>
+                        <a:rPr lang="en-US" sz="1200" dirty="0"/>
+                        <a:t>Options</a:t>
+                      </a:r>
+                    </a:p>
+                  </a:txBody>
+                  <a:tcPr/>
+                </a:tc>
+                <a:tc>
+                  <a:txBody>
+                    <a:bodyPr/>
+                    <a:lstStyle/>
+                    <a:p>
+                      <a:pPr algn="ctr"/>
+                      <a:r>
+                        <a:rPr lang="en-US" sz="1200" dirty="0"/>
+                        <a:t>Value</a:t>
+                      </a:r>
+                    </a:p>
+                  </a:txBody>
+                  <a:tcPr/>
+                </a:tc>
+                <a:extLst>
+                  <a:ext uri="{0D108BD9-81ED-4DB2-BD59-A6C34878D82A}">
+                    <a16:rowId xmlns:a16="http://schemas.microsoft.com/office/drawing/2014/main" val="10000"/>
+                  </a:ext>
+                </a:extLst>
+              </a:tr>
+              <a:tr h="448399">
+                <a:tc>
+                  <a:txBody>
+                    <a:bodyPr/>
+                    <a:lstStyle/>
+                    <a:p>
+                      <a:pPr algn="ctr"/>
+                      <a:r>
+                        <a:rPr lang="en-US" sz="1200" dirty="0"/>
+                        <a:t>Local IP</a:t>
+                      </a:r>
+                    </a:p>
+                  </a:txBody>
+                  <a:tcPr/>
+                </a:tc>
+                <a:tc>
+                  <a:txBody>
+                    <a:bodyPr/>
+                    <a:lstStyle/>
+                    <a:p>
+                      <a:pPr algn="ctr"/>
+                      <a:r>
+                        <a:rPr lang="en-US" sz="1200" dirty="0"/>
+                        <a:t>-</a:t>
+                      </a:r>
+                    </a:p>
+                  </a:txBody>
+                  <a:tcPr/>
+                </a:tc>
+                <a:tc>
+                  <a:txBody>
+                    <a:bodyPr/>
+                    <a:lstStyle/>
+                    <a:p>
+                      <a:pPr algn="ctr"/>
+                      <a:r>
+                        <a:rPr lang="en-US" sz="1200" dirty="0"/>
+                        <a:t>192.168.1.3</a:t>
+                      </a:r>
+                    </a:p>
+                  </a:txBody>
+                  <a:tcPr/>
+                </a:tc>
+                <a:extLst>
+                  <a:ext uri="{0D108BD9-81ED-4DB2-BD59-A6C34878D82A}">
+                    <a16:rowId xmlns:a16="http://schemas.microsoft.com/office/drawing/2014/main" val="10001"/>
+                  </a:ext>
+                </a:extLst>
+              </a:tr>
+              <a:tr h="448399">
+                <a:tc>
+                  <a:txBody>
+                    <a:bodyPr/>
+                    <a:lstStyle/>
+                    <a:p>
+                      <a:pPr algn="ctr"/>
+                      <a:r>
+                        <a:rPr lang="en-US" sz="1200" dirty="0"/>
+                        <a:t>Local Port</a:t>
+                      </a:r>
+                    </a:p>
+                  </a:txBody>
+                  <a:tcPr/>
+                </a:tc>
+                <a:tc>
+                  <a:txBody>
+                    <a:bodyPr/>
+                    <a:lstStyle/>
+                    <a:p>
+                      <a:pPr algn="ctr"/>
+                      <a:r>
+                        <a:rPr lang="en-US" sz="1200" dirty="0"/>
+                        <a:t>-</a:t>
+                      </a:r>
+                    </a:p>
+                  </a:txBody>
+                  <a:tcPr/>
+                </a:tc>
+                <a:tc>
+                  <a:txBody>
+                    <a:bodyPr/>
+                    <a:lstStyle/>
+                    <a:p>
+                      <a:pPr algn="ctr"/>
+                      <a:r>
+                        <a:rPr lang="en-US" sz="1200" dirty="0"/>
+                        <a:t>1883</a:t>
+                      </a:r>
+                    </a:p>
+                  </a:txBody>
+                  <a:tcPr/>
+                </a:tc>
+                <a:extLst>
+                  <a:ext uri="{0D108BD9-81ED-4DB2-BD59-A6C34878D82A}">
+                    <a16:rowId xmlns:a16="http://schemas.microsoft.com/office/drawing/2014/main" val="10002"/>
+                  </a:ext>
+                </a:extLst>
+              </a:tr>
+              <a:tr h="448399">
+                <a:tc>
+                  <a:txBody>
+                    <a:bodyPr/>
+                    <a:lstStyle/>
+                    <a:p>
+                      <a:pPr algn="ctr"/>
+                      <a:r>
+                        <a:rPr lang="en-US" sz="1200" dirty="0"/>
+                        <a:t>WAN Port</a:t>
+                      </a:r>
+                    </a:p>
+                  </a:txBody>
+                  <a:tcPr/>
+                </a:tc>
+                <a:tc>
+                  <a:txBody>
+                    <a:bodyPr/>
+                    <a:lstStyle/>
+                    <a:p>
+                      <a:pPr algn="ctr"/>
+                      <a:r>
+                        <a:rPr lang="en-US" sz="1200" dirty="0"/>
+                        <a:t>-</a:t>
+                      </a:r>
+                    </a:p>
+                  </a:txBody>
+                  <a:tcPr/>
+                </a:tc>
+                <a:tc>
+                  <a:txBody>
+                    <a:bodyPr/>
+                    <a:lstStyle/>
+                    <a:p>
+                      <a:pPr algn="ctr"/>
+                      <a:r>
+                        <a:rPr lang="en-US" sz="1200" dirty="0"/>
+                        <a:t>1883</a:t>
+                      </a:r>
+                    </a:p>
+                  </a:txBody>
+                  <a:tcPr/>
+                </a:tc>
+                <a:extLst>
+                  <a:ext uri="{0D108BD9-81ED-4DB2-BD59-A6C34878D82A}">
+                    <a16:rowId xmlns:a16="http://schemas.microsoft.com/office/drawing/2014/main" val="10003"/>
+                  </a:ext>
+                </a:extLst>
+              </a:tr>
+              <a:tr h="448399">
+                <a:tc>
+                  <a:txBody>
+                    <a:bodyPr/>
+                    <a:lstStyle/>
+                    <a:p>
+                      <a:pPr algn="ctr"/>
+                      <a:r>
+                        <a:rPr lang="en-US" sz="1200" dirty="0"/>
+                        <a:t>Protocol</a:t>
+                      </a:r>
+                    </a:p>
+                  </a:txBody>
+                  <a:tcPr/>
+                </a:tc>
+                <a:tc>
+                  <a:txBody>
+                    <a:bodyPr/>
+                    <a:lstStyle/>
+                    <a:p>
+                      <a:pPr algn="ctr"/>
+                      <a:r>
+                        <a:rPr lang="en-US" sz="1200" dirty="0"/>
+                        <a:t>TCP,UDP</a:t>
+                      </a:r>
+                    </a:p>
+                  </a:txBody>
+                  <a:tcPr/>
+                </a:tc>
+                <a:tc>
+                  <a:txBody>
+                    <a:bodyPr/>
+                    <a:lstStyle/>
+                    <a:p>
+                      <a:pPr algn="ctr"/>
+                      <a:r>
+                        <a:rPr lang="en-US" sz="1200" dirty="0"/>
+                        <a:t>TCP</a:t>
+                      </a:r>
+                    </a:p>
+                  </a:txBody>
+                  <a:tcPr/>
+                </a:tc>
+                <a:extLst>
+                  <a:ext uri="{0D108BD9-81ED-4DB2-BD59-A6C34878D82A}">
+                    <a16:rowId xmlns:a16="http://schemas.microsoft.com/office/drawing/2014/main" val="10004"/>
+                  </a:ext>
+                </a:extLst>
+              </a:tr>
+              <a:tr h="747331">
+                <a:tc>
+                  <a:txBody>
+                    <a:bodyPr/>
+                    <a:lstStyle/>
+                    <a:p>
+                      <a:pPr algn="ctr"/>
+                      <a:r>
+                        <a:rPr lang="en-US" sz="1200" dirty="0"/>
+                        <a:t>WAN Interface</a:t>
+                      </a:r>
+                    </a:p>
+                  </a:txBody>
+                  <a:tcPr/>
+                </a:tc>
+                <a:tc>
+                  <a:txBody>
+                    <a:bodyPr/>
+                    <a:lstStyle/>
+                    <a:p>
+                      <a:pPr algn="ctr"/>
+                      <a:r>
+                        <a:rPr lang="en-US" sz="1200" dirty="0"/>
+                        <a:t>pppoe1, pppoe2,any</a:t>
+                      </a:r>
+                    </a:p>
+                  </a:txBody>
+                  <a:tcPr/>
+                </a:tc>
+                <a:tc>
+                  <a:txBody>
+                    <a:bodyPr/>
+                    <a:lstStyle/>
+                    <a:p>
+                      <a:pPr algn="ctr"/>
+                      <a:r>
+                        <a:rPr lang="en-US" sz="1200" dirty="0"/>
+                        <a:t>any</a:t>
+                      </a:r>
+                    </a:p>
+                  </a:txBody>
+                  <a:tcPr/>
+                </a:tc>
+                <a:extLst>
+                  <a:ext uri="{0D108BD9-81ED-4DB2-BD59-A6C34878D82A}">
+                    <a16:rowId xmlns:a16="http://schemas.microsoft.com/office/drawing/2014/main" val="10005"/>
+                  </a:ext>
+                </a:extLst>
+              </a:tr>
+            </a:tbl>
+          </a:graphicData>
+        </a:graphic>
+      </p:graphicFrame>
+    </p:spTree>
+    <p:extLst>
+      <p:ext uri="{BB962C8B-B14F-4D97-AF65-F5344CB8AC3E}">
+        <p14:creationId xmlns:p14="http://schemas.microsoft.com/office/powerpoint/2010/main" val="1091381892"/>
+      </p:ext>
+    </p:extLst>
+  </p:cSld>
+  <p:clrMapOvr>
+    <a:masterClrMapping/>
+  </p:clrMapOvr>
+</p:sld>
+</file>
+
+<file path=ppt/slides/slide12.xml><?xml version="1.0" encoding="utf-8"?>
+<p:sld xmlns:a="http://schemas.openxmlformats.org/drawingml/2006/main" xmlns:r="http://schemas.openxmlformats.org/officeDocument/2006/relationships" xmlns:p="http://schemas.openxmlformats.org/presentationml/2006/main">
+  <p:cSld>
+    <p:spTree>
+      <p:nvGrpSpPr>
+        <p:cNvPr id="1" name=""/>
+        <p:cNvGrpSpPr/>
+        <p:nvPr/>
+      </p:nvGrpSpPr>
+      <p:grpSpPr>
+        <a:xfrm>
+          <a:off x="0" y="0"/>
+          <a:ext cx="0" cy="0"/>
+          <a:chOff x="0" y="0"/>
+          <a:chExt cx="0" cy="0"/>
+        </a:xfrm>
+      </p:grpSpPr>
+      <p:sp>
+        <p:nvSpPr>
+          <p:cNvPr id="2" name="Title 1"/>
+          <p:cNvSpPr>
+            <a:spLocks noGrp="1"/>
+          </p:cNvSpPr>
+          <p:nvPr>
+            <p:ph type="title"/>
+          </p:nvPr>
+        </p:nvSpPr>
+        <p:spPr>
+          <a:xfrm>
+            <a:off x="0" y="1"/>
+            <a:ext cx="10515600" cy="758952"/>
+          </a:xfrm>
+        </p:spPr>
+        <p:txBody>
+          <a:bodyPr>
+            <a:normAutofit/>
+          </a:bodyPr>
+          <a:lstStyle/>
+          <a:p>
+            <a:r>
+              <a:rPr lang="en-US" sz="3600" dirty="0"/>
+              <a:t>Port forwarding</a:t>
+            </a:r>
+          </a:p>
+        </p:txBody>
+      </p:sp>
+      <p:sp>
+        <p:nvSpPr>
+          <p:cNvPr id="3" name="Rectangle 2"/>
+          <p:cNvSpPr/>
+          <p:nvPr/>
+        </p:nvSpPr>
+        <p:spPr>
+          <a:xfrm>
+            <a:off x="274320" y="1005842"/>
+            <a:ext cx="11503152" cy="1477328"/>
+          </a:xfrm>
+          <a:prstGeom prst="rect">
+            <a:avLst/>
+          </a:prstGeom>
+        </p:spPr>
+        <p:txBody>
+          <a:bodyPr wrap="square">
+            <a:spAutoFit/>
+          </a:bodyPr>
+          <a:lstStyle/>
+          <a:p>
+            <a:pPr marL="285750" indent="-285750">
+              <a:buFont typeface="Arial" panose="020B0604020202020204" pitchFamily="34" charset="0"/>
+              <a:buChar char="•"/>
+            </a:pPr>
+            <a:r>
+              <a:rPr lang="en-US" b="1" dirty="0"/>
               <a:t>Test </a:t>
             </a:r>
             <a:r>
-              <a:rPr lang="en-US" dirty="0" smtClean="0"/>
+              <a:rPr lang="en-US" dirty="0"/>
               <a:t>if the port forwarding is working and the set upped port is open on your system</a:t>
             </a:r>
           </a:p>
@@ -3545,7 +4385,7 @@
               <a:buChar char="•"/>
             </a:pPr>
             <a:r>
-              <a:rPr lang="en-US" dirty="0" smtClean="0"/>
+              <a:rPr lang="en-US" dirty="0"/>
               <a:t>Find the global IP address of the router</a:t>
             </a:r>
           </a:p>
@@ -3561,7 +4401,7 @@
               <a:buFont typeface="Arial" panose="020B0604020202020204" pitchFamily="34" charset="0"/>
               <a:buChar char="•"/>
             </a:pPr>
-            <a:endParaRPr lang="en-US" dirty="0" smtClean="0"/>
+            <a:endParaRPr lang="en-US" dirty="0"/>
           </a:p>
           <a:p>
             <a:pPr marL="742950" lvl="1" indent="-285750">
@@ -3569,30 +4409,19 @@
               <a:buChar char="•"/>
             </a:pPr>
             <a:r>
-              <a:rPr lang="en-US" dirty="0" smtClean="0"/>
+              <a:rPr lang="en-US" dirty="0"/>
               <a:t>Use </a:t>
             </a:r>
             <a:r>
               <a:rPr lang="en-US" dirty="0">
                 <a:hlinkClick r:id="rId2"/>
               </a:rPr>
-              <a:t>https://www.yougetsignal.com/tools/open-ports</a:t>
-            </a:r>
-            <a:r>
-              <a:rPr lang="en-US" dirty="0" smtClean="0">
-                <a:hlinkClick r:id="rId2"/>
-              </a:rPr>
-              <a:t>/</a:t>
+              <a:t>https://www.yougetsignal.com/tools/open-ports/</a:t>
             </a:r>
             <a:r>
               <a:rPr lang="en-US" dirty="0"/>
-              <a:t> </a:t>
-            </a:r>
-            <a:r>
-              <a:rPr lang="en-US" dirty="0" smtClean="0"/>
-              <a:t>to check if the port is open.</a:t>
-            </a:r>
-            <a:endParaRPr lang="en-US" dirty="0"/>
+              <a:t> to check if the port is open.</a:t>
+            </a:r>
           </a:p>
         </p:txBody>
       </p:sp>
@@ -3670,10 +4499,9 @@
           <a:lstStyle/>
           <a:p>
             <a:r>
-              <a:rPr lang="en-US" dirty="0" smtClean="0"/>
+              <a:rPr lang="en-US" dirty="0"/>
               <a:t>Command, OR</a:t>
             </a:r>
-            <a:endParaRPr lang="en-US" dirty="0"/>
           </a:p>
         </p:txBody>
       </p:sp>
@@ -3700,10 +4528,9 @@
           <a:lstStyle/>
           <a:p>
             <a:r>
-              <a:rPr lang="en-US" dirty="0" smtClean="0"/>
+              <a:rPr lang="en-US" dirty="0"/>
               <a:t>Use</a:t>
             </a:r>
-            <a:endParaRPr lang="en-US" dirty="0"/>
           </a:p>
         </p:txBody>
       </p:sp>
@@ -3781,10 +4608,9 @@
           <a:lstStyle/>
           <a:p>
             <a:r>
-              <a:rPr lang="en-US" dirty="0" smtClean="0"/>
+              <a:rPr lang="en-US" dirty="0"/>
               <a:t>Website</a:t>
             </a:r>
-            <a:endParaRPr lang="en-US" dirty="0"/>
           </a:p>
         </p:txBody>
       </p:sp>
@@ -3888,10 +4714,9 @@
           <a:lstStyle/>
           <a:p>
             <a:r>
-              <a:rPr lang="en-US" sz="3600" dirty="0" smtClean="0"/>
+              <a:rPr lang="en-US" sz="3600" dirty="0"/>
               <a:t>Port-forwarding</a:t>
             </a:r>
-            <a:endParaRPr lang="en-US" sz="3600" dirty="0"/>
           </a:p>
         </p:txBody>
       </p:sp>
@@ -3917,10 +4742,9 @@
           <a:lstStyle/>
           <a:p>
             <a:r>
-              <a:rPr lang="en-US" dirty="0" smtClean="0"/>
+              <a:rPr lang="en-US" dirty="0"/>
               <a:t>A port forward is a way of making a computer on your home or business network accessible to computers on the internet, even though they are behind a router or firewall. It is commonly used in gaming, security cameras, home automation, and the Internet of Things (IoT).</a:t>
             </a:r>
-            <a:endParaRPr lang="en-US" dirty="0"/>
           </a:p>
         </p:txBody>
       </p:sp>
@@ -3946,10 +4770,9 @@
           <a:lstStyle/>
           <a:p>
             <a:r>
-              <a:rPr lang="en-US" dirty="0" smtClean="0"/>
+              <a:rPr lang="en-US" dirty="0"/>
               <a:t>Port forwards are setup in your router. A forwarded port is also known as open. After you have forwarded a port you have an open port.</a:t>
             </a:r>
-            <a:endParaRPr lang="en-US" dirty="0"/>
           </a:p>
         </p:txBody>
       </p:sp>
@@ -3984,11 +4807,7 @@
             </a:r>
             <a:r>
               <a:rPr lang="en-US" dirty="0"/>
-              <a:t>, and optimal gaming experience</a:t>
-            </a:r>
-            <a:r>
-              <a:rPr lang="en-US" dirty="0" smtClean="0"/>
-              <a:t>.</a:t>
+              <a:t>, and optimal gaming experience.</a:t>
             </a:r>
           </a:p>
           <a:p>
@@ -4024,20 +4843,19 @@
           <a:lstStyle/>
           <a:p>
             <a:r>
-              <a:rPr lang="en-US" dirty="0" smtClean="0"/>
+              <a:rPr lang="en-US" dirty="0"/>
               <a:t>You might be asking if it is safe to forward ports on your router. The answer is yes as long as you follow a few simple rules. Never forward ports to a PC that does not have a firewall running. Always make sure that you understand why you are forwarding a port. </a:t>
             </a:r>
             <a:r>
-              <a:rPr lang="en-US" dirty="0" smtClean="0">
+              <a:rPr lang="en-US" dirty="0">
                 <a:hlinkClick r:id="rId2"/>
               </a:rPr>
               <a:t>Safe port forwarding</a:t>
             </a:r>
             <a:r>
-              <a:rPr lang="en-US" dirty="0" smtClean="0"/>
+              <a:rPr lang="en-US" dirty="0"/>
               <a:t>.</a:t>
             </a:r>
-            <a:endParaRPr lang="en-US" dirty="0"/>
           </a:p>
         </p:txBody>
       </p:sp>
@@ -4094,10 +4912,9 @@
           <a:lstStyle/>
           <a:p>
             <a:r>
-              <a:rPr lang="en-US" sz="3600" dirty="0" smtClean="0"/>
+              <a:rPr lang="en-US" sz="3600" dirty="0"/>
               <a:t>Port-forwarding</a:t>
             </a:r>
-            <a:endParaRPr lang="en-US" sz="3600" dirty="0"/>
           </a:p>
         </p:txBody>
       </p:sp>
@@ -4216,10 +5033,9 @@
           <a:p>
             <a:pPr algn="ctr"/>
             <a:r>
-              <a:rPr lang="en-US" sz="3600" dirty="0" smtClean="0"/>
+              <a:rPr lang="en-US" sz="3600" dirty="0"/>
               <a:t>Internet</a:t>
             </a:r>
-            <a:endParaRPr lang="en-US" sz="3600" dirty="0"/>
           </a:p>
         </p:txBody>
       </p:sp>
@@ -4390,10 +5206,9 @@
           <a:lstStyle/>
           <a:p>
             <a:r>
-              <a:rPr lang="en-US" b="1" dirty="0" smtClean="0"/>
+              <a:rPr lang="en-US" b="1" dirty="0"/>
               <a:t>MQTT Broker</a:t>
             </a:r>
-            <a:endParaRPr lang="en-US" b="1" dirty="0"/>
           </a:p>
         </p:txBody>
       </p:sp>
@@ -4420,16 +5235,15 @@
           <a:lstStyle/>
           <a:p>
             <a:r>
-              <a:rPr lang="en-US" dirty="0" smtClean="0"/>
+              <a:rPr lang="en-US" dirty="0"/>
               <a:t>Local IP: 192.168.1.1</a:t>
             </a:r>
           </a:p>
           <a:p>
             <a:r>
-              <a:rPr lang="en-US" dirty="0" smtClean="0"/>
+              <a:rPr lang="en-US" dirty="0"/>
               <a:t>Public IP: *.*.*.*</a:t>
             </a:r>
-            <a:endParaRPr lang="en-US" dirty="0"/>
           </a:p>
         </p:txBody>
       </p:sp>
@@ -4455,11 +5269,11 @@
           <a:lstStyle/>
           <a:p>
             <a:r>
-              <a:rPr lang="en-US" dirty="0" smtClean="0"/>
+              <a:rPr lang="en-US" dirty="0"/>
               <a:t>192.168.1.3:</a:t>
             </a:r>
             <a:r>
-              <a:rPr lang="en-US" dirty="0" smtClean="0">
+              <a:rPr lang="en-US" dirty="0">
                 <a:solidFill>
                   <a:schemeClr val="accent6">
                     <a:lumMod val="75000"/>
@@ -4493,7 +5307,7 @@
           <a:lstStyle/>
           <a:p>
             <a:r>
-              <a:rPr lang="en-US" dirty="0" smtClean="0"/>
+              <a:rPr lang="en-US" dirty="0"/>
               <a:t>192.168.1.7:80</a:t>
             </a:r>
           </a:p>
@@ -4521,7 +5335,7 @@
           <a:lstStyle/>
           <a:p>
             <a:r>
-              <a:rPr lang="en-US" dirty="0" smtClean="0">
+              <a:rPr lang="en-US" dirty="0">
                 <a:solidFill>
                   <a:srgbClr val="00B050"/>
                 </a:solidFill>
@@ -4531,18 +5345,13 @@
           </a:p>
           <a:p>
             <a:r>
-              <a:rPr lang="en-US" dirty="0" smtClean="0">
+              <a:rPr lang="en-US" dirty="0">
                 <a:solidFill>
                   <a:srgbClr val="00B050"/>
                 </a:solidFill>
               </a:rPr>
               <a:t>*.*.*.*</a:t>
             </a:r>
-            <a:endParaRPr lang="en-US" dirty="0">
-              <a:solidFill>
-                <a:srgbClr val="00B050"/>
-              </a:solidFill>
-            </a:endParaRPr>
           </a:p>
         </p:txBody>
       </p:sp>
@@ -4809,21 +5618,8 @@
                   <a:srgbClr val="FF0000"/>
                 </a:solidFill>
               </a:rPr>
-              <a:t>Port: </a:t>
-            </a:r>
-            <a:r>
-              <a:rPr lang="en-US" dirty="0" smtClean="0">
-                <a:solidFill>
-                  <a:srgbClr val="FF0000"/>
-                </a:solidFill>
-              </a:rPr>
-              <a:t>80</a:t>
-            </a:r>
-            <a:endParaRPr lang="en-US" dirty="0">
-              <a:solidFill>
-                <a:srgbClr val="FF0000"/>
-              </a:solidFill>
-            </a:endParaRPr>
+              <a:t>Port: 80</a:t>
+            </a:r>
           </a:p>
           <a:p>
             <a:r>
@@ -4904,16 +5700,15 @@
           <a:lstStyle/>
           <a:p>
             <a:r>
-              <a:rPr lang="en-US" dirty="0" smtClean="0"/>
+              <a:rPr lang="en-US" dirty="0"/>
               <a:t>Open on</a:t>
             </a:r>
           </a:p>
           <a:p>
             <a:r>
-              <a:rPr lang="en-US" dirty="0" smtClean="0"/>
+              <a:rPr lang="en-US" dirty="0"/>
               <a:t>Port 1883</a:t>
             </a:r>
-            <a:endParaRPr lang="en-US" dirty="0"/>
           </a:p>
         </p:txBody>
       </p:sp>
@@ -4935,6 +5730,1719 @@
   <p:cSld>
     <p:spTree>
       <p:nvGrpSpPr>
+        <p:cNvPr id="1" name="">
+          <a:extLst>
+            <a:ext uri="{FF2B5EF4-FFF2-40B4-BE49-F238E27FC236}">
+              <a16:creationId xmlns:a16="http://schemas.microsoft.com/office/drawing/2014/main" id="{50F8D824-59DF-86B2-2EDF-29C8AC8C4972}"/>
+            </a:ext>
+          </a:extLst>
+        </p:cNvPr>
+        <p:cNvGrpSpPr/>
+        <p:nvPr/>
+      </p:nvGrpSpPr>
+      <p:grpSpPr>
+        <a:xfrm>
+          <a:off x="0" y="0"/>
+          <a:ext cx="0" cy="0"/>
+          <a:chOff x="0" y="0"/>
+          <a:chExt cx="0" cy="0"/>
+        </a:xfrm>
+      </p:grpSpPr>
+      <p:sp>
+        <p:nvSpPr>
+          <p:cNvPr id="2" name="Title 1">
+            <a:extLst>
+              <a:ext uri="{FF2B5EF4-FFF2-40B4-BE49-F238E27FC236}">
+                <a16:creationId xmlns:a16="http://schemas.microsoft.com/office/drawing/2014/main" id="{CD27115D-27DC-2104-B319-C4CD7BA99029}"/>
+              </a:ext>
+            </a:extLst>
+          </p:cNvPr>
+          <p:cNvSpPr>
+            <a:spLocks noGrp="1"/>
+          </p:cNvSpPr>
+          <p:nvPr>
+            <p:ph type="title"/>
+          </p:nvPr>
+        </p:nvSpPr>
+        <p:spPr>
+          <a:xfrm>
+            <a:off x="0" y="1"/>
+            <a:ext cx="10515600" cy="758952"/>
+          </a:xfrm>
+        </p:spPr>
+        <p:txBody>
+          <a:bodyPr>
+            <a:normAutofit/>
+          </a:bodyPr>
+          <a:lstStyle/>
+          <a:p>
+            <a:r>
+              <a:rPr lang="en-US" sz="3600" dirty="0"/>
+              <a:t>Port-forwarding</a:t>
+            </a:r>
+          </a:p>
+        </p:txBody>
+      </p:sp>
+      <p:sp>
+        <p:nvSpPr>
+          <p:cNvPr id="8" name="AutoShape 2" descr="How to Port Forward on Your Router">
+            <a:extLst>
+              <a:ext uri="{FF2B5EF4-FFF2-40B4-BE49-F238E27FC236}">
+                <a16:creationId xmlns:a16="http://schemas.microsoft.com/office/drawing/2014/main" id="{6059B57B-DCCB-1982-E91E-0667B1E275CB}"/>
+              </a:ext>
+            </a:extLst>
+          </p:cNvPr>
+          <p:cNvSpPr>
+            <a:spLocks noChangeAspect="1" noChangeArrowheads="1"/>
+          </p:cNvSpPr>
+          <p:nvPr/>
+        </p:nvSpPr>
+        <p:spPr bwMode="auto">
+          <a:xfrm>
+            <a:off x="155575" y="-144463"/>
+            <a:ext cx="304800" cy="304801"/>
+          </a:xfrm>
+          <a:prstGeom prst="rect">
+            <a:avLst/>
+          </a:prstGeom>
+          <a:noFill/>
+          <a:extLst>
+            <a:ext uri="{909E8E84-426E-40DD-AFC4-6F175D3DCCD1}">
+              <a14:hiddenFill xmlns:a14="http://schemas.microsoft.com/office/drawing/2010/main">
+                <a:solidFill>
+                  <a:srgbClr val="FFFFFF"/>
+                </a:solidFill>
+              </a14:hiddenFill>
+            </a:ext>
+          </a:extLst>
+        </p:spPr>
+        <p:txBody>
+          <a:bodyPr vert="horz" wrap="square" lIns="91440" tIns="45720" rIns="91440" bIns="45720" numCol="1" anchor="t" anchorCtr="0" compatLnSpc="1">
+            <a:prstTxWarp prst="textNoShape">
+              <a:avLst/>
+            </a:prstTxWarp>
+          </a:bodyPr>
+          <a:lstStyle/>
+          <a:p>
+            <a:endParaRPr lang="en-US"/>
+          </a:p>
+        </p:txBody>
+      </p:sp>
+      <p:sp>
+        <p:nvSpPr>
+          <p:cNvPr id="9" name="AutoShape 4" descr="How to Port Forward on Your Router">
+            <a:extLst>
+              <a:ext uri="{FF2B5EF4-FFF2-40B4-BE49-F238E27FC236}">
+                <a16:creationId xmlns:a16="http://schemas.microsoft.com/office/drawing/2014/main" id="{2DE9326B-88BE-3BD9-7305-AF36F82B8A51}"/>
+              </a:ext>
+            </a:extLst>
+          </p:cNvPr>
+          <p:cNvSpPr>
+            <a:spLocks noChangeAspect="1" noChangeArrowheads="1"/>
+          </p:cNvSpPr>
+          <p:nvPr/>
+        </p:nvSpPr>
+        <p:spPr bwMode="auto">
+          <a:xfrm>
+            <a:off x="307975" y="7937"/>
+            <a:ext cx="304800" cy="304801"/>
+          </a:xfrm>
+          <a:prstGeom prst="rect">
+            <a:avLst/>
+          </a:prstGeom>
+          <a:noFill/>
+          <a:extLst>
+            <a:ext uri="{909E8E84-426E-40DD-AFC4-6F175D3DCCD1}">
+              <a14:hiddenFill xmlns:a14="http://schemas.microsoft.com/office/drawing/2010/main">
+                <a:solidFill>
+                  <a:srgbClr val="FFFFFF"/>
+                </a:solidFill>
+              </a14:hiddenFill>
+            </a:ext>
+          </a:extLst>
+        </p:spPr>
+        <p:txBody>
+          <a:bodyPr vert="horz" wrap="square" lIns="91440" tIns="45720" rIns="91440" bIns="45720" numCol="1" anchor="t" anchorCtr="0" compatLnSpc="1">
+            <a:prstTxWarp prst="textNoShape">
+              <a:avLst/>
+            </a:prstTxWarp>
+          </a:bodyPr>
+          <a:lstStyle/>
+          <a:p>
+            <a:endParaRPr lang="en-US"/>
+          </a:p>
+        </p:txBody>
+      </p:sp>
+      <p:sp>
+        <p:nvSpPr>
+          <p:cNvPr id="15" name="Cloud 14">
+            <a:extLst>
+              <a:ext uri="{FF2B5EF4-FFF2-40B4-BE49-F238E27FC236}">
+                <a16:creationId xmlns:a16="http://schemas.microsoft.com/office/drawing/2014/main" id="{22177C68-9620-7A38-6B7B-3367BCEB1EBB}"/>
+              </a:ext>
+            </a:extLst>
+          </p:cNvPr>
+          <p:cNvSpPr/>
+          <p:nvPr/>
+        </p:nvSpPr>
+        <p:spPr>
+          <a:xfrm>
+            <a:off x="3795433" y="2198742"/>
+            <a:ext cx="3854745" cy="2460515"/>
+          </a:xfrm>
+          <a:prstGeom prst="cloud">
+            <a:avLst/>
+          </a:prstGeom>
+        </p:spPr>
+        <p:style>
+          <a:lnRef idx="2">
+            <a:schemeClr val="accent1">
+              <a:shade val="50000"/>
+            </a:schemeClr>
+          </a:lnRef>
+          <a:fillRef idx="1">
+            <a:schemeClr val="accent1"/>
+          </a:fillRef>
+          <a:effectRef idx="0">
+            <a:schemeClr val="accent1"/>
+          </a:effectRef>
+          <a:fontRef idx="minor">
+            <a:schemeClr val="lt1"/>
+          </a:fontRef>
+        </p:style>
+        <p:txBody>
+          <a:bodyPr rtlCol="0" anchor="ctr"/>
+          <a:lstStyle/>
+          <a:p>
+            <a:pPr algn="ctr"/>
+            <a:r>
+              <a:rPr lang="en-US" sz="3600" dirty="0"/>
+              <a:t>Internet</a:t>
+            </a:r>
+          </a:p>
+        </p:txBody>
+      </p:sp>
+      <p:sp>
+        <p:nvSpPr>
+          <p:cNvPr id="34" name="TextBox 33">
+            <a:extLst>
+              <a:ext uri="{FF2B5EF4-FFF2-40B4-BE49-F238E27FC236}">
+                <a16:creationId xmlns:a16="http://schemas.microsoft.com/office/drawing/2014/main" id="{33FEC1E2-16ED-442D-4F92-AAD27808875A}"/>
+              </a:ext>
+            </a:extLst>
+          </p:cNvPr>
+          <p:cNvSpPr txBox="1"/>
+          <p:nvPr/>
+        </p:nvSpPr>
+        <p:spPr>
+          <a:xfrm>
+            <a:off x="8990724" y="601009"/>
+            <a:ext cx="1457900" cy="369332"/>
+          </a:xfrm>
+          <a:prstGeom prst="rect">
+            <a:avLst/>
+          </a:prstGeom>
+          <a:noFill/>
+        </p:spPr>
+        <p:txBody>
+          <a:bodyPr wrap="none" rtlCol="0">
+            <a:spAutoFit/>
+          </a:bodyPr>
+          <a:lstStyle/>
+          <a:p>
+            <a:r>
+              <a:rPr lang="en-US" b="1" dirty="0"/>
+              <a:t>MQTT Broker</a:t>
+            </a:r>
+          </a:p>
+        </p:txBody>
+      </p:sp>
+      <p:pic>
+        <p:nvPicPr>
+          <p:cNvPr id="6" name="Picture 5">
+            <a:extLst>
+              <a:ext uri="{FF2B5EF4-FFF2-40B4-BE49-F238E27FC236}">
+                <a16:creationId xmlns:a16="http://schemas.microsoft.com/office/drawing/2014/main" id="{223C0141-7C2E-F4D7-FE11-CE08C025C3A3}"/>
+              </a:ext>
+            </a:extLst>
+          </p:cNvPr>
+          <p:cNvPicPr>
+            <a:picLocks noChangeAspect="1"/>
+          </p:cNvPicPr>
+          <p:nvPr/>
+        </p:nvPicPr>
+        <p:blipFill>
+          <a:blip r:embed="rId2"/>
+          <a:srcRect l="2771" r="937"/>
+          <a:stretch>
+            <a:fillRect/>
+          </a:stretch>
+        </p:blipFill>
+        <p:spPr>
+          <a:xfrm flipH="1">
+            <a:off x="376676" y="1225663"/>
+            <a:ext cx="1828646" cy="1232787"/>
+          </a:xfrm>
+          <a:prstGeom prst="rect">
+            <a:avLst/>
+          </a:prstGeom>
+        </p:spPr>
+      </p:pic>
+      <p:pic>
+        <p:nvPicPr>
+          <p:cNvPr id="7" name="Picture 6">
+            <a:extLst>
+              <a:ext uri="{FF2B5EF4-FFF2-40B4-BE49-F238E27FC236}">
+                <a16:creationId xmlns:a16="http://schemas.microsoft.com/office/drawing/2014/main" id="{3A0F3B07-BC40-B8D4-54A6-9E81C9D83D90}"/>
+              </a:ext>
+            </a:extLst>
+          </p:cNvPr>
+          <p:cNvPicPr>
+            <a:picLocks noChangeAspect="1"/>
+          </p:cNvPicPr>
+          <p:nvPr/>
+        </p:nvPicPr>
+        <p:blipFill>
+          <a:blip r:embed="rId3"/>
+          <a:stretch>
+            <a:fillRect/>
+          </a:stretch>
+        </p:blipFill>
+        <p:spPr>
+          <a:xfrm flipH="1">
+            <a:off x="1604648" y="1443765"/>
+            <a:ext cx="538994" cy="462765"/>
+          </a:xfrm>
+          <a:prstGeom prst="rect">
+            <a:avLst/>
+          </a:prstGeom>
+        </p:spPr>
+      </p:pic>
+      <p:pic>
+        <p:nvPicPr>
+          <p:cNvPr id="10" name="Picture 9">
+            <a:extLst>
+              <a:ext uri="{FF2B5EF4-FFF2-40B4-BE49-F238E27FC236}">
+                <a16:creationId xmlns:a16="http://schemas.microsoft.com/office/drawing/2014/main" id="{69E4D0D2-AB95-653D-1365-4C08CD670403}"/>
+              </a:ext>
+            </a:extLst>
+          </p:cNvPr>
+          <p:cNvPicPr>
+            <a:picLocks noChangeAspect="1"/>
+          </p:cNvPicPr>
+          <p:nvPr/>
+        </p:nvPicPr>
+        <p:blipFill>
+          <a:blip r:embed="rId4"/>
+          <a:stretch>
+            <a:fillRect/>
+          </a:stretch>
+        </p:blipFill>
+        <p:spPr>
+          <a:xfrm>
+            <a:off x="1730018" y="1032958"/>
+            <a:ext cx="288253" cy="477527"/>
+          </a:xfrm>
+          <a:prstGeom prst="rect">
+            <a:avLst/>
+          </a:prstGeom>
+        </p:spPr>
+      </p:pic>
+      <p:pic>
+        <p:nvPicPr>
+          <p:cNvPr id="14" name="Picture 13">
+            <a:extLst>
+              <a:ext uri="{FF2B5EF4-FFF2-40B4-BE49-F238E27FC236}">
+                <a16:creationId xmlns:a16="http://schemas.microsoft.com/office/drawing/2014/main" id="{F07FEB69-89B8-23F9-7F33-1C28BFBC73FF}"/>
+              </a:ext>
+            </a:extLst>
+          </p:cNvPr>
+          <p:cNvPicPr>
+            <a:picLocks noChangeAspect="1"/>
+          </p:cNvPicPr>
+          <p:nvPr/>
+        </p:nvPicPr>
+        <p:blipFill>
+          <a:blip r:embed="rId2"/>
+          <a:srcRect l="2771" r="937"/>
+          <a:stretch>
+            <a:fillRect/>
+          </a:stretch>
+        </p:blipFill>
+        <p:spPr>
+          <a:xfrm flipH="1">
+            <a:off x="376676" y="2812606"/>
+            <a:ext cx="1828646" cy="1232787"/>
+          </a:xfrm>
+          <a:prstGeom prst="rect">
+            <a:avLst/>
+          </a:prstGeom>
+        </p:spPr>
+      </p:pic>
+      <p:pic>
+        <p:nvPicPr>
+          <p:cNvPr id="16" name="Picture 15">
+            <a:extLst>
+              <a:ext uri="{FF2B5EF4-FFF2-40B4-BE49-F238E27FC236}">
+                <a16:creationId xmlns:a16="http://schemas.microsoft.com/office/drawing/2014/main" id="{16843EDD-8382-F6F3-5E3D-492F3F2AC3B3}"/>
+              </a:ext>
+            </a:extLst>
+          </p:cNvPr>
+          <p:cNvPicPr>
+            <a:picLocks noChangeAspect="1"/>
+          </p:cNvPicPr>
+          <p:nvPr/>
+        </p:nvPicPr>
+        <p:blipFill>
+          <a:blip r:embed="rId3"/>
+          <a:stretch>
+            <a:fillRect/>
+          </a:stretch>
+        </p:blipFill>
+        <p:spPr>
+          <a:xfrm flipH="1">
+            <a:off x="1604648" y="3030708"/>
+            <a:ext cx="538994" cy="462765"/>
+          </a:xfrm>
+          <a:prstGeom prst="rect">
+            <a:avLst/>
+          </a:prstGeom>
+        </p:spPr>
+      </p:pic>
+      <p:pic>
+        <p:nvPicPr>
+          <p:cNvPr id="18" name="Picture 17">
+            <a:extLst>
+              <a:ext uri="{FF2B5EF4-FFF2-40B4-BE49-F238E27FC236}">
+                <a16:creationId xmlns:a16="http://schemas.microsoft.com/office/drawing/2014/main" id="{56627342-2EF1-5A46-944D-E317AE3EF855}"/>
+              </a:ext>
+            </a:extLst>
+          </p:cNvPr>
+          <p:cNvPicPr>
+            <a:picLocks noChangeAspect="1"/>
+          </p:cNvPicPr>
+          <p:nvPr/>
+        </p:nvPicPr>
+        <p:blipFill>
+          <a:blip r:embed="rId4"/>
+          <a:stretch>
+            <a:fillRect/>
+          </a:stretch>
+        </p:blipFill>
+        <p:spPr>
+          <a:xfrm>
+            <a:off x="1730018" y="2619901"/>
+            <a:ext cx="288253" cy="477527"/>
+          </a:xfrm>
+          <a:prstGeom prst="rect">
+            <a:avLst/>
+          </a:prstGeom>
+        </p:spPr>
+      </p:pic>
+      <p:pic>
+        <p:nvPicPr>
+          <p:cNvPr id="20" name="Picture 19">
+            <a:extLst>
+              <a:ext uri="{FF2B5EF4-FFF2-40B4-BE49-F238E27FC236}">
+                <a16:creationId xmlns:a16="http://schemas.microsoft.com/office/drawing/2014/main" id="{FF6FA41C-7B7B-1452-86D2-64A2B1BC812C}"/>
+              </a:ext>
+            </a:extLst>
+          </p:cNvPr>
+          <p:cNvPicPr>
+            <a:picLocks noChangeAspect="1"/>
+          </p:cNvPicPr>
+          <p:nvPr/>
+        </p:nvPicPr>
+        <p:blipFill>
+          <a:blip r:embed="rId2"/>
+          <a:srcRect l="2771" r="937"/>
+          <a:stretch>
+            <a:fillRect/>
+          </a:stretch>
+        </p:blipFill>
+        <p:spPr>
+          <a:xfrm flipH="1">
+            <a:off x="376676" y="4399549"/>
+            <a:ext cx="1828646" cy="1232787"/>
+          </a:xfrm>
+          <a:prstGeom prst="rect">
+            <a:avLst/>
+          </a:prstGeom>
+        </p:spPr>
+      </p:pic>
+      <p:pic>
+        <p:nvPicPr>
+          <p:cNvPr id="22" name="Picture 21">
+            <a:extLst>
+              <a:ext uri="{FF2B5EF4-FFF2-40B4-BE49-F238E27FC236}">
+                <a16:creationId xmlns:a16="http://schemas.microsoft.com/office/drawing/2014/main" id="{DC0FADB2-1969-3108-52F8-87B8F00B7570}"/>
+              </a:ext>
+            </a:extLst>
+          </p:cNvPr>
+          <p:cNvPicPr>
+            <a:picLocks noChangeAspect="1"/>
+          </p:cNvPicPr>
+          <p:nvPr/>
+        </p:nvPicPr>
+        <p:blipFill>
+          <a:blip r:embed="rId3"/>
+          <a:stretch>
+            <a:fillRect/>
+          </a:stretch>
+        </p:blipFill>
+        <p:spPr>
+          <a:xfrm flipH="1">
+            <a:off x="1604648" y="4617651"/>
+            <a:ext cx="538994" cy="462765"/>
+          </a:xfrm>
+          <a:prstGeom prst="rect">
+            <a:avLst/>
+          </a:prstGeom>
+        </p:spPr>
+      </p:pic>
+      <p:pic>
+        <p:nvPicPr>
+          <p:cNvPr id="23" name="Picture 22">
+            <a:extLst>
+              <a:ext uri="{FF2B5EF4-FFF2-40B4-BE49-F238E27FC236}">
+                <a16:creationId xmlns:a16="http://schemas.microsoft.com/office/drawing/2014/main" id="{07600316-33AB-7536-6B97-B37122B0152B}"/>
+              </a:ext>
+            </a:extLst>
+          </p:cNvPr>
+          <p:cNvPicPr>
+            <a:picLocks noChangeAspect="1"/>
+          </p:cNvPicPr>
+          <p:nvPr/>
+        </p:nvPicPr>
+        <p:blipFill>
+          <a:blip r:embed="rId4"/>
+          <a:stretch>
+            <a:fillRect/>
+          </a:stretch>
+        </p:blipFill>
+        <p:spPr>
+          <a:xfrm>
+            <a:off x="1730018" y="4206844"/>
+            <a:ext cx="288253" cy="477527"/>
+          </a:xfrm>
+          <a:prstGeom prst="rect">
+            <a:avLst/>
+          </a:prstGeom>
+        </p:spPr>
+      </p:pic>
+      <p:pic>
+        <p:nvPicPr>
+          <p:cNvPr id="25" name="Picture 24" descr="A computer screen with a paper airplane flying&#10;&#10;AI-generated content may be incorrect.">
+            <a:extLst>
+              <a:ext uri="{FF2B5EF4-FFF2-40B4-BE49-F238E27FC236}">
+                <a16:creationId xmlns:a16="http://schemas.microsoft.com/office/drawing/2014/main" id="{3A3CF12B-9D98-8F6D-9C66-65D157B8384C}"/>
+              </a:ext>
+            </a:extLst>
+          </p:cNvPr>
+          <p:cNvPicPr>
+            <a:picLocks noChangeAspect="1"/>
+          </p:cNvPicPr>
+          <p:nvPr/>
+        </p:nvPicPr>
+        <p:blipFill>
+          <a:blip r:embed="rId5">
+            <a:extLst>
+              <a:ext uri="{28A0092B-C50C-407E-A947-70E740481C1C}">
+                <a14:useLocalDpi xmlns:a14="http://schemas.microsoft.com/office/drawing/2010/main" val="0"/>
+              </a:ext>
+            </a:extLst>
+          </a:blip>
+          <a:stretch>
+            <a:fillRect/>
+          </a:stretch>
+        </p:blipFill>
+        <p:spPr>
+          <a:xfrm>
+            <a:off x="8805351" y="4144227"/>
+            <a:ext cx="2299404" cy="2299404"/>
+          </a:xfrm>
+          <a:prstGeom prst="rect">
+            <a:avLst/>
+          </a:prstGeom>
+        </p:spPr>
+      </p:pic>
+      <p:pic>
+        <p:nvPicPr>
+          <p:cNvPr id="28" name="Picture 27" descr="A computer servers with green lights&#10;&#10;AI-generated content may be incorrect.">
+            <a:extLst>
+              <a:ext uri="{FF2B5EF4-FFF2-40B4-BE49-F238E27FC236}">
+                <a16:creationId xmlns:a16="http://schemas.microsoft.com/office/drawing/2014/main" id="{AE968598-C152-7151-5B10-456E299F88D3}"/>
+              </a:ext>
+            </a:extLst>
+          </p:cNvPr>
+          <p:cNvPicPr>
+            <a:picLocks noChangeAspect="1"/>
+          </p:cNvPicPr>
+          <p:nvPr/>
+        </p:nvPicPr>
+        <p:blipFill>
+          <a:blip r:embed="rId6" cstate="print">
+            <a:extLst>
+              <a:ext uri="{28A0092B-C50C-407E-A947-70E740481C1C}">
+                <a14:useLocalDpi xmlns:a14="http://schemas.microsoft.com/office/drawing/2010/main" val="0"/>
+              </a:ext>
+            </a:extLst>
+          </a:blip>
+          <a:stretch>
+            <a:fillRect/>
+          </a:stretch>
+        </p:blipFill>
+        <p:spPr>
+          <a:xfrm>
+            <a:off x="8805351" y="1024438"/>
+            <a:ext cx="1828646" cy="1828646"/>
+          </a:xfrm>
+          <a:prstGeom prst="rect">
+            <a:avLst/>
+          </a:prstGeom>
+        </p:spPr>
+      </p:pic>
+      <p:pic>
+        <p:nvPicPr>
+          <p:cNvPr id="32" name="Picture 31" descr="A close up of a file&#10;&#10;AI-generated content may be incorrect.">
+            <a:extLst>
+              <a:ext uri="{FF2B5EF4-FFF2-40B4-BE49-F238E27FC236}">
+                <a16:creationId xmlns:a16="http://schemas.microsoft.com/office/drawing/2014/main" id="{CC5840B2-886A-16F0-F570-19AC6D6D7DD3}"/>
+              </a:ext>
+            </a:extLst>
+          </p:cNvPr>
+          <p:cNvPicPr>
+            <a:picLocks noChangeAspect="1"/>
+          </p:cNvPicPr>
+          <p:nvPr/>
+        </p:nvPicPr>
+        <p:blipFill>
+          <a:blip r:embed="rId7" cstate="print">
+            <a:extLst>
+              <a:ext uri="{28A0092B-C50C-407E-A947-70E740481C1C}">
+                <a14:useLocalDpi xmlns:a14="http://schemas.microsoft.com/office/drawing/2010/main" val="0"/>
+              </a:ext>
+            </a:extLst>
+          </a:blip>
+          <a:stretch>
+            <a:fillRect/>
+          </a:stretch>
+        </p:blipFill>
+        <p:spPr>
+          <a:xfrm>
+            <a:off x="6855653" y="814350"/>
+            <a:ext cx="914741" cy="914741"/>
+          </a:xfrm>
+          <a:prstGeom prst="rect">
+            <a:avLst/>
+          </a:prstGeom>
+        </p:spPr>
+      </p:pic>
+    </p:spTree>
+    <p:extLst>
+      <p:ext uri="{BB962C8B-B14F-4D97-AF65-F5344CB8AC3E}">
+        <p14:creationId xmlns:p14="http://schemas.microsoft.com/office/powerpoint/2010/main" val="1034048001"/>
+      </p:ext>
+    </p:extLst>
+  </p:cSld>
+  <p:clrMapOvr>
+    <a:masterClrMapping/>
+  </p:clrMapOvr>
+</p:sld>
+</file>
+
+<file path=ppt/slides/slide5.xml><?xml version="1.0" encoding="utf-8"?>
+<p:sld xmlns:a="http://schemas.openxmlformats.org/drawingml/2006/main" xmlns:r="http://schemas.openxmlformats.org/officeDocument/2006/relationships" xmlns:p="http://schemas.openxmlformats.org/presentationml/2006/main">
+  <p:cSld>
+    <p:spTree>
+      <p:nvGrpSpPr>
+        <p:cNvPr id="1" name="">
+          <a:extLst>
+            <a:ext uri="{FF2B5EF4-FFF2-40B4-BE49-F238E27FC236}">
+              <a16:creationId xmlns:a16="http://schemas.microsoft.com/office/drawing/2014/main" id="{B35CFA5C-CD5E-252E-E535-A1AD4D3E9C20}"/>
+            </a:ext>
+          </a:extLst>
+        </p:cNvPr>
+        <p:cNvGrpSpPr/>
+        <p:nvPr/>
+      </p:nvGrpSpPr>
+      <p:grpSpPr>
+        <a:xfrm>
+          <a:off x="0" y="0"/>
+          <a:ext cx="0" cy="0"/>
+          <a:chOff x="0" y="0"/>
+          <a:chExt cx="0" cy="0"/>
+        </a:xfrm>
+      </p:grpSpPr>
+      <p:sp>
+        <p:nvSpPr>
+          <p:cNvPr id="2" name="Title 1">
+            <a:extLst>
+              <a:ext uri="{FF2B5EF4-FFF2-40B4-BE49-F238E27FC236}">
+                <a16:creationId xmlns:a16="http://schemas.microsoft.com/office/drawing/2014/main" id="{728DCA0F-3310-BCAE-4592-89EB15A6B5C1}"/>
+              </a:ext>
+            </a:extLst>
+          </p:cNvPr>
+          <p:cNvSpPr>
+            <a:spLocks noGrp="1"/>
+          </p:cNvSpPr>
+          <p:nvPr>
+            <p:ph type="title"/>
+          </p:nvPr>
+        </p:nvSpPr>
+        <p:spPr>
+          <a:xfrm>
+            <a:off x="0" y="1"/>
+            <a:ext cx="10515600" cy="758952"/>
+          </a:xfrm>
+        </p:spPr>
+        <p:txBody>
+          <a:bodyPr>
+            <a:normAutofit/>
+          </a:bodyPr>
+          <a:lstStyle/>
+          <a:p>
+            <a:r>
+              <a:rPr lang="en-US" sz="3600" dirty="0"/>
+              <a:t>Port-forwarding</a:t>
+            </a:r>
+          </a:p>
+        </p:txBody>
+      </p:sp>
+      <p:sp>
+        <p:nvSpPr>
+          <p:cNvPr id="8" name="AutoShape 2" descr="How to Port Forward on Your Router">
+            <a:extLst>
+              <a:ext uri="{FF2B5EF4-FFF2-40B4-BE49-F238E27FC236}">
+                <a16:creationId xmlns:a16="http://schemas.microsoft.com/office/drawing/2014/main" id="{3EE3B713-C3FB-8322-21F3-B1CA1182207A}"/>
+              </a:ext>
+            </a:extLst>
+          </p:cNvPr>
+          <p:cNvSpPr>
+            <a:spLocks noChangeAspect="1" noChangeArrowheads="1"/>
+          </p:cNvSpPr>
+          <p:nvPr/>
+        </p:nvSpPr>
+        <p:spPr bwMode="auto">
+          <a:xfrm>
+            <a:off x="155575" y="-144463"/>
+            <a:ext cx="304800" cy="304801"/>
+          </a:xfrm>
+          <a:prstGeom prst="rect">
+            <a:avLst/>
+          </a:prstGeom>
+          <a:noFill/>
+          <a:extLst>
+            <a:ext uri="{909E8E84-426E-40DD-AFC4-6F175D3DCCD1}">
+              <a14:hiddenFill xmlns:a14="http://schemas.microsoft.com/office/drawing/2010/main">
+                <a:solidFill>
+                  <a:srgbClr val="FFFFFF"/>
+                </a:solidFill>
+              </a14:hiddenFill>
+            </a:ext>
+          </a:extLst>
+        </p:spPr>
+        <p:txBody>
+          <a:bodyPr vert="horz" wrap="square" lIns="91440" tIns="45720" rIns="91440" bIns="45720" numCol="1" anchor="t" anchorCtr="0" compatLnSpc="1">
+            <a:prstTxWarp prst="textNoShape">
+              <a:avLst/>
+            </a:prstTxWarp>
+          </a:bodyPr>
+          <a:lstStyle/>
+          <a:p>
+            <a:endParaRPr lang="en-US"/>
+          </a:p>
+        </p:txBody>
+      </p:sp>
+      <p:sp>
+        <p:nvSpPr>
+          <p:cNvPr id="9" name="AutoShape 4" descr="How to Port Forward on Your Router">
+            <a:extLst>
+              <a:ext uri="{FF2B5EF4-FFF2-40B4-BE49-F238E27FC236}">
+                <a16:creationId xmlns:a16="http://schemas.microsoft.com/office/drawing/2014/main" id="{4C9C56DE-A7A0-815C-AC85-8A068FF0A35D}"/>
+              </a:ext>
+            </a:extLst>
+          </p:cNvPr>
+          <p:cNvSpPr>
+            <a:spLocks noChangeAspect="1" noChangeArrowheads="1"/>
+          </p:cNvSpPr>
+          <p:nvPr/>
+        </p:nvSpPr>
+        <p:spPr bwMode="auto">
+          <a:xfrm>
+            <a:off x="307975" y="7937"/>
+            <a:ext cx="304800" cy="304801"/>
+          </a:xfrm>
+          <a:prstGeom prst="rect">
+            <a:avLst/>
+          </a:prstGeom>
+          <a:noFill/>
+          <a:extLst>
+            <a:ext uri="{909E8E84-426E-40DD-AFC4-6F175D3DCCD1}">
+              <a14:hiddenFill xmlns:a14="http://schemas.microsoft.com/office/drawing/2010/main">
+                <a:solidFill>
+                  <a:srgbClr val="FFFFFF"/>
+                </a:solidFill>
+              </a14:hiddenFill>
+            </a:ext>
+          </a:extLst>
+        </p:spPr>
+        <p:txBody>
+          <a:bodyPr vert="horz" wrap="square" lIns="91440" tIns="45720" rIns="91440" bIns="45720" numCol="1" anchor="t" anchorCtr="0" compatLnSpc="1">
+            <a:prstTxWarp prst="textNoShape">
+              <a:avLst/>
+            </a:prstTxWarp>
+          </a:bodyPr>
+          <a:lstStyle/>
+          <a:p>
+            <a:endParaRPr lang="en-US"/>
+          </a:p>
+        </p:txBody>
+      </p:sp>
+      <p:sp>
+        <p:nvSpPr>
+          <p:cNvPr id="34" name="TextBox 33">
+            <a:extLst>
+              <a:ext uri="{FF2B5EF4-FFF2-40B4-BE49-F238E27FC236}">
+                <a16:creationId xmlns:a16="http://schemas.microsoft.com/office/drawing/2014/main" id="{0435F723-C883-12F9-A8FD-F2E9D9590DD2}"/>
+              </a:ext>
+            </a:extLst>
+          </p:cNvPr>
+          <p:cNvSpPr txBox="1"/>
+          <p:nvPr/>
+        </p:nvSpPr>
+        <p:spPr>
+          <a:xfrm>
+            <a:off x="4767506" y="1928269"/>
+            <a:ext cx="1904898" cy="461665"/>
+          </a:xfrm>
+          <a:prstGeom prst="rect">
+            <a:avLst/>
+          </a:prstGeom>
+          <a:noFill/>
+        </p:spPr>
+        <p:txBody>
+          <a:bodyPr wrap="square" rtlCol="0">
+            <a:spAutoFit/>
+          </a:bodyPr>
+          <a:lstStyle/>
+          <a:p>
+            <a:r>
+              <a:rPr lang="en-US" sz="2400" b="1" dirty="0"/>
+              <a:t>MQTT Broker</a:t>
+            </a:r>
+          </a:p>
+        </p:txBody>
+      </p:sp>
+      <p:pic>
+        <p:nvPicPr>
+          <p:cNvPr id="6" name="Picture 5">
+            <a:extLst>
+              <a:ext uri="{FF2B5EF4-FFF2-40B4-BE49-F238E27FC236}">
+                <a16:creationId xmlns:a16="http://schemas.microsoft.com/office/drawing/2014/main" id="{DFD7F585-7184-7D5C-644C-0BFC51FF5636}"/>
+              </a:ext>
+            </a:extLst>
+          </p:cNvPr>
+          <p:cNvPicPr>
+            <a:picLocks noChangeAspect="1"/>
+          </p:cNvPicPr>
+          <p:nvPr/>
+        </p:nvPicPr>
+        <p:blipFill>
+          <a:blip r:embed="rId2"/>
+          <a:srcRect l="2771" r="937"/>
+          <a:stretch>
+            <a:fillRect/>
+          </a:stretch>
+        </p:blipFill>
+        <p:spPr>
+          <a:xfrm flipH="1">
+            <a:off x="376676" y="1225663"/>
+            <a:ext cx="1828646" cy="1232787"/>
+          </a:xfrm>
+          <a:prstGeom prst="rect">
+            <a:avLst/>
+          </a:prstGeom>
+        </p:spPr>
+      </p:pic>
+      <p:pic>
+        <p:nvPicPr>
+          <p:cNvPr id="7" name="Picture 6">
+            <a:extLst>
+              <a:ext uri="{FF2B5EF4-FFF2-40B4-BE49-F238E27FC236}">
+                <a16:creationId xmlns:a16="http://schemas.microsoft.com/office/drawing/2014/main" id="{16EB3254-7C47-AB52-DE2A-9D9FA75F5E0C}"/>
+              </a:ext>
+            </a:extLst>
+          </p:cNvPr>
+          <p:cNvPicPr>
+            <a:picLocks noChangeAspect="1"/>
+          </p:cNvPicPr>
+          <p:nvPr/>
+        </p:nvPicPr>
+        <p:blipFill>
+          <a:blip r:embed="rId3"/>
+          <a:stretch>
+            <a:fillRect/>
+          </a:stretch>
+        </p:blipFill>
+        <p:spPr>
+          <a:xfrm flipH="1">
+            <a:off x="1604648" y="1443765"/>
+            <a:ext cx="538994" cy="462765"/>
+          </a:xfrm>
+          <a:prstGeom prst="rect">
+            <a:avLst/>
+          </a:prstGeom>
+        </p:spPr>
+      </p:pic>
+      <p:pic>
+        <p:nvPicPr>
+          <p:cNvPr id="10" name="Picture 9">
+            <a:extLst>
+              <a:ext uri="{FF2B5EF4-FFF2-40B4-BE49-F238E27FC236}">
+                <a16:creationId xmlns:a16="http://schemas.microsoft.com/office/drawing/2014/main" id="{5F11ADCE-19F1-8CEE-AC4C-E7294662EBB9}"/>
+              </a:ext>
+            </a:extLst>
+          </p:cNvPr>
+          <p:cNvPicPr>
+            <a:picLocks noChangeAspect="1"/>
+          </p:cNvPicPr>
+          <p:nvPr/>
+        </p:nvPicPr>
+        <p:blipFill>
+          <a:blip r:embed="rId4"/>
+          <a:stretch>
+            <a:fillRect/>
+          </a:stretch>
+        </p:blipFill>
+        <p:spPr>
+          <a:xfrm>
+            <a:off x="1730018" y="1032958"/>
+            <a:ext cx="288253" cy="477527"/>
+          </a:xfrm>
+          <a:prstGeom prst="rect">
+            <a:avLst/>
+          </a:prstGeom>
+        </p:spPr>
+      </p:pic>
+      <p:pic>
+        <p:nvPicPr>
+          <p:cNvPr id="14" name="Picture 13">
+            <a:extLst>
+              <a:ext uri="{FF2B5EF4-FFF2-40B4-BE49-F238E27FC236}">
+                <a16:creationId xmlns:a16="http://schemas.microsoft.com/office/drawing/2014/main" id="{E176E8FC-542C-4C3F-A798-2EA427397231}"/>
+              </a:ext>
+            </a:extLst>
+          </p:cNvPr>
+          <p:cNvPicPr>
+            <a:picLocks noChangeAspect="1"/>
+          </p:cNvPicPr>
+          <p:nvPr/>
+        </p:nvPicPr>
+        <p:blipFill>
+          <a:blip r:embed="rId2"/>
+          <a:srcRect l="2771" r="937"/>
+          <a:stretch>
+            <a:fillRect/>
+          </a:stretch>
+        </p:blipFill>
+        <p:spPr>
+          <a:xfrm flipH="1">
+            <a:off x="348917" y="2839743"/>
+            <a:ext cx="1828646" cy="1232787"/>
+          </a:xfrm>
+          <a:prstGeom prst="rect">
+            <a:avLst/>
+          </a:prstGeom>
+        </p:spPr>
+      </p:pic>
+      <p:pic>
+        <p:nvPicPr>
+          <p:cNvPr id="16" name="Picture 15">
+            <a:extLst>
+              <a:ext uri="{FF2B5EF4-FFF2-40B4-BE49-F238E27FC236}">
+                <a16:creationId xmlns:a16="http://schemas.microsoft.com/office/drawing/2014/main" id="{674255E8-7C6C-8F6C-DE2D-E59D24F63167}"/>
+              </a:ext>
+            </a:extLst>
+          </p:cNvPr>
+          <p:cNvPicPr>
+            <a:picLocks noChangeAspect="1"/>
+          </p:cNvPicPr>
+          <p:nvPr/>
+        </p:nvPicPr>
+        <p:blipFill>
+          <a:blip r:embed="rId3"/>
+          <a:stretch>
+            <a:fillRect/>
+          </a:stretch>
+        </p:blipFill>
+        <p:spPr>
+          <a:xfrm flipH="1">
+            <a:off x="1576889" y="3057845"/>
+            <a:ext cx="538994" cy="462765"/>
+          </a:xfrm>
+          <a:prstGeom prst="rect">
+            <a:avLst/>
+          </a:prstGeom>
+        </p:spPr>
+      </p:pic>
+      <p:pic>
+        <p:nvPicPr>
+          <p:cNvPr id="18" name="Picture 17">
+            <a:extLst>
+              <a:ext uri="{FF2B5EF4-FFF2-40B4-BE49-F238E27FC236}">
+                <a16:creationId xmlns:a16="http://schemas.microsoft.com/office/drawing/2014/main" id="{8371E67E-5712-FA60-821E-D23084AF3FA7}"/>
+              </a:ext>
+            </a:extLst>
+          </p:cNvPr>
+          <p:cNvPicPr>
+            <a:picLocks noChangeAspect="1"/>
+          </p:cNvPicPr>
+          <p:nvPr/>
+        </p:nvPicPr>
+        <p:blipFill>
+          <a:blip r:embed="rId4"/>
+          <a:stretch>
+            <a:fillRect/>
+          </a:stretch>
+        </p:blipFill>
+        <p:spPr>
+          <a:xfrm>
+            <a:off x="1702259" y="2647038"/>
+            <a:ext cx="288253" cy="477527"/>
+          </a:xfrm>
+          <a:prstGeom prst="rect">
+            <a:avLst/>
+          </a:prstGeom>
+        </p:spPr>
+      </p:pic>
+      <p:pic>
+        <p:nvPicPr>
+          <p:cNvPr id="20" name="Picture 19">
+            <a:extLst>
+              <a:ext uri="{FF2B5EF4-FFF2-40B4-BE49-F238E27FC236}">
+                <a16:creationId xmlns:a16="http://schemas.microsoft.com/office/drawing/2014/main" id="{C0DDCB8A-6624-7597-47D5-99B44243BE62}"/>
+              </a:ext>
+            </a:extLst>
+          </p:cNvPr>
+          <p:cNvPicPr>
+            <a:picLocks noChangeAspect="1"/>
+          </p:cNvPicPr>
+          <p:nvPr/>
+        </p:nvPicPr>
+        <p:blipFill>
+          <a:blip r:embed="rId2"/>
+          <a:srcRect l="2771" r="937"/>
+          <a:stretch>
+            <a:fillRect/>
+          </a:stretch>
+        </p:blipFill>
+        <p:spPr>
+          <a:xfrm flipH="1">
+            <a:off x="307975" y="4924650"/>
+            <a:ext cx="1828646" cy="1232787"/>
+          </a:xfrm>
+          <a:prstGeom prst="rect">
+            <a:avLst/>
+          </a:prstGeom>
+        </p:spPr>
+      </p:pic>
+      <p:pic>
+        <p:nvPicPr>
+          <p:cNvPr id="22" name="Picture 21">
+            <a:extLst>
+              <a:ext uri="{FF2B5EF4-FFF2-40B4-BE49-F238E27FC236}">
+                <a16:creationId xmlns:a16="http://schemas.microsoft.com/office/drawing/2014/main" id="{E3C4746B-91C8-85DB-D80A-BBABEAEEB493}"/>
+              </a:ext>
+            </a:extLst>
+          </p:cNvPr>
+          <p:cNvPicPr>
+            <a:picLocks noChangeAspect="1"/>
+          </p:cNvPicPr>
+          <p:nvPr/>
+        </p:nvPicPr>
+        <p:blipFill>
+          <a:blip r:embed="rId3"/>
+          <a:stretch>
+            <a:fillRect/>
+          </a:stretch>
+        </p:blipFill>
+        <p:spPr>
+          <a:xfrm flipH="1">
+            <a:off x="1535947" y="5142752"/>
+            <a:ext cx="538994" cy="462765"/>
+          </a:xfrm>
+          <a:prstGeom prst="rect">
+            <a:avLst/>
+          </a:prstGeom>
+        </p:spPr>
+      </p:pic>
+      <p:pic>
+        <p:nvPicPr>
+          <p:cNvPr id="23" name="Picture 22">
+            <a:extLst>
+              <a:ext uri="{FF2B5EF4-FFF2-40B4-BE49-F238E27FC236}">
+                <a16:creationId xmlns:a16="http://schemas.microsoft.com/office/drawing/2014/main" id="{E564FDB1-D263-4991-0479-4402C22431A3}"/>
+              </a:ext>
+            </a:extLst>
+          </p:cNvPr>
+          <p:cNvPicPr>
+            <a:picLocks noChangeAspect="1"/>
+          </p:cNvPicPr>
+          <p:nvPr/>
+        </p:nvPicPr>
+        <p:blipFill>
+          <a:blip r:embed="rId4"/>
+          <a:stretch>
+            <a:fillRect/>
+          </a:stretch>
+        </p:blipFill>
+        <p:spPr>
+          <a:xfrm>
+            <a:off x="1661317" y="4731945"/>
+            <a:ext cx="288253" cy="477527"/>
+          </a:xfrm>
+          <a:prstGeom prst="rect">
+            <a:avLst/>
+          </a:prstGeom>
+        </p:spPr>
+      </p:pic>
+      <p:pic>
+        <p:nvPicPr>
+          <p:cNvPr id="25" name="Picture 24" descr="A computer screen with a paper airplane flying&#10;&#10;AI-generated content may be incorrect.">
+            <a:extLst>
+              <a:ext uri="{FF2B5EF4-FFF2-40B4-BE49-F238E27FC236}">
+                <a16:creationId xmlns:a16="http://schemas.microsoft.com/office/drawing/2014/main" id="{3007D122-15FD-A271-8F5F-6C74461B01B4}"/>
+              </a:ext>
+            </a:extLst>
+          </p:cNvPr>
+          <p:cNvPicPr>
+            <a:picLocks noChangeAspect="1"/>
+          </p:cNvPicPr>
+          <p:nvPr/>
+        </p:nvPicPr>
+        <p:blipFill>
+          <a:blip r:embed="rId5">
+            <a:extLst>
+              <a:ext uri="{28A0092B-C50C-407E-A947-70E740481C1C}">
+                <a14:useLocalDpi xmlns:a14="http://schemas.microsoft.com/office/drawing/2010/main" val="0"/>
+              </a:ext>
+            </a:extLst>
+          </a:blip>
+          <a:stretch>
+            <a:fillRect/>
+          </a:stretch>
+        </p:blipFill>
+        <p:spPr>
+          <a:xfrm>
+            <a:off x="9049795" y="2343771"/>
+            <a:ext cx="2299404" cy="2299404"/>
+          </a:xfrm>
+          <a:prstGeom prst="rect">
+            <a:avLst/>
+          </a:prstGeom>
+        </p:spPr>
+      </p:pic>
+      <p:pic>
+        <p:nvPicPr>
+          <p:cNvPr id="28" name="Picture 27" descr="A computer servers with green lights&#10;&#10;AI-generated content may be incorrect.">
+            <a:extLst>
+              <a:ext uri="{FF2B5EF4-FFF2-40B4-BE49-F238E27FC236}">
+                <a16:creationId xmlns:a16="http://schemas.microsoft.com/office/drawing/2014/main" id="{935A1B1A-E14E-A57B-A533-12BC61768450}"/>
+              </a:ext>
+            </a:extLst>
+          </p:cNvPr>
+          <p:cNvPicPr>
+            <a:picLocks noChangeAspect="1"/>
+          </p:cNvPicPr>
+          <p:nvPr/>
+        </p:nvPicPr>
+        <p:blipFill>
+          <a:blip r:embed="rId6" cstate="print">
+            <a:extLst>
+              <a:ext uri="{28A0092B-C50C-407E-A947-70E740481C1C}">
+                <a14:useLocalDpi xmlns:a14="http://schemas.microsoft.com/office/drawing/2010/main" val="0"/>
+              </a:ext>
+            </a:extLst>
+          </a:blip>
+          <a:stretch>
+            <a:fillRect/>
+          </a:stretch>
+        </p:blipFill>
+        <p:spPr>
+          <a:xfrm>
+            <a:off x="4767506" y="2570903"/>
+            <a:ext cx="1828646" cy="1828646"/>
+          </a:xfrm>
+          <a:prstGeom prst="rect">
+            <a:avLst/>
+          </a:prstGeom>
+        </p:spPr>
+      </p:pic>
+      <p:cxnSp>
+        <p:nvCxnSpPr>
+          <p:cNvPr id="4" name="Straight Arrow Connector 3">
+            <a:extLst>
+              <a:ext uri="{FF2B5EF4-FFF2-40B4-BE49-F238E27FC236}">
+                <a16:creationId xmlns:a16="http://schemas.microsoft.com/office/drawing/2014/main" id="{21C8F28A-C75E-3099-F7E2-0FB9F98C3511}"/>
+              </a:ext>
+            </a:extLst>
+          </p:cNvPr>
+          <p:cNvCxnSpPr>
+            <a:cxnSpLocks/>
+          </p:cNvCxnSpPr>
+          <p:nvPr/>
+        </p:nvCxnSpPr>
+        <p:spPr>
+          <a:xfrm>
+            <a:off x="2177563" y="1729091"/>
+            <a:ext cx="2528263" cy="1110652"/>
+          </a:xfrm>
+          <a:prstGeom prst="straightConnector1">
+            <a:avLst/>
+          </a:prstGeom>
+          <a:ln>
+            <a:tailEnd type="triangle"/>
+          </a:ln>
+        </p:spPr>
+        <p:style>
+          <a:lnRef idx="3">
+            <a:schemeClr val="dk1"/>
+          </a:lnRef>
+          <a:fillRef idx="0">
+            <a:schemeClr val="dk1"/>
+          </a:fillRef>
+          <a:effectRef idx="2">
+            <a:schemeClr val="dk1"/>
+          </a:effectRef>
+          <a:fontRef idx="minor">
+            <a:schemeClr val="tx1"/>
+          </a:fontRef>
+        </p:style>
+      </p:cxnSp>
+      <p:cxnSp>
+        <p:nvCxnSpPr>
+          <p:cNvPr id="11" name="Straight Arrow Connector 10">
+            <a:extLst>
+              <a:ext uri="{FF2B5EF4-FFF2-40B4-BE49-F238E27FC236}">
+                <a16:creationId xmlns:a16="http://schemas.microsoft.com/office/drawing/2014/main" id="{431A8C30-6E8F-CEF9-51CB-16F0A20AC3E2}"/>
+              </a:ext>
+            </a:extLst>
+          </p:cNvPr>
+          <p:cNvCxnSpPr>
+            <a:cxnSpLocks/>
+            <a:stCxn id="14" idx="1"/>
+          </p:cNvCxnSpPr>
+          <p:nvPr/>
+        </p:nvCxnSpPr>
+        <p:spPr>
+          <a:xfrm>
+            <a:off x="2177563" y="3456137"/>
+            <a:ext cx="2500504" cy="0"/>
+          </a:xfrm>
+          <a:prstGeom prst="straightConnector1">
+            <a:avLst/>
+          </a:prstGeom>
+          <a:ln>
+            <a:tailEnd type="triangle"/>
+          </a:ln>
+        </p:spPr>
+        <p:style>
+          <a:lnRef idx="3">
+            <a:schemeClr val="dk1"/>
+          </a:lnRef>
+          <a:fillRef idx="0">
+            <a:schemeClr val="dk1"/>
+          </a:fillRef>
+          <a:effectRef idx="2">
+            <a:schemeClr val="dk1"/>
+          </a:effectRef>
+          <a:fontRef idx="minor">
+            <a:schemeClr val="tx1"/>
+          </a:fontRef>
+        </p:style>
+      </p:cxnSp>
+      <p:cxnSp>
+        <p:nvCxnSpPr>
+          <p:cNvPr id="17" name="Straight Arrow Connector 16">
+            <a:extLst>
+              <a:ext uri="{FF2B5EF4-FFF2-40B4-BE49-F238E27FC236}">
+                <a16:creationId xmlns:a16="http://schemas.microsoft.com/office/drawing/2014/main" id="{EE5F62EF-EC9D-6B2A-072A-92CF35433DC7}"/>
+              </a:ext>
+            </a:extLst>
+          </p:cNvPr>
+          <p:cNvCxnSpPr>
+            <a:cxnSpLocks/>
+            <a:stCxn id="20" idx="1"/>
+          </p:cNvCxnSpPr>
+          <p:nvPr/>
+        </p:nvCxnSpPr>
+        <p:spPr>
+          <a:xfrm flipV="1">
+            <a:off x="2136621" y="4018258"/>
+            <a:ext cx="2528263" cy="1522786"/>
+          </a:xfrm>
+          <a:prstGeom prst="straightConnector1">
+            <a:avLst/>
+          </a:prstGeom>
+          <a:ln>
+            <a:tailEnd type="triangle"/>
+          </a:ln>
+        </p:spPr>
+        <p:style>
+          <a:lnRef idx="3">
+            <a:schemeClr val="dk1"/>
+          </a:lnRef>
+          <a:fillRef idx="0">
+            <a:schemeClr val="dk1"/>
+          </a:fillRef>
+          <a:effectRef idx="2">
+            <a:schemeClr val="dk1"/>
+          </a:effectRef>
+          <a:fontRef idx="minor">
+            <a:schemeClr val="tx1"/>
+          </a:fontRef>
+        </p:style>
+      </p:cxnSp>
+      <p:cxnSp>
+        <p:nvCxnSpPr>
+          <p:cNvPr id="29" name="Straight Arrow Connector 28">
+            <a:extLst>
+              <a:ext uri="{FF2B5EF4-FFF2-40B4-BE49-F238E27FC236}">
+                <a16:creationId xmlns:a16="http://schemas.microsoft.com/office/drawing/2014/main" id="{BC1BD1B3-6B55-D228-4672-CA6007D2A7AC}"/>
+              </a:ext>
+            </a:extLst>
+          </p:cNvPr>
+          <p:cNvCxnSpPr>
+            <a:cxnSpLocks/>
+          </p:cNvCxnSpPr>
+          <p:nvPr/>
+        </p:nvCxnSpPr>
+        <p:spPr>
+          <a:xfrm>
+            <a:off x="6596152" y="3288897"/>
+            <a:ext cx="2377391" cy="0"/>
+          </a:xfrm>
+          <a:prstGeom prst="straightConnector1">
+            <a:avLst/>
+          </a:prstGeom>
+          <a:ln>
+            <a:tailEnd type="triangle"/>
+          </a:ln>
+        </p:spPr>
+        <p:style>
+          <a:lnRef idx="3">
+            <a:schemeClr val="dk1"/>
+          </a:lnRef>
+          <a:fillRef idx="0">
+            <a:schemeClr val="dk1"/>
+          </a:fillRef>
+          <a:effectRef idx="2">
+            <a:schemeClr val="dk1"/>
+          </a:effectRef>
+          <a:fontRef idx="minor">
+            <a:schemeClr val="tx1"/>
+          </a:fontRef>
+        </p:style>
+      </p:cxnSp>
+      <p:cxnSp>
+        <p:nvCxnSpPr>
+          <p:cNvPr id="31" name="Straight Arrow Connector 30">
+            <a:extLst>
+              <a:ext uri="{FF2B5EF4-FFF2-40B4-BE49-F238E27FC236}">
+                <a16:creationId xmlns:a16="http://schemas.microsoft.com/office/drawing/2014/main" id="{0E3A1B9E-D50E-E741-23C2-35A3BCF0DAC3}"/>
+              </a:ext>
+            </a:extLst>
+          </p:cNvPr>
+          <p:cNvCxnSpPr>
+            <a:cxnSpLocks/>
+          </p:cNvCxnSpPr>
+          <p:nvPr/>
+        </p:nvCxnSpPr>
+        <p:spPr>
+          <a:xfrm flipH="1">
+            <a:off x="6596152" y="3665205"/>
+            <a:ext cx="2377391" cy="0"/>
+          </a:xfrm>
+          <a:prstGeom prst="straightConnector1">
+            <a:avLst/>
+          </a:prstGeom>
+          <a:ln>
+            <a:tailEnd type="triangle"/>
+          </a:ln>
+        </p:spPr>
+        <p:style>
+          <a:lnRef idx="3">
+            <a:schemeClr val="dk1"/>
+          </a:lnRef>
+          <a:fillRef idx="0">
+            <a:schemeClr val="dk1"/>
+          </a:fillRef>
+          <a:effectRef idx="2">
+            <a:schemeClr val="dk1"/>
+          </a:effectRef>
+          <a:fontRef idx="minor">
+            <a:schemeClr val="tx1"/>
+          </a:fontRef>
+        </p:style>
+      </p:cxnSp>
+      <p:pic>
+        <p:nvPicPr>
+          <p:cNvPr id="37" name="Picture 36" descr="A close up of a file&#10;&#10;AI-generated content may be incorrect.">
+            <a:extLst>
+              <a:ext uri="{FF2B5EF4-FFF2-40B4-BE49-F238E27FC236}">
+                <a16:creationId xmlns:a16="http://schemas.microsoft.com/office/drawing/2014/main" id="{7880683D-C8C7-7EE4-F146-52AB3AD79B67}"/>
+              </a:ext>
+            </a:extLst>
+          </p:cNvPr>
+          <p:cNvPicPr>
+            <a:picLocks noChangeAspect="1"/>
+          </p:cNvPicPr>
+          <p:nvPr/>
+        </p:nvPicPr>
+        <p:blipFill>
+          <a:blip r:embed="rId7" cstate="print">
+            <a:extLst>
+              <a:ext uri="{28A0092B-C50C-407E-A947-70E740481C1C}">
+                <a14:useLocalDpi xmlns:a14="http://schemas.microsoft.com/office/drawing/2010/main" val="0"/>
+              </a:ext>
+            </a:extLst>
+          </a:blip>
+          <a:stretch>
+            <a:fillRect/>
+          </a:stretch>
+        </p:blipFill>
+        <p:spPr>
+          <a:xfrm>
+            <a:off x="7604867" y="3092109"/>
+            <a:ext cx="359959" cy="359959"/>
+          </a:xfrm>
+          <a:prstGeom prst="rect">
+            <a:avLst/>
+          </a:prstGeom>
+        </p:spPr>
+      </p:pic>
+      <p:pic>
+        <p:nvPicPr>
+          <p:cNvPr id="38" name="Picture 37" descr="A close up of a file&#10;&#10;AI-generated content may be incorrect.">
+            <a:extLst>
+              <a:ext uri="{FF2B5EF4-FFF2-40B4-BE49-F238E27FC236}">
+                <a16:creationId xmlns:a16="http://schemas.microsoft.com/office/drawing/2014/main" id="{87A07418-5309-A8FB-F475-C54E9B224D58}"/>
+              </a:ext>
+            </a:extLst>
+          </p:cNvPr>
+          <p:cNvPicPr>
+            <a:picLocks noChangeAspect="1"/>
+          </p:cNvPicPr>
+          <p:nvPr/>
+        </p:nvPicPr>
+        <p:blipFill>
+          <a:blip r:embed="rId7" cstate="print">
+            <a:extLst>
+              <a:ext uri="{28A0092B-C50C-407E-A947-70E740481C1C}">
+                <a14:useLocalDpi xmlns:a14="http://schemas.microsoft.com/office/drawing/2010/main" val="0"/>
+              </a:ext>
+            </a:extLst>
+          </a:blip>
+          <a:stretch>
+            <a:fillRect/>
+          </a:stretch>
+        </p:blipFill>
+        <p:spPr>
+          <a:xfrm>
+            <a:off x="7619562" y="3520610"/>
+            <a:ext cx="359959" cy="359959"/>
+          </a:xfrm>
+          <a:prstGeom prst="rect">
+            <a:avLst/>
+          </a:prstGeom>
+        </p:spPr>
+      </p:pic>
+      <p:cxnSp>
+        <p:nvCxnSpPr>
+          <p:cNvPr id="41" name="Straight Arrow Connector 40">
+            <a:extLst>
+              <a:ext uri="{FF2B5EF4-FFF2-40B4-BE49-F238E27FC236}">
+                <a16:creationId xmlns:a16="http://schemas.microsoft.com/office/drawing/2014/main" id="{DDE0EC93-91D9-512E-1138-38DD3CEB91D7}"/>
+              </a:ext>
+            </a:extLst>
+          </p:cNvPr>
+          <p:cNvCxnSpPr>
+            <a:cxnSpLocks/>
+            <a:endCxn id="6" idx="1"/>
+          </p:cNvCxnSpPr>
+          <p:nvPr/>
+        </p:nvCxnSpPr>
+        <p:spPr>
+          <a:xfrm flipH="1" flipV="1">
+            <a:off x="2205322" y="1842057"/>
+            <a:ext cx="2472745" cy="1081896"/>
+          </a:xfrm>
+          <a:prstGeom prst="straightConnector1">
+            <a:avLst/>
+          </a:prstGeom>
+          <a:ln>
+            <a:tailEnd type="triangle"/>
+          </a:ln>
+        </p:spPr>
+        <p:style>
+          <a:lnRef idx="3">
+            <a:schemeClr val="dk1"/>
+          </a:lnRef>
+          <a:fillRef idx="0">
+            <a:schemeClr val="dk1"/>
+          </a:fillRef>
+          <a:effectRef idx="2">
+            <a:schemeClr val="dk1"/>
+          </a:effectRef>
+          <a:fontRef idx="minor">
+            <a:schemeClr val="tx1"/>
+          </a:fontRef>
+        </p:style>
+      </p:cxnSp>
+      <p:pic>
+        <p:nvPicPr>
+          <p:cNvPr id="47" name="Picture 46" descr="A close up of a file&#10;&#10;AI-generated content may be incorrect.">
+            <a:extLst>
+              <a:ext uri="{FF2B5EF4-FFF2-40B4-BE49-F238E27FC236}">
+                <a16:creationId xmlns:a16="http://schemas.microsoft.com/office/drawing/2014/main" id="{F343489E-38B1-C80E-ABD9-71ED336DD786}"/>
+              </a:ext>
+            </a:extLst>
+          </p:cNvPr>
+          <p:cNvPicPr>
+            <a:picLocks noChangeAspect="1"/>
+          </p:cNvPicPr>
+          <p:nvPr/>
+        </p:nvPicPr>
+        <p:blipFill>
+          <a:blip r:embed="rId7" cstate="print">
+            <a:extLst>
+              <a:ext uri="{28A0092B-C50C-407E-A947-70E740481C1C}">
+                <a14:useLocalDpi xmlns:a14="http://schemas.microsoft.com/office/drawing/2010/main" val="0"/>
+              </a:ext>
+            </a:extLst>
+          </a:blip>
+          <a:stretch>
+            <a:fillRect/>
+          </a:stretch>
+        </p:blipFill>
+        <p:spPr>
+          <a:xfrm>
+            <a:off x="3261714" y="2163791"/>
+            <a:ext cx="359959" cy="359959"/>
+          </a:xfrm>
+          <a:prstGeom prst="rect">
+            <a:avLst/>
+          </a:prstGeom>
+        </p:spPr>
+      </p:pic>
+      <p:cxnSp>
+        <p:nvCxnSpPr>
+          <p:cNvPr id="48" name="Straight Arrow Connector 47">
+            <a:extLst>
+              <a:ext uri="{FF2B5EF4-FFF2-40B4-BE49-F238E27FC236}">
+                <a16:creationId xmlns:a16="http://schemas.microsoft.com/office/drawing/2014/main" id="{B06B37F7-B4F1-9259-1F05-FD0EE92C7A5D}"/>
+              </a:ext>
+            </a:extLst>
+          </p:cNvPr>
+          <p:cNvCxnSpPr>
+            <a:cxnSpLocks/>
+          </p:cNvCxnSpPr>
+          <p:nvPr/>
+        </p:nvCxnSpPr>
+        <p:spPr>
+          <a:xfrm flipH="1">
+            <a:off x="2177563" y="3337481"/>
+            <a:ext cx="2487321" cy="3769"/>
+          </a:xfrm>
+          <a:prstGeom prst="straightConnector1">
+            <a:avLst/>
+          </a:prstGeom>
+          <a:ln>
+            <a:tailEnd type="triangle"/>
+          </a:ln>
+        </p:spPr>
+        <p:style>
+          <a:lnRef idx="3">
+            <a:schemeClr val="dk1"/>
+          </a:lnRef>
+          <a:fillRef idx="0">
+            <a:schemeClr val="dk1"/>
+          </a:fillRef>
+          <a:effectRef idx="2">
+            <a:schemeClr val="dk1"/>
+          </a:effectRef>
+          <a:fontRef idx="minor">
+            <a:schemeClr val="tx1"/>
+          </a:fontRef>
+        </p:style>
+      </p:cxnSp>
+      <p:cxnSp>
+        <p:nvCxnSpPr>
+          <p:cNvPr id="52" name="Straight Arrow Connector 51">
+            <a:extLst>
+              <a:ext uri="{FF2B5EF4-FFF2-40B4-BE49-F238E27FC236}">
+                <a16:creationId xmlns:a16="http://schemas.microsoft.com/office/drawing/2014/main" id="{5393C646-6E4A-C701-45DF-AD4326F20764}"/>
+              </a:ext>
+            </a:extLst>
+          </p:cNvPr>
+          <p:cNvCxnSpPr>
+            <a:cxnSpLocks/>
+          </p:cNvCxnSpPr>
+          <p:nvPr/>
+        </p:nvCxnSpPr>
+        <p:spPr>
+          <a:xfrm flipH="1">
+            <a:off x="2164380" y="4124320"/>
+            <a:ext cx="2507095" cy="1508017"/>
+          </a:xfrm>
+          <a:prstGeom prst="straightConnector1">
+            <a:avLst/>
+          </a:prstGeom>
+          <a:ln>
+            <a:tailEnd type="triangle"/>
+          </a:ln>
+        </p:spPr>
+        <p:style>
+          <a:lnRef idx="3">
+            <a:schemeClr val="dk1"/>
+          </a:lnRef>
+          <a:fillRef idx="0">
+            <a:schemeClr val="dk1"/>
+          </a:fillRef>
+          <a:effectRef idx="2">
+            <a:schemeClr val="dk1"/>
+          </a:effectRef>
+          <a:fontRef idx="minor">
+            <a:schemeClr val="tx1"/>
+          </a:fontRef>
+        </p:style>
+      </p:cxnSp>
+      <p:pic>
+        <p:nvPicPr>
+          <p:cNvPr id="55" name="Picture 54" descr="A close up of a file&#10;&#10;AI-generated content may be incorrect.">
+            <a:extLst>
+              <a:ext uri="{FF2B5EF4-FFF2-40B4-BE49-F238E27FC236}">
+                <a16:creationId xmlns:a16="http://schemas.microsoft.com/office/drawing/2014/main" id="{FE1B91E1-175D-F548-2A21-B530E742F369}"/>
+              </a:ext>
+            </a:extLst>
+          </p:cNvPr>
+          <p:cNvPicPr>
+            <a:picLocks noChangeAspect="1"/>
+          </p:cNvPicPr>
+          <p:nvPr/>
+        </p:nvPicPr>
+        <p:blipFill>
+          <a:blip r:embed="rId7" cstate="print">
+            <a:extLst>
+              <a:ext uri="{28A0092B-C50C-407E-A947-70E740481C1C}">
+                <a14:useLocalDpi xmlns:a14="http://schemas.microsoft.com/office/drawing/2010/main" val="0"/>
+              </a:ext>
+            </a:extLst>
+          </a:blip>
+          <a:stretch>
+            <a:fillRect/>
+          </a:stretch>
+        </p:blipFill>
+        <p:spPr>
+          <a:xfrm>
+            <a:off x="3263632" y="4634653"/>
+            <a:ext cx="359959" cy="359959"/>
+          </a:xfrm>
+          <a:prstGeom prst="rect">
+            <a:avLst/>
+          </a:prstGeom>
+        </p:spPr>
+      </p:pic>
+      <p:pic>
+        <p:nvPicPr>
+          <p:cNvPr id="56" name="Picture 55" descr="A close up of a file&#10;&#10;AI-generated content may be incorrect.">
+            <a:extLst>
+              <a:ext uri="{FF2B5EF4-FFF2-40B4-BE49-F238E27FC236}">
+                <a16:creationId xmlns:a16="http://schemas.microsoft.com/office/drawing/2014/main" id="{367A2F95-F9CA-1A31-1163-F88F724531F2}"/>
+              </a:ext>
+            </a:extLst>
+          </p:cNvPr>
+          <p:cNvPicPr>
+            <a:picLocks noChangeAspect="1"/>
+          </p:cNvPicPr>
+          <p:nvPr/>
+        </p:nvPicPr>
+        <p:blipFill>
+          <a:blip r:embed="rId7" cstate="print">
+            <a:extLst>
+              <a:ext uri="{28A0092B-C50C-407E-A947-70E740481C1C}">
+                <a14:useLocalDpi xmlns:a14="http://schemas.microsoft.com/office/drawing/2010/main" val="0"/>
+              </a:ext>
+            </a:extLst>
+          </a:blip>
+          <a:stretch>
+            <a:fillRect/>
+          </a:stretch>
+        </p:blipFill>
+        <p:spPr>
+          <a:xfrm>
+            <a:off x="3258861" y="3256864"/>
+            <a:ext cx="359959" cy="359959"/>
+          </a:xfrm>
+          <a:prstGeom prst="rect">
+            <a:avLst/>
+          </a:prstGeom>
+        </p:spPr>
+      </p:pic>
+      <p:sp>
+        <p:nvSpPr>
+          <p:cNvPr id="57" name="TextBox 56">
+            <a:extLst>
+              <a:ext uri="{FF2B5EF4-FFF2-40B4-BE49-F238E27FC236}">
+                <a16:creationId xmlns:a16="http://schemas.microsoft.com/office/drawing/2014/main" id="{209937D5-F59C-F537-317E-ACBE318E1869}"/>
+              </a:ext>
+            </a:extLst>
+          </p:cNvPr>
+          <p:cNvSpPr txBox="1"/>
+          <p:nvPr/>
+        </p:nvSpPr>
+        <p:spPr>
+          <a:xfrm>
+            <a:off x="9145826" y="1928269"/>
+            <a:ext cx="1904898" cy="461665"/>
+          </a:xfrm>
+          <a:prstGeom prst="rect">
+            <a:avLst/>
+          </a:prstGeom>
+          <a:noFill/>
+        </p:spPr>
+        <p:txBody>
+          <a:bodyPr wrap="square" rtlCol="0">
+            <a:spAutoFit/>
+          </a:bodyPr>
+          <a:lstStyle/>
+          <a:p>
+            <a:r>
+              <a:rPr lang="en-US" sz="2400" b="1" dirty="0"/>
+              <a:t>Web Server</a:t>
+            </a:r>
+          </a:p>
+        </p:txBody>
+      </p:sp>
+    </p:spTree>
+    <p:extLst>
+      <p:ext uri="{BB962C8B-B14F-4D97-AF65-F5344CB8AC3E}">
+        <p14:creationId xmlns:p14="http://schemas.microsoft.com/office/powerpoint/2010/main" val="1914151052"/>
+      </p:ext>
+    </p:extLst>
+  </p:cSld>
+  <p:clrMapOvr>
+    <a:masterClrMapping/>
+  </p:clrMapOvr>
+</p:sld>
+</file>
+
+<file path=ppt/slides/slide6.xml><?xml version="1.0" encoding="utf-8"?>
+<p:sld xmlns:a="http://schemas.openxmlformats.org/drawingml/2006/main" xmlns:r="http://schemas.openxmlformats.org/officeDocument/2006/relationships" xmlns:p="http://schemas.openxmlformats.org/presentationml/2006/main">
+  <p:cSld>
+    <p:spTree>
+      <p:nvGrpSpPr>
         <p:cNvPr id="1" name=""/>
         <p:cNvGrpSpPr/>
         <p:nvPr/>
@@ -4970,10 +7478,9 @@
           <a:lstStyle/>
           <a:p>
             <a:r>
-              <a:rPr lang="en-US" sz="3600" dirty="0" smtClean="0"/>
+              <a:rPr lang="en-US" sz="3600" dirty="0"/>
               <a:t>Network Checking tools</a:t>
             </a:r>
-            <a:endParaRPr lang="en-US" sz="3600" dirty="0"/>
           </a:p>
         </p:txBody>
       </p:sp>
@@ -5002,8 +7509,20 @@
                 <a:tableStyleId>{F5AB1C69-6EDB-4FF4-983F-18BD219EF322}</a:tableStyleId>
               </a:tblPr>
               <a:tblGrid>
-                <a:gridCol w="5308092"/>
-                <a:gridCol w="5308092"/>
+                <a:gridCol w="5308092">
+                  <a:extLst>
+                    <a:ext uri="{9D8B030D-6E8A-4147-A177-3AD203B41FA5}">
+                      <a16:colId xmlns:a16="http://schemas.microsoft.com/office/drawing/2014/main" val="20000"/>
+                    </a:ext>
+                  </a:extLst>
+                </a:gridCol>
+                <a:gridCol w="5308092">
+                  <a:extLst>
+                    <a:ext uri="{9D8B030D-6E8A-4147-A177-3AD203B41FA5}">
+                      <a16:colId xmlns:a16="http://schemas.microsoft.com/office/drawing/2014/main" val="20001"/>
+                    </a:ext>
+                  </a:extLst>
+                </a:gridCol>
               </a:tblGrid>
               <a:tr h="322410">
                 <a:tc>
@@ -5012,10 +7531,9 @@
                     <a:lstStyle/>
                     <a:p>
                       <a:r>
-                        <a:rPr lang="en-US" dirty="0" smtClean="0"/>
+                        <a:rPr lang="en-US" dirty="0"/>
                         <a:t>Command</a:t>
                       </a:r>
-                      <a:endParaRPr lang="en-US" dirty="0"/>
                     </a:p>
                   </a:txBody>
                   <a:tcPr/>
@@ -5026,14 +7544,18 @@
                     <a:lstStyle/>
                     <a:p>
                       <a:r>
-                        <a:rPr lang="en-US" dirty="0" smtClean="0"/>
+                        <a:rPr lang="en-US" dirty="0"/>
                         <a:t>Purpose</a:t>
                       </a:r>
-                      <a:endParaRPr lang="en-US" dirty="0"/>
                     </a:p>
                   </a:txBody>
                   <a:tcPr/>
                 </a:tc>
+                <a:extLst>
+                  <a:ext uri="{0D108BD9-81ED-4DB2-BD59-A6C34878D82A}">
+                    <a16:rowId xmlns:a16="http://schemas.microsoft.com/office/drawing/2014/main" val="10000"/>
+                  </a:ext>
+                </a:extLst>
               </a:tr>
               <a:tr h="370840">
                 <a:tc>
@@ -5042,10 +7564,9 @@
                     <a:lstStyle/>
                     <a:p>
                       <a:r>
-                        <a:rPr lang="en-US" dirty="0" smtClean="0"/>
+                        <a:rPr lang="en-US" dirty="0"/>
                         <a:t>ipconfig</a:t>
                       </a:r>
-                      <a:endParaRPr lang="en-US" dirty="0"/>
                     </a:p>
                   </a:txBody>
                   <a:tcPr/>
@@ -5056,14 +7577,18 @@
                     <a:lstStyle/>
                     <a:p>
                       <a:r>
-                        <a:rPr lang="en-US" dirty="0" smtClean="0"/>
+                        <a:rPr lang="en-US" dirty="0"/>
                         <a:t>Shows the local IP of the device on the network</a:t>
                       </a:r>
-                      <a:endParaRPr lang="en-US" dirty="0"/>
                     </a:p>
                   </a:txBody>
                   <a:tcPr/>
                 </a:tc>
+                <a:extLst>
+                  <a:ext uri="{0D108BD9-81ED-4DB2-BD59-A6C34878D82A}">
+                    <a16:rowId xmlns:a16="http://schemas.microsoft.com/office/drawing/2014/main" val="10001"/>
+                  </a:ext>
+                </a:extLst>
               </a:tr>
               <a:tr h="370840">
                 <a:tc>
@@ -5072,10 +7597,9 @@
                     <a:lstStyle/>
                     <a:p>
                       <a:r>
-                        <a:rPr lang="en-US" dirty="0" smtClean="0"/>
+                        <a:rPr lang="en-US" dirty="0"/>
                         <a:t>Curl https://api.ipify.org/</a:t>
                       </a:r>
-                      <a:endParaRPr lang="en-US" dirty="0"/>
                     </a:p>
                   </a:txBody>
                   <a:tcPr/>
@@ -5086,22 +7610,26 @@
                     <a:lstStyle/>
                     <a:p>
                       <a:r>
-                        <a:rPr lang="en-US" dirty="0" smtClean="0"/>
+                        <a:rPr lang="en-US" dirty="0"/>
                         <a:t>Returns</a:t>
                       </a:r>
                       <a:r>
-                        <a:rPr lang="en-US" baseline="0" dirty="0" smtClean="0"/>
+                        <a:rPr lang="en-US" baseline="0" dirty="0"/>
                         <a:t> the p</a:t>
                       </a:r>
                       <a:r>
-                        <a:rPr lang="en-US" dirty="0" smtClean="0"/>
+                        <a:rPr lang="en-US" dirty="0"/>
                         <a:t>ublic IP</a:t>
                       </a:r>
-                      <a:endParaRPr lang="en-US" dirty="0"/>
                     </a:p>
                   </a:txBody>
                   <a:tcPr/>
                 </a:tc>
+                <a:extLst>
+                  <a:ext uri="{0D108BD9-81ED-4DB2-BD59-A6C34878D82A}">
+                    <a16:rowId xmlns:a16="http://schemas.microsoft.com/office/drawing/2014/main" val="10002"/>
+                  </a:ext>
+                </a:extLst>
               </a:tr>
               <a:tr h="370840">
                 <a:tc>
@@ -5110,11 +7638,11 @@
                     <a:lstStyle/>
                     <a:p>
                       <a:r>
-                        <a:rPr lang="en-US" dirty="0" err="1" smtClean="0"/>
+                        <a:rPr lang="en-US" dirty="0" err="1"/>
                         <a:t>ip</a:t>
                       </a:r>
                       <a:r>
-                        <a:rPr lang="en-US" dirty="0" smtClean="0"/>
+                        <a:rPr lang="en-US" dirty="0"/>
                         <a:t> a</a:t>
                       </a:r>
                     </a:p>
@@ -5127,14 +7655,18 @@
                     <a:lstStyle/>
                     <a:p>
                       <a:r>
-                        <a:rPr lang="en-US" dirty="0" smtClean="0"/>
+                        <a:rPr lang="en-US" dirty="0"/>
                         <a:t>Shows MAC address and local IP</a:t>
                       </a:r>
-                      <a:endParaRPr lang="en-US" dirty="0"/>
                     </a:p>
                   </a:txBody>
                   <a:tcPr/>
                 </a:tc>
+                <a:extLst>
+                  <a:ext uri="{0D108BD9-81ED-4DB2-BD59-A6C34878D82A}">
+                    <a16:rowId xmlns:a16="http://schemas.microsoft.com/office/drawing/2014/main" val="10003"/>
+                  </a:ext>
+                </a:extLst>
               </a:tr>
               <a:tr h="370840">
                 <a:tc>
@@ -5143,14 +7675,13 @@
                     <a:lstStyle/>
                     <a:p>
                       <a:r>
-                        <a:rPr lang="en-US" dirty="0" err="1" smtClean="0"/>
+                        <a:rPr lang="en-US" dirty="0" err="1"/>
                         <a:t>ip</a:t>
                       </a:r>
                       <a:r>
-                        <a:rPr lang="en-US" dirty="0" smtClean="0"/>
+                        <a:rPr lang="en-US" dirty="0"/>
                         <a:t> link show</a:t>
                       </a:r>
-                      <a:endParaRPr lang="en-US" dirty="0"/>
                     </a:p>
                   </a:txBody>
                   <a:tcPr/>
@@ -5178,13 +7709,18 @@
                         <a:defRPr/>
                       </a:pPr>
                       <a:r>
-                        <a:rPr lang="en-US" dirty="0" smtClean="0"/>
+                        <a:rPr lang="en-US" dirty="0"/>
                         <a:t>Shows MAC address and local IP</a:t>
                       </a:r>
                     </a:p>
                   </a:txBody>
                   <a:tcPr/>
                 </a:tc>
+                <a:extLst>
+                  <a:ext uri="{0D108BD9-81ED-4DB2-BD59-A6C34878D82A}">
+                    <a16:rowId xmlns:a16="http://schemas.microsoft.com/office/drawing/2014/main" val="10004"/>
+                  </a:ext>
+                </a:extLst>
               </a:tr>
               <a:tr h="370840">
                 <a:tc>
@@ -5193,10 +7729,9 @@
                     <a:lstStyle/>
                     <a:p>
                       <a:r>
-                        <a:rPr lang="en-US" dirty="0" smtClean="0"/>
+                        <a:rPr lang="en-US" dirty="0"/>
                         <a:t>hostname -I</a:t>
                       </a:r>
-                      <a:endParaRPr lang="en-US" dirty="0"/>
                     </a:p>
                   </a:txBody>
                   <a:tcPr/>
@@ -5224,13 +7759,18 @@
                         <a:defRPr/>
                       </a:pPr>
                       <a:r>
-                        <a:rPr lang="en-US" dirty="0" smtClean="0"/>
+                        <a:rPr lang="en-US" dirty="0"/>
                         <a:t>Shows the Local IP address</a:t>
                       </a:r>
                     </a:p>
                   </a:txBody>
                   <a:tcPr/>
                 </a:tc>
+                <a:extLst>
+                  <a:ext uri="{0D108BD9-81ED-4DB2-BD59-A6C34878D82A}">
+                    <a16:rowId xmlns:a16="http://schemas.microsoft.com/office/drawing/2014/main" val="10005"/>
+                  </a:ext>
+                </a:extLst>
               </a:tr>
             </a:tbl>
           </a:graphicData>
@@ -5261,8 +7801,20 @@
                 <a:tableStyleId>{F5AB1C69-6EDB-4FF4-983F-18BD219EF322}</a:tableStyleId>
               </a:tblPr>
               <a:tblGrid>
-                <a:gridCol w="5308092"/>
-                <a:gridCol w="5308092"/>
+                <a:gridCol w="5308092">
+                  <a:extLst>
+                    <a:ext uri="{9D8B030D-6E8A-4147-A177-3AD203B41FA5}">
+                      <a16:colId xmlns:a16="http://schemas.microsoft.com/office/drawing/2014/main" val="20000"/>
+                    </a:ext>
+                  </a:extLst>
+                </a:gridCol>
+                <a:gridCol w="5308092">
+                  <a:extLst>
+                    <a:ext uri="{9D8B030D-6E8A-4147-A177-3AD203B41FA5}">
+                      <a16:colId xmlns:a16="http://schemas.microsoft.com/office/drawing/2014/main" val="20001"/>
+                    </a:ext>
+                  </a:extLst>
+                </a:gridCol>
               </a:tblGrid>
               <a:tr h="322410">
                 <a:tc>
@@ -5271,10 +7823,9 @@
                     <a:lstStyle/>
                     <a:p>
                       <a:r>
-                        <a:rPr lang="en-US" dirty="0" smtClean="0"/>
+                        <a:rPr lang="en-US" dirty="0"/>
                         <a:t>URL</a:t>
                       </a:r>
-                      <a:endParaRPr lang="en-US" dirty="0"/>
                     </a:p>
                   </a:txBody>
                   <a:tcPr/>
@@ -5285,14 +7836,18 @@
                     <a:lstStyle/>
                     <a:p>
                       <a:r>
-                        <a:rPr lang="en-US" dirty="0" smtClean="0"/>
+                        <a:rPr lang="en-US" dirty="0"/>
                         <a:t>Purpose</a:t>
                       </a:r>
-                      <a:endParaRPr lang="en-US" dirty="0"/>
                     </a:p>
                   </a:txBody>
                   <a:tcPr/>
                 </a:tc>
+                <a:extLst>
+                  <a:ext uri="{0D108BD9-81ED-4DB2-BD59-A6C34878D82A}">
+                    <a16:rowId xmlns:a16="http://schemas.microsoft.com/office/drawing/2014/main" val="10000"/>
+                  </a:ext>
+                </a:extLst>
               </a:tr>
               <a:tr h="423672">
                 <a:tc>
@@ -5301,7 +7856,7 @@
                     <a:lstStyle/>
                     <a:p>
                       <a:r>
-                        <a:rPr lang="en-US" dirty="0" smtClean="0">
+                        <a:rPr lang="en-US" dirty="0">
                           <a:hlinkClick r:id="rId2"/>
                         </a:rPr>
                         <a:t>https://api.ipify.org/</a:t>
@@ -5317,14 +7872,18 @@
                     <a:lstStyle/>
                     <a:p>
                       <a:r>
-                        <a:rPr lang="en-US" dirty="0" smtClean="0"/>
+                        <a:rPr lang="en-US" dirty="0"/>
                         <a:t>Public IP</a:t>
                       </a:r>
-                      <a:endParaRPr lang="en-US" dirty="0"/>
                     </a:p>
                   </a:txBody>
                   <a:tcPr/>
                 </a:tc>
+                <a:extLst>
+                  <a:ext uri="{0D108BD9-81ED-4DB2-BD59-A6C34878D82A}">
+                    <a16:rowId xmlns:a16="http://schemas.microsoft.com/office/drawing/2014/main" val="10001"/>
+                  </a:ext>
+                </a:extLst>
               </a:tr>
               <a:tr h="370840">
                 <a:tc>
@@ -5333,10 +7892,9 @@
                     <a:lstStyle/>
                     <a:p>
                       <a:r>
-                        <a:rPr lang="en-US" dirty="0" smtClean="0"/>
+                        <a:rPr lang="en-US" dirty="0"/>
                         <a:t>Ip.me</a:t>
                       </a:r>
-                      <a:endParaRPr lang="en-US" dirty="0"/>
                     </a:p>
                   </a:txBody>
                   <a:tcPr/>
@@ -5347,14 +7905,18 @@
                     <a:lstStyle/>
                     <a:p>
                       <a:r>
-                        <a:rPr lang="en-US" dirty="0" smtClean="0"/>
+                        <a:rPr lang="en-US" dirty="0"/>
                         <a:t>Public IP</a:t>
                       </a:r>
-                      <a:endParaRPr lang="en-US" dirty="0"/>
                     </a:p>
                   </a:txBody>
                   <a:tcPr/>
                 </a:tc>
+                <a:extLst>
+                  <a:ext uri="{0D108BD9-81ED-4DB2-BD59-A6C34878D82A}">
+                    <a16:rowId xmlns:a16="http://schemas.microsoft.com/office/drawing/2014/main" val="10002"/>
+                  </a:ext>
+                </a:extLst>
               </a:tr>
               <a:tr h="370840">
                 <a:tc>
@@ -5363,7 +7925,7 @@
                     <a:lstStyle/>
                     <a:p>
                       <a:r>
-                        <a:rPr lang="en-US" dirty="0" smtClean="0">
+                        <a:rPr lang="en-US" dirty="0">
                           <a:hlinkClick r:id="rId3"/>
                         </a:rPr>
                         <a:t>https://www.yougetsignal.com/tools/open-ports/</a:t>
@@ -5379,11 +7941,11 @@
                     <a:lstStyle/>
                     <a:p>
                       <a:r>
-                        <a:rPr lang="en-US" dirty="0" smtClean="0"/>
+                        <a:rPr lang="en-US" dirty="0"/>
                         <a:t>Open</a:t>
                       </a:r>
                       <a:r>
-                        <a:rPr lang="en-US" baseline="0" dirty="0" smtClean="0"/>
+                        <a:rPr lang="en-US" baseline="0" dirty="0"/>
                         <a:t> Ports</a:t>
                       </a:r>
                       <a:endParaRPr lang="en-US" dirty="0"/>
@@ -5391,6 +7953,11 @@
                   </a:txBody>
                   <a:tcPr/>
                 </a:tc>
+                <a:extLst>
+                  <a:ext uri="{0D108BD9-81ED-4DB2-BD59-A6C34878D82A}">
+                    <a16:rowId xmlns:a16="http://schemas.microsoft.com/office/drawing/2014/main" val="10003"/>
+                  </a:ext>
+                </a:extLst>
               </a:tr>
             </a:tbl>
           </a:graphicData>
@@ -5409,7 +7976,7 @@
 </p:sld>
 </file>
 
-<file path=ppt/slides/slide5.xml><?xml version="1.0" encoding="utf-8"?>
+<file path=ppt/slides/slide7.xml><?xml version="1.0" encoding="utf-8"?>
 <p:sld xmlns:a="http://schemas.openxmlformats.org/drawingml/2006/main" xmlns:r="http://schemas.openxmlformats.org/officeDocument/2006/relationships" xmlns:p="http://schemas.openxmlformats.org/presentationml/2006/main">
   <p:cSld>
     <p:spTree>
@@ -5449,10 +8016,9 @@
           <a:lstStyle/>
           <a:p>
             <a:r>
-              <a:rPr lang="en-US" sz="3600" dirty="0" smtClean="0"/>
+              <a:rPr lang="en-US" sz="3600" dirty="0"/>
               <a:t>How To Set Up a Port Forward</a:t>
             </a:r>
-            <a:endParaRPr lang="en-US" sz="3600" dirty="0"/>
           </a:p>
         </p:txBody>
       </p:sp>
@@ -5479,11 +8045,7 @@
           <a:p>
             <a:r>
               <a:rPr lang="en-US" dirty="0"/>
-              <a:t>There are 4 major steps to setting up a port forward</a:t>
-            </a:r>
-            <a:r>
-              <a:rPr lang="en-US" dirty="0" smtClean="0"/>
-              <a:t>.</a:t>
+              <a:t>There are 4 major steps to setting up a port forward.</a:t>
             </a:r>
           </a:p>
           <a:p>
@@ -5500,49 +8062,26 @@
             </a:r>
             <a:r>
               <a:rPr lang="en-US" dirty="0"/>
-              <a:t>to your computer or </a:t>
-            </a:r>
-            <a:r>
-              <a:rPr lang="en-US" dirty="0" smtClean="0"/>
-              <a:t>device (in the local network).</a:t>
-            </a:r>
-            <a:endParaRPr lang="en-US" dirty="0"/>
+              <a:t>to your computer or device (in the local network).</a:t>
+            </a:r>
           </a:p>
           <a:p>
             <a:r>
               <a:rPr lang="en-US" dirty="0"/>
-              <a:t>2. Log in to your </a:t>
-            </a:r>
-            <a:r>
-              <a:rPr lang="en-US" dirty="0" smtClean="0"/>
-              <a:t>router.</a:t>
-            </a:r>
-            <a:endParaRPr lang="en-US" dirty="0"/>
+              <a:t>2. Log in to your router.</a:t>
+            </a:r>
           </a:p>
           <a:p>
             <a:r>
               <a:rPr lang="en-US" dirty="0"/>
-              <a:t>3. Forward ports to your computer or device and create a rule in your computer </a:t>
-            </a:r>
-            <a:r>
-              <a:rPr lang="en-US" dirty="0" smtClean="0"/>
-              <a:t>firewall. </a:t>
-            </a:r>
-          </a:p>
-          <a:p>
-            <a:r>
-              <a:rPr lang="en-US" dirty="0" smtClean="0"/>
-              <a:t>4</a:t>
-            </a:r>
+              <a:t>3. Forward ports to your computer or device and create a rule in your computer firewall. </a:t>
+            </a:r>
+          </a:p>
+          <a:p>
             <a:r>
               <a:rPr lang="en-US" dirty="0"/>
-              <a:t>. Test that your port is forwarded </a:t>
-            </a:r>
-            <a:r>
-              <a:rPr lang="en-US" dirty="0" smtClean="0"/>
-              <a:t>properly.</a:t>
-            </a:r>
-            <a:endParaRPr lang="en-US" dirty="0"/>
+              <a:t>4. Test that your port is forwarded properly.</a:t>
+            </a:r>
           </a:p>
         </p:txBody>
       </p:sp>
@@ -5568,7 +8107,7 @@
           <a:lstStyle/>
           <a:p>
             <a:r>
-              <a:rPr lang="en-US" dirty="0" smtClean="0">
+              <a:rPr lang="en-US" dirty="0">
                 <a:hlinkClick r:id="rId2"/>
               </a:rPr>
               <a:t>Port forwarding setup</a:t>
@@ -5600,18 +8139,13 @@
           <a:lstStyle/>
           <a:p>
             <a:r>
-              <a:rPr lang="en-US" dirty="0" smtClean="0">
+              <a:rPr lang="en-US" dirty="0">
                 <a:solidFill>
                   <a:srgbClr val="FF0000"/>
                 </a:solidFill>
               </a:rPr>
               <a:t>Note: We need to purchase a static public IP address for our modem. Without a static IP, the modem's public IP address may change each time it restarts or reconnects to the network.</a:t>
             </a:r>
-            <a:endParaRPr lang="en-US" dirty="0">
-              <a:solidFill>
-                <a:srgbClr val="FF0000"/>
-              </a:solidFill>
-            </a:endParaRPr>
           </a:p>
         </p:txBody>
       </p:sp>
@@ -5628,7 +8162,7 @@
 </p:sld>
 </file>
 
-<file path=ppt/slides/slide6.xml><?xml version="1.0" encoding="utf-8"?>
+<file path=ppt/slides/slide8.xml><?xml version="1.0" encoding="utf-8"?>
 <p:sld xmlns:a="http://schemas.openxmlformats.org/drawingml/2006/main" xmlns:r="http://schemas.openxmlformats.org/officeDocument/2006/relationships" xmlns:p="http://schemas.openxmlformats.org/presentationml/2006/main">
   <p:cSld>
     <p:spTree>
@@ -5668,10 +8202,9 @@
           <a:lstStyle/>
           <a:p>
             <a:r>
-              <a:rPr lang="en-US" sz="3600" dirty="0" smtClean="0"/>
+              <a:rPr lang="en-US" sz="3600" dirty="0"/>
               <a:t>Assign static IP address to Raspberry PI</a:t>
             </a:r>
-            <a:endParaRPr lang="en-US" sz="3600" dirty="0"/>
           </a:p>
         </p:txBody>
       </p:sp>
@@ -5705,13 +8238,8 @@
             </a:r>
             <a:r>
               <a:rPr lang="en-US" dirty="0"/>
-              <a:t> of your Raspberry </a:t>
-            </a:r>
-            <a:r>
-              <a:rPr lang="en-US" dirty="0" smtClean="0"/>
-              <a:t>Pi using the command below:</a:t>
-            </a:r>
-            <a:endParaRPr lang="en-US" dirty="0"/>
+              <a:t> of your Raspberry Pi using the command below:</a:t>
+            </a:r>
           </a:p>
         </p:txBody>
       </p:sp>
@@ -5930,18 +8458,13 @@
           <a:lstStyle/>
           <a:p>
             <a:r>
-              <a:rPr lang="en-US" dirty="0" smtClean="0">
+              <a:rPr lang="en-US" dirty="0">
                 <a:solidFill>
                   <a:schemeClr val="accent4"/>
                 </a:solidFill>
               </a:rPr>
               <a:t>MAC address</a:t>
             </a:r>
-            <a:endParaRPr lang="en-US" dirty="0">
-              <a:solidFill>
-                <a:schemeClr val="accent4"/>
-              </a:solidFill>
-            </a:endParaRPr>
           </a:p>
         </p:txBody>
       </p:sp>
@@ -5968,18 +8491,13 @@
           <a:lstStyle/>
           <a:p>
             <a:r>
-              <a:rPr lang="en-US" dirty="0" smtClean="0">
+              <a:rPr lang="en-US" dirty="0">
                 <a:solidFill>
                   <a:schemeClr val="accent4"/>
                 </a:solidFill>
               </a:rPr>
               <a:t>IP address</a:t>
             </a:r>
-            <a:endParaRPr lang="en-US" dirty="0">
-              <a:solidFill>
-                <a:schemeClr val="accent4"/>
-              </a:solidFill>
-            </a:endParaRPr>
           </a:p>
         </p:txBody>
       </p:sp>
@@ -6059,12 +8577,8 @@
               <a:tabLst/>
             </a:pPr>
             <a:r>
-              <a:rPr lang="en-US" altLang="en-US" dirty="0" smtClean="0"/>
-              <a:t>Is </a:t>
-            </a:r>
-            <a:r>
               <a:rPr lang="en-US" altLang="en-US" dirty="0"/>
-              <a:t>connected via Wi-Fi (wlan0)</a:t>
+              <a:t>Is connected via Wi-Fi (wlan0)</a:t>
             </a:r>
           </a:p>
           <a:p>
@@ -6158,7 +8672,7 @@
           <a:lstStyle/>
           <a:p>
             <a:r>
-              <a:rPr lang="en-US" dirty="0" err="1" smtClean="0">
+              <a:rPr lang="en-US" dirty="0" err="1">
                 <a:solidFill>
                   <a:schemeClr val="tx1"/>
                 </a:solidFill>
@@ -6166,18 +8680,13 @@
               <a:t>ip</a:t>
             </a:r>
             <a:r>
-              <a:rPr lang="en-US" dirty="0" smtClean="0">
+              <a:rPr lang="en-US" dirty="0">
                 <a:solidFill>
                   <a:schemeClr val="tx1"/>
                 </a:solidFill>
               </a:rPr>
               <a:t> a</a:t>
             </a:r>
-            <a:endParaRPr lang="en-US" dirty="0">
-              <a:solidFill>
-                <a:schemeClr val="tx1"/>
-              </a:solidFill>
-            </a:endParaRPr>
           </a:p>
         </p:txBody>
       </p:sp>
@@ -6213,644 +8722,6 @@
     <p:extLst>
       <p:ext uri="{BB962C8B-B14F-4D97-AF65-F5344CB8AC3E}">
         <p14:creationId xmlns:p14="http://schemas.microsoft.com/office/powerpoint/2010/main" val="38006235"/>
-      </p:ext>
-    </p:extLst>
-  </p:cSld>
-  <p:clrMapOvr>
-    <a:masterClrMapping/>
-  </p:clrMapOvr>
-</p:sld>
-</file>
-
-<file path=ppt/slides/slide7.xml><?xml version="1.0" encoding="utf-8"?>
-<p:sld xmlns:a="http://schemas.openxmlformats.org/drawingml/2006/main" xmlns:r="http://schemas.openxmlformats.org/officeDocument/2006/relationships" xmlns:p="http://schemas.openxmlformats.org/presentationml/2006/main">
-  <p:cSld>
-    <p:spTree>
-      <p:nvGrpSpPr>
-        <p:cNvPr id="1" name=""/>
-        <p:cNvGrpSpPr/>
-        <p:nvPr/>
-      </p:nvGrpSpPr>
-      <p:grpSpPr>
-        <a:xfrm>
-          <a:off x="0" y="0"/>
-          <a:ext cx="0" cy="0"/>
-          <a:chOff x="0" y="0"/>
-          <a:chExt cx="0" cy="0"/>
-        </a:xfrm>
-      </p:grpSpPr>
-      <p:sp>
-        <p:nvSpPr>
-          <p:cNvPr id="2" name="Title 1"/>
-          <p:cNvSpPr>
-            <a:spLocks noGrp="1"/>
-          </p:cNvSpPr>
-          <p:nvPr>
-            <p:ph type="title"/>
-          </p:nvPr>
-        </p:nvSpPr>
-        <p:spPr>
-          <a:xfrm>
-            <a:off x="0" y="1"/>
-            <a:ext cx="10515600" cy="758952"/>
-          </a:xfrm>
-        </p:spPr>
-        <p:txBody>
-          <a:bodyPr>
-            <a:normAutofit/>
-          </a:bodyPr>
-          <a:lstStyle/>
-          <a:p>
-            <a:r>
-              <a:rPr lang="en-US" sz="3600" dirty="0" smtClean="0"/>
-              <a:t>Assign static IP address to Raspberry PI</a:t>
-            </a:r>
-            <a:endParaRPr lang="en-US" sz="3600" dirty="0"/>
-          </a:p>
-        </p:txBody>
-      </p:sp>
-      <p:sp>
-        <p:nvSpPr>
-          <p:cNvPr id="3" name="Rectangle 2"/>
-          <p:cNvSpPr/>
-          <p:nvPr/>
-        </p:nvSpPr>
-        <p:spPr>
-          <a:xfrm>
-            <a:off x="274320" y="1005842"/>
-            <a:ext cx="11503152" cy="1477328"/>
-          </a:xfrm>
-          <a:prstGeom prst="rect">
-            <a:avLst/>
-          </a:prstGeom>
-        </p:spPr>
-        <p:txBody>
-          <a:bodyPr wrap="square">
-            <a:spAutoFit/>
-          </a:bodyPr>
-          <a:lstStyle/>
-          <a:p>
-            <a:r>
-              <a:rPr lang="en-US" dirty="0" smtClean="0"/>
-              <a:t>2. Assign a static IP address to the Raspberry PI using </a:t>
-            </a:r>
-            <a:r>
-              <a:rPr lang="en-US" b="1" dirty="0" smtClean="0"/>
-              <a:t>router admin panel</a:t>
-            </a:r>
-          </a:p>
-          <a:p>
-            <a:endParaRPr lang="en-US" b="1" dirty="0" smtClean="0"/>
-          </a:p>
-          <a:p>
-            <a:pPr marL="285750" indent="-285750">
-              <a:buFont typeface="Arial" panose="020B0604020202020204" pitchFamily="34" charset="0"/>
-              <a:buChar char="•"/>
-            </a:pPr>
-            <a:r>
-              <a:rPr lang="en-US" b="1" dirty="0"/>
-              <a:t>Log into your router</a:t>
-            </a:r>
-            <a:r>
-              <a:rPr lang="en-US" dirty="0"/>
-              <a:t> (usually at </a:t>
-            </a:r>
-            <a:r>
-              <a:rPr lang="en-US" dirty="0" smtClean="0">
-                <a:hlinkClick r:id="rId2"/>
-              </a:rPr>
-              <a:t>http://192.168.1.1</a:t>
-            </a:r>
-            <a:r>
-              <a:rPr lang="en-US" dirty="0" smtClean="0"/>
-              <a:t> or </a:t>
-            </a:r>
-            <a:r>
-              <a:rPr lang="en-US" dirty="0">
-                <a:hlinkClick r:id="rId3"/>
-              </a:rPr>
-              <a:t>http://192.168.0.1</a:t>
-            </a:r>
-            <a:r>
-              <a:rPr lang="en-US" dirty="0" smtClean="0"/>
-              <a:t>).</a:t>
-            </a:r>
-          </a:p>
-          <a:p>
-            <a:pPr marL="285750" indent="-285750">
-              <a:buFont typeface="Arial" panose="020B0604020202020204" pitchFamily="34" charset="0"/>
-              <a:buChar char="•"/>
-            </a:pPr>
-            <a:r>
-              <a:rPr lang="en-US" dirty="0"/>
-              <a:t>Go to the </a:t>
-            </a:r>
-            <a:r>
-              <a:rPr lang="en-US" b="1" dirty="0"/>
-              <a:t>DHCP or LAN settings</a:t>
-            </a:r>
-            <a:r>
-              <a:rPr lang="en-US" dirty="0"/>
-              <a:t> → </a:t>
-            </a:r>
-            <a:r>
-              <a:rPr lang="en-US" b="1" dirty="0"/>
-              <a:t>DHCP reservation</a:t>
-            </a:r>
-            <a:r>
-              <a:rPr lang="en-US" dirty="0"/>
-              <a:t> or </a:t>
-            </a:r>
-            <a:r>
-              <a:rPr lang="en-US" b="1" dirty="0"/>
-              <a:t>Static lease</a:t>
-            </a:r>
-            <a:r>
-              <a:rPr lang="en-US" dirty="0"/>
-              <a:t> section</a:t>
-            </a:r>
-            <a:r>
-              <a:rPr lang="en-US" dirty="0" smtClean="0"/>
-              <a:t>. in this case DHCP Static page </a:t>
-            </a:r>
-          </a:p>
-          <a:p>
-            <a:pPr marL="285750" indent="-285750">
-              <a:buFont typeface="Arial" panose="020B0604020202020204" pitchFamily="34" charset="0"/>
-              <a:buChar char="•"/>
-            </a:pPr>
-            <a:r>
-              <a:rPr lang="en-US" b="1" dirty="0"/>
-              <a:t>Add a rule</a:t>
-            </a:r>
-            <a:r>
-              <a:rPr lang="en-US" dirty="0"/>
-              <a:t> that maps your Pi’s MAC address to your desired local IP (e.g., 192.168.1.100).</a:t>
-            </a:r>
-          </a:p>
-        </p:txBody>
-      </p:sp>
-      <p:pic>
-        <p:nvPicPr>
-          <p:cNvPr id="12" name="Picture 11"/>
-          <p:cNvPicPr>
-            <a:picLocks noChangeAspect="1"/>
-          </p:cNvPicPr>
-          <p:nvPr/>
-        </p:nvPicPr>
-        <p:blipFill>
-          <a:blip r:embed="rId4"/>
-          <a:stretch>
-            <a:fillRect/>
-          </a:stretch>
-        </p:blipFill>
-        <p:spPr>
-          <a:xfrm>
-            <a:off x="374904" y="2483170"/>
-            <a:ext cx="9674352" cy="4100510"/>
-          </a:xfrm>
-          <a:prstGeom prst="rect">
-            <a:avLst/>
-          </a:prstGeom>
-        </p:spPr>
-      </p:pic>
-      <p:sp>
-        <p:nvSpPr>
-          <p:cNvPr id="13" name="Rectangle 12"/>
-          <p:cNvSpPr/>
-          <p:nvPr/>
-        </p:nvSpPr>
-        <p:spPr>
-          <a:xfrm>
-            <a:off x="5797296" y="6053328"/>
-            <a:ext cx="1463040" cy="201168"/>
-          </a:xfrm>
-          <a:prstGeom prst="rect">
-            <a:avLst/>
-          </a:prstGeom>
-          <a:solidFill>
-            <a:srgbClr val="FF0000">
-              <a:alpha val="49000"/>
-            </a:srgbClr>
-          </a:solidFill>
-          <a:ln>
-            <a:noFill/>
-          </a:ln>
-        </p:spPr>
-        <p:style>
-          <a:lnRef idx="2">
-            <a:schemeClr val="accent1">
-              <a:shade val="50000"/>
-            </a:schemeClr>
-          </a:lnRef>
-          <a:fillRef idx="1">
-            <a:schemeClr val="accent1"/>
-          </a:fillRef>
-          <a:effectRef idx="0">
-            <a:schemeClr val="accent1"/>
-          </a:effectRef>
-          <a:fontRef idx="minor">
-            <a:schemeClr val="lt1"/>
-          </a:fontRef>
-        </p:style>
-        <p:txBody>
-          <a:bodyPr rtlCol="0" anchor="ctr"/>
-          <a:lstStyle/>
-          <a:p>
-            <a:pPr algn="ctr"/>
-            <a:endParaRPr lang="en-US"/>
-          </a:p>
-        </p:txBody>
-      </p:sp>
-      <p:sp>
-        <p:nvSpPr>
-          <p:cNvPr id="15" name="Rectangle 14"/>
-          <p:cNvSpPr/>
-          <p:nvPr/>
-        </p:nvSpPr>
-        <p:spPr>
-          <a:xfrm>
-            <a:off x="3840480" y="6053328"/>
-            <a:ext cx="969264" cy="201168"/>
-          </a:xfrm>
-          <a:prstGeom prst="rect">
-            <a:avLst/>
-          </a:prstGeom>
-          <a:solidFill>
-            <a:srgbClr val="FF0000">
-              <a:alpha val="49000"/>
-            </a:srgbClr>
-          </a:solidFill>
-          <a:ln>
-            <a:noFill/>
-          </a:ln>
-        </p:spPr>
-        <p:style>
-          <a:lnRef idx="2">
-            <a:schemeClr val="accent1">
-              <a:shade val="50000"/>
-            </a:schemeClr>
-          </a:lnRef>
-          <a:fillRef idx="1">
-            <a:schemeClr val="accent1"/>
-          </a:fillRef>
-          <a:effectRef idx="0">
-            <a:schemeClr val="accent1"/>
-          </a:effectRef>
-          <a:fontRef idx="minor">
-            <a:schemeClr val="lt1"/>
-          </a:fontRef>
-        </p:style>
-        <p:txBody>
-          <a:bodyPr rtlCol="0" anchor="ctr"/>
-          <a:lstStyle/>
-          <a:p>
-            <a:pPr algn="ctr"/>
-            <a:endParaRPr lang="en-US"/>
-          </a:p>
-        </p:txBody>
-      </p:sp>
-      <p:sp>
-        <p:nvSpPr>
-          <p:cNvPr id="19" name="TextBox 18"/>
-          <p:cNvSpPr txBox="1"/>
-          <p:nvPr/>
-        </p:nvSpPr>
-        <p:spPr>
-          <a:xfrm>
-            <a:off x="5820866" y="6296644"/>
-            <a:ext cx="1415900" cy="369332"/>
-          </a:xfrm>
-          <a:prstGeom prst="rect">
-            <a:avLst/>
-          </a:prstGeom>
-          <a:noFill/>
-        </p:spPr>
-        <p:txBody>
-          <a:bodyPr wrap="none" rtlCol="0">
-            <a:spAutoFit/>
-          </a:bodyPr>
-          <a:lstStyle/>
-          <a:p>
-            <a:r>
-              <a:rPr lang="en-US" dirty="0" smtClean="0">
-                <a:solidFill>
-                  <a:srgbClr val="FF0000"/>
-                </a:solidFill>
-              </a:rPr>
-              <a:t>MAC address</a:t>
-            </a:r>
-            <a:endParaRPr lang="en-US" dirty="0">
-              <a:solidFill>
-                <a:srgbClr val="FF0000"/>
-              </a:solidFill>
-            </a:endParaRPr>
-          </a:p>
-        </p:txBody>
-      </p:sp>
-      <p:sp>
-        <p:nvSpPr>
-          <p:cNvPr id="20" name="TextBox 19"/>
-          <p:cNvSpPr txBox="1"/>
-          <p:nvPr/>
-        </p:nvSpPr>
-        <p:spPr>
-          <a:xfrm>
-            <a:off x="3754987" y="6296644"/>
-            <a:ext cx="1140249" cy="369332"/>
-          </a:xfrm>
-          <a:prstGeom prst="rect">
-            <a:avLst/>
-          </a:prstGeom>
-          <a:noFill/>
-        </p:spPr>
-        <p:txBody>
-          <a:bodyPr wrap="none" rtlCol="0">
-            <a:spAutoFit/>
-          </a:bodyPr>
-          <a:lstStyle/>
-          <a:p>
-            <a:r>
-              <a:rPr lang="en-US" dirty="0" smtClean="0">
-                <a:solidFill>
-                  <a:srgbClr val="FF0000"/>
-                </a:solidFill>
-              </a:rPr>
-              <a:t>IP address</a:t>
-            </a:r>
-            <a:endParaRPr lang="en-US" dirty="0">
-              <a:solidFill>
-                <a:srgbClr val="FF0000"/>
-              </a:solidFill>
-            </a:endParaRPr>
-          </a:p>
-        </p:txBody>
-      </p:sp>
-    </p:spTree>
-    <p:extLst>
-      <p:ext uri="{BB962C8B-B14F-4D97-AF65-F5344CB8AC3E}">
-        <p14:creationId xmlns:p14="http://schemas.microsoft.com/office/powerpoint/2010/main" val="1592465662"/>
-      </p:ext>
-    </p:extLst>
-  </p:cSld>
-  <p:clrMapOvr>
-    <a:masterClrMapping/>
-  </p:clrMapOvr>
-</p:sld>
-</file>
-
-<file path=ppt/slides/slide8.xml><?xml version="1.0" encoding="utf-8"?>
-<p:sld xmlns:a="http://schemas.openxmlformats.org/drawingml/2006/main" xmlns:r="http://schemas.openxmlformats.org/officeDocument/2006/relationships" xmlns:p="http://schemas.openxmlformats.org/presentationml/2006/main">
-  <p:cSld>
-    <p:spTree>
-      <p:nvGrpSpPr>
-        <p:cNvPr id="1" name=""/>
-        <p:cNvGrpSpPr/>
-        <p:nvPr/>
-      </p:nvGrpSpPr>
-      <p:grpSpPr>
-        <a:xfrm>
-          <a:off x="0" y="0"/>
-          <a:ext cx="0" cy="0"/>
-          <a:chOff x="0" y="0"/>
-          <a:chExt cx="0" cy="0"/>
-        </a:xfrm>
-      </p:grpSpPr>
-      <p:sp>
-        <p:nvSpPr>
-          <p:cNvPr id="2" name="Title 1"/>
-          <p:cNvSpPr>
-            <a:spLocks noGrp="1"/>
-          </p:cNvSpPr>
-          <p:nvPr>
-            <p:ph type="title"/>
-          </p:nvPr>
-        </p:nvSpPr>
-        <p:spPr>
-          <a:xfrm>
-            <a:off x="0" y="1"/>
-            <a:ext cx="10515600" cy="758952"/>
-          </a:xfrm>
-        </p:spPr>
-        <p:txBody>
-          <a:bodyPr>
-            <a:normAutofit/>
-          </a:bodyPr>
-          <a:lstStyle/>
-          <a:p>
-            <a:r>
-              <a:rPr lang="en-US" sz="3600" dirty="0" smtClean="0"/>
-              <a:t>Assign static IP address to Raspberry PI</a:t>
-            </a:r>
-            <a:endParaRPr lang="en-US" sz="3600" dirty="0"/>
-          </a:p>
-        </p:txBody>
-      </p:sp>
-      <p:sp>
-        <p:nvSpPr>
-          <p:cNvPr id="3" name="Rectangle 2"/>
-          <p:cNvSpPr/>
-          <p:nvPr/>
-        </p:nvSpPr>
-        <p:spPr>
-          <a:xfrm>
-            <a:off x="274320" y="1005842"/>
-            <a:ext cx="11503152" cy="1200329"/>
-          </a:xfrm>
-          <a:prstGeom prst="rect">
-            <a:avLst/>
-          </a:prstGeom>
-        </p:spPr>
-        <p:txBody>
-          <a:bodyPr wrap="square">
-            <a:spAutoFit/>
-          </a:bodyPr>
-          <a:lstStyle/>
-          <a:p>
-            <a:r>
-              <a:rPr lang="en-US" dirty="0" smtClean="0"/>
-              <a:t>3. Apply changes</a:t>
-            </a:r>
-          </a:p>
-          <a:p>
-            <a:endParaRPr lang="en-US" b="1" dirty="0"/>
-          </a:p>
-          <a:p>
-            <a:pPr marL="285750" indent="-285750">
-              <a:buFont typeface="Arial" panose="020B0604020202020204" pitchFamily="34" charset="0"/>
-              <a:buChar char="•"/>
-            </a:pPr>
-            <a:r>
-              <a:rPr lang="en-US" b="1" dirty="0"/>
-              <a:t>Reboot </a:t>
-            </a:r>
-            <a:r>
-              <a:rPr lang="en-US" dirty="0" smtClean="0"/>
-              <a:t>the Raspberry Pi</a:t>
-            </a:r>
-          </a:p>
-          <a:p>
-            <a:pPr marL="285750" indent="-285750">
-              <a:buFont typeface="Arial" panose="020B0604020202020204" pitchFamily="34" charset="0"/>
-              <a:buChar char="•"/>
-            </a:pPr>
-            <a:r>
-              <a:rPr lang="en-US" dirty="0" smtClean="0"/>
-              <a:t>Check the </a:t>
-            </a:r>
-            <a:r>
-              <a:rPr lang="en-US" dirty="0" err="1" smtClean="0"/>
-              <a:t>ip</a:t>
-            </a:r>
-            <a:r>
-              <a:rPr lang="en-US" dirty="0" smtClean="0"/>
-              <a:t> address</a:t>
-            </a:r>
-          </a:p>
-        </p:txBody>
-      </p:sp>
-      <p:pic>
-        <p:nvPicPr>
-          <p:cNvPr id="9" name="Picture 8"/>
-          <p:cNvPicPr>
-            <a:picLocks noChangeAspect="1"/>
-          </p:cNvPicPr>
-          <p:nvPr/>
-        </p:nvPicPr>
-        <p:blipFill>
-          <a:blip r:embed="rId2"/>
-          <a:stretch>
-            <a:fillRect/>
-          </a:stretch>
-        </p:blipFill>
-        <p:spPr>
-          <a:xfrm>
-            <a:off x="341895" y="2313973"/>
-            <a:ext cx="8935697" cy="3162741"/>
-          </a:xfrm>
-          <a:prstGeom prst="rect">
-            <a:avLst/>
-          </a:prstGeom>
-        </p:spPr>
-      </p:pic>
-      <p:sp>
-        <p:nvSpPr>
-          <p:cNvPr id="10" name="Rectangle 9"/>
-          <p:cNvSpPr/>
-          <p:nvPr/>
-        </p:nvSpPr>
-        <p:spPr>
-          <a:xfrm>
-            <a:off x="1115568" y="4377918"/>
-            <a:ext cx="1124712" cy="230657"/>
-          </a:xfrm>
-          <a:prstGeom prst="rect">
-            <a:avLst/>
-          </a:prstGeom>
-          <a:solidFill>
-            <a:schemeClr val="accent4">
-              <a:alpha val="49000"/>
-            </a:schemeClr>
-          </a:solidFill>
-          <a:ln>
-            <a:noFill/>
-          </a:ln>
-        </p:spPr>
-        <p:style>
-          <a:lnRef idx="2">
-            <a:schemeClr val="accent1">
-              <a:shade val="50000"/>
-            </a:schemeClr>
-          </a:lnRef>
-          <a:fillRef idx="1">
-            <a:schemeClr val="accent1"/>
-          </a:fillRef>
-          <a:effectRef idx="0">
-            <a:schemeClr val="accent1"/>
-          </a:effectRef>
-          <a:fontRef idx="minor">
-            <a:schemeClr val="lt1"/>
-          </a:fontRef>
-        </p:style>
-        <p:txBody>
-          <a:bodyPr rtlCol="0" anchor="ctr"/>
-          <a:lstStyle/>
-          <a:p>
-            <a:pPr algn="ctr"/>
-            <a:endParaRPr lang="en-US"/>
-          </a:p>
-        </p:txBody>
-      </p:sp>
-      <p:cxnSp>
-        <p:nvCxnSpPr>
-          <p:cNvPr id="11" name="Straight Arrow Connector 10"/>
-          <p:cNvCxnSpPr>
-            <a:stCxn id="10" idx="3"/>
-            <a:endCxn id="14" idx="1"/>
-          </p:cNvCxnSpPr>
-          <p:nvPr/>
-        </p:nvCxnSpPr>
-        <p:spPr>
-          <a:xfrm flipV="1">
-            <a:off x="2240280" y="4493246"/>
-            <a:ext cx="7238186" cy="1"/>
-          </a:xfrm>
-          <a:prstGeom prst="straightConnector1">
-            <a:avLst/>
-          </a:prstGeom>
-          <a:ln>
-            <a:tailEnd type="triangle"/>
-          </a:ln>
-        </p:spPr>
-        <p:style>
-          <a:lnRef idx="1">
-            <a:schemeClr val="dk1"/>
-          </a:lnRef>
-          <a:fillRef idx="0">
-            <a:schemeClr val="dk1"/>
-          </a:fillRef>
-          <a:effectRef idx="0">
-            <a:schemeClr val="dk1"/>
-          </a:effectRef>
-          <a:fontRef idx="minor">
-            <a:schemeClr val="tx1"/>
-          </a:fontRef>
-        </p:style>
-      </p:cxnSp>
-      <p:sp>
-        <p:nvSpPr>
-          <p:cNvPr id="14" name="TextBox 13"/>
-          <p:cNvSpPr txBox="1"/>
-          <p:nvPr/>
-        </p:nvSpPr>
-        <p:spPr>
-          <a:xfrm>
-            <a:off x="9478466" y="4170080"/>
-            <a:ext cx="2390446" cy="646331"/>
-          </a:xfrm>
-          <a:prstGeom prst="rect">
-            <a:avLst/>
-          </a:prstGeom>
-          <a:noFill/>
-        </p:spPr>
-        <p:txBody>
-          <a:bodyPr wrap="square" rtlCol="0">
-            <a:spAutoFit/>
-          </a:bodyPr>
-          <a:lstStyle/>
-          <a:p>
-            <a:r>
-              <a:rPr lang="en-US" dirty="0" smtClean="0"/>
-              <a:t>New Assigned static IP address</a:t>
-            </a:r>
-            <a:endParaRPr lang="en-US" dirty="0"/>
-          </a:p>
-        </p:txBody>
-      </p:sp>
-    </p:spTree>
-    <p:extLst>
-      <p:ext uri="{BB962C8B-B14F-4D97-AF65-F5344CB8AC3E}">
-        <p14:creationId xmlns:p14="http://schemas.microsoft.com/office/powerpoint/2010/main" val="3010604636"/>
       </p:ext>
     </p:extLst>
   </p:cSld>
@@ -6900,10 +8771,9 @@
           <a:lstStyle/>
           <a:p>
             <a:r>
-              <a:rPr lang="en-US" sz="3600" dirty="0" smtClean="0"/>
-              <a:t>Port forwarding</a:t>
-            </a:r>
-            <a:endParaRPr lang="en-US" sz="3600" dirty="0"/>
+              <a:rPr lang="en-US" sz="3600" dirty="0"/>
+              <a:t>Assign static IP address to Raspberry PI</a:t>
+            </a:r>
           </a:p>
         </p:txBody>
       </p:sp>
@@ -6916,7 +8786,7 @@
         <p:spPr>
           <a:xfrm>
             <a:off x="274320" y="1005842"/>
-            <a:ext cx="11503152" cy="1200329"/>
+            <a:ext cx="11503152" cy="1477328"/>
           </a:xfrm>
           <a:prstGeom prst="rect">
             <a:avLst/>
@@ -6927,28 +8797,52 @@
             <a:spAutoFit/>
           </a:bodyPr>
           <a:lstStyle/>
+          <a:p>
+            <a:r>
+              <a:rPr lang="en-US" dirty="0"/>
+              <a:t>2. Assign a static IP address to the Raspberry PI using </a:t>
+            </a:r>
+            <a:r>
+              <a:rPr lang="en-US" b="1" dirty="0"/>
+              <a:t>router admin panel</a:t>
+            </a:r>
+          </a:p>
+          <a:p>
+            <a:endParaRPr lang="en-US" b="1" dirty="0"/>
+          </a:p>
           <a:p>
             <a:pPr marL="285750" indent="-285750">
               <a:buFont typeface="Arial" panose="020B0604020202020204" pitchFamily="34" charset="0"/>
               <a:buChar char="•"/>
             </a:pPr>
             <a:r>
-              <a:rPr lang="en-US" b="1" dirty="0" smtClean="0"/>
-              <a:t>Log </a:t>
-            </a:r>
-            <a:r>
               <a:rPr lang="en-US" b="1" dirty="0"/>
-              <a:t>into your router</a:t>
+              <a:t>Log into your router</a:t>
             </a:r>
             <a:r>
               <a:rPr lang="en-US" dirty="0"/>
-              <a:t> </a:t>
-            </a:r>
-            <a:r>
-              <a:rPr lang="en-US" dirty="0" smtClean="0"/>
-              <a:t>once again.</a:t>
-            </a:r>
-            <a:endParaRPr lang="en-US" dirty="0"/>
+              <a:t> (usually at </a:t>
+            </a:r>
+            <a:r>
+              <a:rPr lang="en-US" dirty="0">
+                <a:hlinkClick r:id="rId2"/>
+              </a:rPr>
+              <a:t>http://192.168.1.1</a:t>
+            </a:r>
+            <a:r>
+              <a:rPr lang="en-US" dirty="0"/>
+              <a:t> or </a:t>
+            </a:r>
+            <a:r>
+              <a:rPr lang="en-US" dirty="0">
+                <a:hlinkClick r:id="rId3"/>
+              </a:rPr>
+              <a:t>http://192.168.0.1</a:t>
+            </a:r>
+            <a:r>
+              <a:rPr lang="en-US" dirty="0"/>
+              <a:t>).</a:t>
+            </a:r>
           </a:p>
           <a:p>
             <a:pPr marL="285750" indent="-285750">
@@ -6960,20 +8854,16 @@
               <a:t>Go to the </a:t>
             </a:r>
             <a:r>
-              <a:rPr lang="en-US" b="1" dirty="0" smtClean="0"/>
-              <a:t>port forwarding, virtual server</a:t>
-            </a:r>
-            <a:r>
-              <a:rPr lang="en-US" dirty="0" smtClean="0"/>
-              <a:t>,</a:t>
-            </a:r>
-            <a:r>
-              <a:rPr lang="en-US" b="1" dirty="0" smtClean="0"/>
-              <a:t> </a:t>
-            </a:r>
-            <a:r>
               <a:rPr lang="en-US" b="1" dirty="0"/>
-              <a:t>NAT</a:t>
+              <a:t>DHCP or LAN settings</a:t>
+            </a:r>
+            <a:r>
+              <a:rPr lang="en-US" dirty="0"/>
+              <a:t> → </a:t>
+            </a:r>
+            <a:r>
+              <a:rPr lang="en-US" b="1" dirty="0"/>
+              <a:t>DHCP reservation</a:t>
             </a:r>
             <a:r>
               <a:rPr lang="en-US" dirty="0"/>
@@ -6981,60 +8871,12 @@
             </a:r>
             <a:r>
               <a:rPr lang="en-US" b="1" dirty="0"/>
-              <a:t>Applications &amp; Gaming</a:t>
+              <a:t>Static lease</a:t>
             </a:r>
             <a:r>
               <a:rPr lang="en-US" dirty="0"/>
-              <a:t>. </a:t>
-            </a:r>
-            <a:endParaRPr lang="en-US" dirty="0" smtClean="0"/>
-          </a:p>
-          <a:p>
-            <a:r>
-              <a:rPr lang="en-US" dirty="0"/>
-              <a:t> </a:t>
-            </a:r>
-            <a:r>
-              <a:rPr lang="en-US" dirty="0" smtClean="0"/>
-              <a:t>     In </a:t>
-            </a:r>
-            <a:r>
-              <a:rPr lang="en-US" dirty="0"/>
-              <a:t>this case </a:t>
-            </a:r>
-            <a:r>
-              <a:rPr lang="en-US" b="1" dirty="0" smtClean="0"/>
-              <a:t>Advanced</a:t>
-            </a:r>
-            <a:r>
-              <a:rPr lang="en-US" dirty="0" smtClean="0"/>
-              <a:t> </a:t>
-            </a:r>
-            <a:r>
-              <a:rPr lang="en-US" dirty="0" smtClean="0">
-                <a:sym typeface="Wingdings" panose="05000000000000000000" pitchFamily="2" charset="2"/>
-              </a:rPr>
-              <a:t> </a:t>
-            </a:r>
-            <a:r>
-              <a:rPr lang="en-US" b="1" dirty="0" smtClean="0">
-                <a:sym typeface="Wingdings" panose="05000000000000000000" pitchFamily="2" charset="2"/>
-              </a:rPr>
-              <a:t>NAT</a:t>
-            </a:r>
-            <a:r>
-              <a:rPr lang="en-US" dirty="0" smtClean="0">
-                <a:sym typeface="Wingdings" panose="05000000000000000000" pitchFamily="2" charset="2"/>
-              </a:rPr>
-              <a:t> </a:t>
-            </a:r>
-            <a:r>
-              <a:rPr lang="en-US" b="1" dirty="0" smtClean="0">
-                <a:sym typeface="Wingdings" panose="05000000000000000000" pitchFamily="2" charset="2"/>
-              </a:rPr>
-              <a:t> Virtual Server.</a:t>
-            </a:r>
-            <a:endParaRPr lang="en-US" b="1" dirty="0"/>
+              <a:t> section. in this case DHCP Static page </a:t>
+            </a:r>
           </a:p>
           <a:p>
             <a:pPr marL="285750" indent="-285750">
@@ -7043,46 +8885,33 @@
             </a:pPr>
             <a:r>
               <a:rPr lang="en-US" b="1" dirty="0"/>
-              <a:t>Add </a:t>
-            </a:r>
-            <a:r>
-              <a:rPr lang="en-US" b="1" dirty="0" smtClean="0"/>
-              <a:t>a new </a:t>
-            </a:r>
-            <a:r>
-              <a:rPr lang="en-US" b="1" dirty="0"/>
-              <a:t>rule</a:t>
+              <a:t>Add a rule</a:t>
             </a:r>
             <a:r>
               <a:rPr lang="en-US" dirty="0"/>
-              <a:t> </a:t>
-            </a:r>
-            <a:r>
-              <a:rPr lang="en-US" dirty="0" smtClean="0"/>
-              <a:t>using the assigned static IP address and the desired port.</a:t>
-            </a:r>
-            <a:endParaRPr lang="en-US" dirty="0"/>
+              <a:t> that maps your Pi’s MAC address to your desired local IP (e.g., 192.168.1.100).</a:t>
+            </a:r>
           </a:p>
         </p:txBody>
       </p:sp>
       <p:pic>
         <p:nvPicPr>
-          <p:cNvPr id="8" name="Picture 7"/>
+          <p:cNvPr id="12" name="Picture 11"/>
           <p:cNvPicPr>
             <a:picLocks noChangeAspect="1"/>
           </p:cNvPicPr>
           <p:nvPr/>
         </p:nvPicPr>
         <p:blipFill>
-          <a:blip r:embed="rId2"/>
+          <a:blip r:embed="rId4"/>
           <a:stretch>
             <a:fillRect/>
           </a:stretch>
         </p:blipFill>
         <p:spPr>
           <a:xfrm>
-            <a:off x="352436" y="2315900"/>
-            <a:ext cx="6763485" cy="3809818"/>
+            <a:off x="374904" y="2483170"/>
+            <a:ext cx="9674352" cy="4100510"/>
           </a:xfrm>
           <a:prstGeom prst="rect">
             <a:avLst/>
@@ -7091,29 +8920,25 @@
       </p:pic>
       <p:sp>
         <p:nvSpPr>
-          <p:cNvPr id="12" name="Rectangle 11"/>
+          <p:cNvPr id="13" name="Rectangle 12"/>
           <p:cNvSpPr/>
           <p:nvPr/>
         </p:nvSpPr>
         <p:spPr>
           <a:xfrm>
-            <a:off x="1426464" y="5221224"/>
-            <a:ext cx="5577840" cy="758190"/>
+            <a:off x="5797296" y="6053328"/>
+            <a:ext cx="1463040" cy="201168"/>
           </a:xfrm>
           <a:prstGeom prst="rect">
             <a:avLst/>
           </a:prstGeom>
           <a:solidFill>
-            <a:srgbClr val="00B0F0">
-              <a:alpha val="27000"/>
+            <a:srgbClr val="FF0000">
+              <a:alpha val="49000"/>
             </a:srgbClr>
           </a:solidFill>
-          <a:ln w="28575">
-            <a:solidFill>
-              <a:schemeClr val="accent1">
-                <a:lumMod val="50000"/>
-              </a:schemeClr>
-            </a:solidFill>
+          <a:ln>
+            <a:noFill/>
           </a:ln>
         </p:spPr>
         <p:style>
@@ -7141,325 +8966,124 @@
           </a:p>
         </p:txBody>
       </p:sp>
-      <p:graphicFrame>
-        <p:nvGraphicFramePr>
-          <p:cNvPr id="13" name="Table 12"/>
-          <p:cNvGraphicFramePr>
-            <a:graphicFrameLocks noGrp="1"/>
-          </p:cNvGraphicFramePr>
-          <p:nvPr>
-            <p:extLst>
-              <p:ext uri="{D42A27DB-BD31-4B8C-83A1-F6EECF244321}">
-                <p14:modId xmlns:p14="http://schemas.microsoft.com/office/powerpoint/2010/main" val="381439965"/>
-              </p:ext>
-            </p:extLst>
-          </p:nvPr>
-        </p:nvGraphicFramePr>
-        <p:xfrm>
-          <a:off x="7704837" y="2315900"/>
-          <a:ext cx="4072635" cy="2989326"/>
-        </p:xfrm>
-        <a:graphic>
-          <a:graphicData uri="http://schemas.openxmlformats.org/drawingml/2006/table">
-            <a:tbl>
-              <a:tblPr firstRow="1" bandRow="1">
-                <a:tableStyleId>{5C22544A-7EE6-4342-B048-85BDC9FD1C3A}</a:tableStyleId>
-              </a:tblPr>
-              <a:tblGrid>
-                <a:gridCol w="1357545"/>
-                <a:gridCol w="1357545"/>
-                <a:gridCol w="1357545"/>
-              </a:tblGrid>
-              <a:tr h="448399">
-                <a:tc>
-                  <a:txBody>
-                    <a:bodyPr/>
-                    <a:lstStyle/>
-                    <a:p>
-                      <a:pPr algn="ctr"/>
-                      <a:r>
-                        <a:rPr lang="en-US" sz="1200" dirty="0" smtClean="0"/>
-                        <a:t>Attribute</a:t>
-                      </a:r>
-                      <a:endParaRPr lang="en-US" sz="1200" dirty="0"/>
-                    </a:p>
-                  </a:txBody>
-                  <a:tcPr/>
-                </a:tc>
-                <a:tc>
-                  <a:txBody>
-                    <a:bodyPr/>
-                    <a:lstStyle/>
-                    <a:p>
-                      <a:pPr algn="ctr"/>
-                      <a:r>
-                        <a:rPr lang="en-US" sz="1200" dirty="0" smtClean="0"/>
-                        <a:t>Options</a:t>
-                      </a:r>
-                      <a:endParaRPr lang="en-US" sz="1200" dirty="0"/>
-                    </a:p>
-                  </a:txBody>
-                  <a:tcPr/>
-                </a:tc>
-                <a:tc>
-                  <a:txBody>
-                    <a:bodyPr/>
-                    <a:lstStyle/>
-                    <a:p>
-                      <a:pPr algn="ctr"/>
-                      <a:r>
-                        <a:rPr lang="en-US" sz="1200" dirty="0" smtClean="0"/>
-                        <a:t>Value</a:t>
-                      </a:r>
-                      <a:endParaRPr lang="en-US" sz="1200" dirty="0"/>
-                    </a:p>
-                  </a:txBody>
-                  <a:tcPr/>
-                </a:tc>
-              </a:tr>
-              <a:tr h="448399">
-                <a:tc>
-                  <a:txBody>
-                    <a:bodyPr/>
-                    <a:lstStyle/>
-                    <a:p>
-                      <a:pPr algn="ctr"/>
-                      <a:r>
-                        <a:rPr lang="en-US" sz="1200" dirty="0" smtClean="0"/>
-                        <a:t>Local IP</a:t>
-                      </a:r>
-                      <a:endParaRPr lang="en-US" sz="1200" dirty="0"/>
-                    </a:p>
-                  </a:txBody>
-                  <a:tcPr/>
-                </a:tc>
-                <a:tc>
-                  <a:txBody>
-                    <a:bodyPr/>
-                    <a:lstStyle/>
-                    <a:p>
-                      <a:pPr algn="ctr"/>
-                      <a:r>
-                        <a:rPr lang="en-US" sz="1200" dirty="0" smtClean="0"/>
-                        <a:t>-</a:t>
-                      </a:r>
-                      <a:endParaRPr lang="en-US" sz="1200" dirty="0"/>
-                    </a:p>
-                  </a:txBody>
-                  <a:tcPr/>
-                </a:tc>
-                <a:tc>
-                  <a:txBody>
-                    <a:bodyPr/>
-                    <a:lstStyle/>
-                    <a:p>
-                      <a:pPr algn="ctr"/>
-                      <a:r>
-                        <a:rPr lang="en-US" sz="1200" dirty="0" smtClean="0"/>
-                        <a:t>192.168.1.3</a:t>
-                      </a:r>
-                      <a:endParaRPr lang="en-US" sz="1200" dirty="0"/>
-                    </a:p>
-                  </a:txBody>
-                  <a:tcPr/>
-                </a:tc>
-              </a:tr>
-              <a:tr h="448399">
-                <a:tc>
-                  <a:txBody>
-                    <a:bodyPr/>
-                    <a:lstStyle/>
-                    <a:p>
-                      <a:pPr algn="ctr"/>
-                      <a:r>
-                        <a:rPr lang="en-US" sz="1200" dirty="0" smtClean="0"/>
-                        <a:t>Local Port</a:t>
-                      </a:r>
-                      <a:endParaRPr lang="en-US" sz="1200" dirty="0"/>
-                    </a:p>
-                  </a:txBody>
-                  <a:tcPr/>
-                </a:tc>
-                <a:tc>
-                  <a:txBody>
-                    <a:bodyPr/>
-                    <a:lstStyle/>
-                    <a:p>
-                      <a:pPr algn="ctr"/>
-                      <a:r>
-                        <a:rPr lang="en-US" sz="1200" dirty="0" smtClean="0"/>
-                        <a:t>-</a:t>
-                      </a:r>
-                      <a:endParaRPr lang="en-US" sz="1200" dirty="0"/>
-                    </a:p>
-                  </a:txBody>
-                  <a:tcPr/>
-                </a:tc>
-                <a:tc>
-                  <a:txBody>
-                    <a:bodyPr/>
-                    <a:lstStyle/>
-                    <a:p>
-                      <a:pPr algn="ctr"/>
-                      <a:r>
-                        <a:rPr lang="en-US" sz="1200" dirty="0" smtClean="0"/>
-                        <a:t>1883</a:t>
-                      </a:r>
-                      <a:endParaRPr lang="en-US" sz="1200" dirty="0"/>
-                    </a:p>
-                  </a:txBody>
-                  <a:tcPr/>
-                </a:tc>
-              </a:tr>
-              <a:tr h="448399">
-                <a:tc>
-                  <a:txBody>
-                    <a:bodyPr/>
-                    <a:lstStyle/>
-                    <a:p>
-                      <a:pPr algn="ctr"/>
-                      <a:r>
-                        <a:rPr lang="en-US" sz="1200" dirty="0" smtClean="0"/>
-                        <a:t>WAN Port</a:t>
-                      </a:r>
-                      <a:endParaRPr lang="en-US" sz="1200" dirty="0"/>
-                    </a:p>
-                  </a:txBody>
-                  <a:tcPr/>
-                </a:tc>
-                <a:tc>
-                  <a:txBody>
-                    <a:bodyPr/>
-                    <a:lstStyle/>
-                    <a:p>
-                      <a:pPr algn="ctr"/>
-                      <a:r>
-                        <a:rPr lang="en-US" sz="1200" dirty="0" smtClean="0"/>
-                        <a:t>-</a:t>
-                      </a:r>
-                      <a:endParaRPr lang="en-US" sz="1200" dirty="0"/>
-                    </a:p>
-                  </a:txBody>
-                  <a:tcPr/>
-                </a:tc>
-                <a:tc>
-                  <a:txBody>
-                    <a:bodyPr/>
-                    <a:lstStyle/>
-                    <a:p>
-                      <a:pPr algn="ctr"/>
-                      <a:r>
-                        <a:rPr lang="en-US" sz="1200" dirty="0" smtClean="0"/>
-                        <a:t>1883</a:t>
-                      </a:r>
-                      <a:endParaRPr lang="en-US" sz="1200" dirty="0"/>
-                    </a:p>
-                  </a:txBody>
-                  <a:tcPr/>
-                </a:tc>
-              </a:tr>
-              <a:tr h="448399">
-                <a:tc>
-                  <a:txBody>
-                    <a:bodyPr/>
-                    <a:lstStyle/>
-                    <a:p>
-                      <a:pPr algn="ctr"/>
-                      <a:r>
-                        <a:rPr lang="en-US" sz="1200" dirty="0" smtClean="0"/>
-                        <a:t>Protocol</a:t>
-                      </a:r>
-                      <a:endParaRPr lang="en-US" sz="1200" dirty="0"/>
-                    </a:p>
-                  </a:txBody>
-                  <a:tcPr/>
-                </a:tc>
-                <a:tc>
-                  <a:txBody>
-                    <a:bodyPr/>
-                    <a:lstStyle/>
-                    <a:p>
-                      <a:pPr algn="ctr"/>
-                      <a:r>
-                        <a:rPr lang="en-US" sz="1200" dirty="0" smtClean="0"/>
-                        <a:t>TCP,UDP</a:t>
-                      </a:r>
-                      <a:endParaRPr lang="en-US" sz="1200" dirty="0"/>
-                    </a:p>
-                  </a:txBody>
-                  <a:tcPr/>
-                </a:tc>
-                <a:tc>
-                  <a:txBody>
-                    <a:bodyPr/>
-                    <a:lstStyle/>
-                    <a:p>
-                      <a:pPr algn="ctr"/>
-                      <a:r>
-                        <a:rPr lang="en-US" sz="1200" dirty="0" smtClean="0"/>
-                        <a:t>TCP</a:t>
-                      </a:r>
-                      <a:endParaRPr lang="en-US" sz="1200" dirty="0"/>
-                    </a:p>
-                  </a:txBody>
-                  <a:tcPr/>
-                </a:tc>
-              </a:tr>
-              <a:tr h="747331">
-                <a:tc>
-                  <a:txBody>
-                    <a:bodyPr/>
-                    <a:lstStyle/>
-                    <a:p>
-                      <a:pPr algn="ctr"/>
-                      <a:r>
-                        <a:rPr lang="en-US" sz="1200" dirty="0" smtClean="0"/>
-                        <a:t>WAN Interface</a:t>
-                      </a:r>
-                      <a:endParaRPr lang="en-US" sz="1200" dirty="0"/>
-                    </a:p>
-                  </a:txBody>
-                  <a:tcPr/>
-                </a:tc>
-                <a:tc>
-                  <a:txBody>
-                    <a:bodyPr/>
-                    <a:lstStyle/>
-                    <a:p>
-                      <a:pPr algn="ctr"/>
-                      <a:r>
-                        <a:rPr lang="en-US" sz="1200" dirty="0" smtClean="0"/>
-                        <a:t>pppoe1, pppoe2,any</a:t>
-                      </a:r>
-                      <a:endParaRPr lang="en-US" sz="1200" dirty="0"/>
-                    </a:p>
-                  </a:txBody>
-                  <a:tcPr/>
-                </a:tc>
-                <a:tc>
-                  <a:txBody>
-                    <a:bodyPr/>
-                    <a:lstStyle/>
-                    <a:p>
-                      <a:pPr algn="ctr"/>
-                      <a:r>
-                        <a:rPr lang="en-US" sz="1200" dirty="0" smtClean="0"/>
-                        <a:t>any</a:t>
-                      </a:r>
-                      <a:endParaRPr lang="en-US" sz="1200" dirty="0"/>
-                    </a:p>
-                  </a:txBody>
-                  <a:tcPr/>
-                </a:tc>
-              </a:tr>
-            </a:tbl>
-          </a:graphicData>
-        </a:graphic>
-      </p:graphicFrame>
+      <p:sp>
+        <p:nvSpPr>
+          <p:cNvPr id="15" name="Rectangle 14"/>
+          <p:cNvSpPr/>
+          <p:nvPr/>
+        </p:nvSpPr>
+        <p:spPr>
+          <a:xfrm>
+            <a:off x="3840480" y="6053328"/>
+            <a:ext cx="969264" cy="201168"/>
+          </a:xfrm>
+          <a:prstGeom prst="rect">
+            <a:avLst/>
+          </a:prstGeom>
+          <a:solidFill>
+            <a:srgbClr val="FF0000">
+              <a:alpha val="49000"/>
+            </a:srgbClr>
+          </a:solidFill>
+          <a:ln>
+            <a:noFill/>
+          </a:ln>
+        </p:spPr>
+        <p:style>
+          <a:lnRef idx="2">
+            <a:schemeClr val="accent1">
+              <a:shade val="50000"/>
+            </a:schemeClr>
+          </a:lnRef>
+          <a:fillRef idx="1">
+            <a:schemeClr val="accent1"/>
+          </a:fillRef>
+          <a:effectRef idx="0">
+            <a:schemeClr val="accent1"/>
+          </a:effectRef>
+          <a:fontRef idx="minor">
+            <a:schemeClr val="lt1"/>
+          </a:fontRef>
+        </p:style>
+        <p:txBody>
+          <a:bodyPr rtlCol="0" anchor="ctr"/>
+          <a:lstStyle/>
+          <a:p>
+            <a:pPr algn="ctr"/>
+            <a:endParaRPr lang="en-US"/>
+          </a:p>
+        </p:txBody>
+      </p:sp>
+      <p:sp>
+        <p:nvSpPr>
+          <p:cNvPr id="19" name="TextBox 18"/>
+          <p:cNvSpPr txBox="1"/>
+          <p:nvPr/>
+        </p:nvSpPr>
+        <p:spPr>
+          <a:xfrm>
+            <a:off x="5820866" y="6296644"/>
+            <a:ext cx="1415900" cy="369332"/>
+          </a:xfrm>
+          <a:prstGeom prst="rect">
+            <a:avLst/>
+          </a:prstGeom>
+          <a:noFill/>
+        </p:spPr>
+        <p:txBody>
+          <a:bodyPr wrap="none" rtlCol="0">
+            <a:spAutoFit/>
+          </a:bodyPr>
+          <a:lstStyle/>
+          <a:p>
+            <a:r>
+              <a:rPr lang="en-US" dirty="0">
+                <a:solidFill>
+                  <a:srgbClr val="FF0000"/>
+                </a:solidFill>
+              </a:rPr>
+              <a:t>MAC address</a:t>
+            </a:r>
+          </a:p>
+        </p:txBody>
+      </p:sp>
+      <p:sp>
+        <p:nvSpPr>
+          <p:cNvPr id="20" name="TextBox 19"/>
+          <p:cNvSpPr txBox="1"/>
+          <p:nvPr/>
+        </p:nvSpPr>
+        <p:spPr>
+          <a:xfrm>
+            <a:off x="3754987" y="6296644"/>
+            <a:ext cx="1140249" cy="369332"/>
+          </a:xfrm>
+          <a:prstGeom prst="rect">
+            <a:avLst/>
+          </a:prstGeom>
+          <a:noFill/>
+        </p:spPr>
+        <p:txBody>
+          <a:bodyPr wrap="none" rtlCol="0">
+            <a:spAutoFit/>
+          </a:bodyPr>
+          <a:lstStyle/>
+          <a:p>
+            <a:r>
+              <a:rPr lang="en-US" dirty="0">
+                <a:solidFill>
+                  <a:srgbClr val="FF0000"/>
+                </a:solidFill>
+              </a:rPr>
+              <a:t>IP address</a:t>
+            </a:r>
+          </a:p>
+        </p:txBody>
+      </p:sp>
     </p:spTree>
     <p:extLst>
       <p:ext uri="{BB962C8B-B14F-4D97-AF65-F5344CB8AC3E}">
-        <p14:creationId xmlns:p14="http://schemas.microsoft.com/office/powerpoint/2010/main" val="1091381892"/>
+        <p14:creationId xmlns:p14="http://schemas.microsoft.com/office/powerpoint/2010/main" val="1592465662"/>
       </p:ext>
     </p:extLst>
   </p:cSld>
